--- a/2023/Projects/Иванов Михаил/Mivlix_GreedCity.pptx
+++ b/2023/Projects/Иванов Михаил/Mivlix_GreedCity.pptx
@@ -3,16 +3,18 @@
 <p:presentation xmlns:a="http://schemas.openxmlformats.org/drawingml/2006/main" xmlns:p="http://schemas.openxmlformats.org/presentationml/2006/main" xmlns:r="http://schemas.openxmlformats.org/officeDocument/2006/relationships" xmlns:p14="http://schemas.microsoft.com/office/powerpoint/2010/main" xmlns:p15="http://schemas.microsoft.com/office/powerpoint/2012/main" xmlns:mc="http://schemas.openxmlformats.org/markup-compatibility/2006">
   <p:sldMasterIdLst>
     <p:sldMasterId id="2147483648" r:id="rId2"/>
+    <p:sldMasterId id="2147483661" r:id="rId3"/>
   </p:sldMasterIdLst>
   <p:sldIdLst>
-    <p:sldId id="256" r:id="rId3"/>
-    <p:sldId id="257" r:id="rId4"/>
-    <p:sldId id="258" r:id="rId5"/>
-    <p:sldId id="259" r:id="rId6"/>
-    <p:sldId id="260" r:id="rId7"/>
-    <p:sldId id="261" r:id="rId8"/>
-    <p:sldId id="262" r:id="rId9"/>
-    <p:sldId id="263" r:id="rId10"/>
+    <p:sldId id="256" r:id="rId4"/>
+    <p:sldId id="257" r:id="rId5"/>
+    <p:sldId id="258" r:id="rId6"/>
+    <p:sldId id="259" r:id="rId7"/>
+    <p:sldId id="260" r:id="rId8"/>
+    <p:sldId id="261" r:id="rId9"/>
+    <p:sldId id="262" r:id="rId10"/>
+    <p:sldId id="263" r:id="rId11"/>
+    <p:sldId id="264" r:id="rId12"/>
   </p:sldIdLst>
   <p:sldSz cx="12192000" cy="6858000"/>
   <p:notesSz cx="7559675" cy="10691813"/>
@@ -43,7 +45,7 @@
             <a:spLocks noGrp="1"/>
           </p:cNvSpPr>
           <p:nvPr>
-            <p:ph type="ftr" idx="2"/>
+            <p:ph type="ftr" idx="1"/>
           </p:nvPr>
         </p:nvSpPr>
         <p:spPr/>
@@ -63,14 +65,14 @@
             <a:spLocks noGrp="1"/>
           </p:cNvSpPr>
           <p:nvPr>
-            <p:ph type="sldNum" idx="3"/>
+            <p:ph type="sldNum" idx="2"/>
           </p:nvPr>
         </p:nvSpPr>
         <p:spPr/>
         <p:txBody>
           <a:bodyPr/>
           <a:p>
-            <a:fld id="{F7B64278-83DB-45AD-85DD-B925E588A5D9}" type="slidenum">
+            <a:fld id="{6DBF1AF1-92A3-48C8-BECF-6F43814CBB5A}" type="slidenum">
               <a:t>&lt;#&gt;</a:t>
             </a:fld>
           </a:p>
@@ -83,7 +85,7 @@
             <a:spLocks noGrp="1"/>
           </p:cNvSpPr>
           <p:nvPr>
-            <p:ph type="dt" idx="1"/>
+            <p:ph type="dt" idx="3"/>
           </p:nvPr>
         </p:nvSpPr>
         <p:spPr/>
@@ -131,8 +133,8 @@
         </p:nvSpPr>
         <p:spPr>
           <a:xfrm>
-            <a:off x="1523880" y="1122480"/>
-            <a:ext cx="9143640" cy="2387160"/>
+            <a:off x="609480" y="221040"/>
+            <a:ext cx="10972440" cy="1250280"/>
           </a:xfrm>
           <a:prstGeom prst="rect">
             <a:avLst/>
@@ -147,14 +149,14 @@
             <a:noAutofit/>
           </a:bodyPr>
           <a:p>
-            <a:pPr indent="0">
-              <a:buNone/>
-            </a:pPr>
-            <a:endParaRPr b="0" lang="en-US" sz="1800" spc="-1" strike="noStrike">
-              <a:solidFill>
-                <a:srgbClr val="000000"/>
-              </a:solidFill>
-              <a:latin typeface="Calibri"/>
+            <a:pPr indent="0" algn="ctr">
+              <a:buNone/>
+            </a:pPr>
+            <a:endParaRPr b="0" lang="ru-RU" sz="4400" spc="-1" strike="noStrike">
+              <a:solidFill>
+                <a:srgbClr val="000000"/>
+              </a:solidFill>
+              <a:latin typeface="Arial"/>
             </a:endParaRPr>
           </a:p>
         </p:txBody>
@@ -188,19 +190,16 @@
           </a:bodyPr>
           <a:p>
             <a:pPr indent="0">
-              <a:lnSpc>
-                <a:spcPct val="90000"/>
-              </a:lnSpc>
               <a:spcBef>
                 <a:spcPts val="1417"/>
               </a:spcBef>
               <a:buNone/>
             </a:pPr>
-            <a:endParaRPr b="0" lang="en-US" sz="2800" spc="-1" strike="noStrike">
-              <a:solidFill>
-                <a:srgbClr val="000000"/>
-              </a:solidFill>
-              <a:latin typeface="Calibri"/>
+            <a:endParaRPr b="0" lang="ru-RU" sz="3200" spc="-1" strike="noStrike">
+              <a:solidFill>
+                <a:srgbClr val="000000"/>
+              </a:solidFill>
+              <a:latin typeface="Arial"/>
             </a:endParaRPr>
           </a:p>
         </p:txBody>
@@ -234,19 +233,16 @@
           </a:bodyPr>
           <a:p>
             <a:pPr indent="0">
-              <a:lnSpc>
-                <a:spcPct val="90000"/>
-              </a:lnSpc>
               <a:spcBef>
                 <a:spcPts val="1417"/>
               </a:spcBef>
               <a:buNone/>
             </a:pPr>
-            <a:endParaRPr b="0" lang="en-US" sz="2800" spc="-1" strike="noStrike">
-              <a:solidFill>
-                <a:srgbClr val="000000"/>
-              </a:solidFill>
-              <a:latin typeface="Calibri"/>
+            <a:endParaRPr b="0" lang="ru-RU" sz="3200" spc="-1" strike="noStrike">
+              <a:solidFill>
+                <a:srgbClr val="000000"/>
+              </a:solidFill>
+              <a:latin typeface="Arial"/>
             </a:endParaRPr>
           </a:p>
         </p:txBody>
@@ -258,7 +254,7 @@
             <a:spLocks noGrp="1"/>
           </p:cNvSpPr>
           <p:nvPr>
-            <p:ph type="ftr" idx="2"/>
+            <p:ph type="ftr" idx="1"/>
           </p:nvPr>
         </p:nvSpPr>
         <p:spPr/>
@@ -278,14 +274,14 @@
             <a:spLocks noGrp="1"/>
           </p:cNvSpPr>
           <p:nvPr>
-            <p:ph type="sldNum" idx="3"/>
+            <p:ph type="sldNum" idx="2"/>
           </p:nvPr>
         </p:nvSpPr>
         <p:spPr/>
         <p:txBody>
           <a:bodyPr/>
           <a:p>
-            <a:fld id="{3CAB7DC9-AB36-42D0-9F9A-C3CB4F83D5DF}" type="slidenum">
+            <a:fld id="{DD13A117-1D9C-4474-BF0E-2D4DE5DD296A}" type="slidenum">
               <a:t>&lt;#&gt;</a:t>
             </a:fld>
           </a:p>
@@ -298,7 +294,7 @@
             <a:spLocks noGrp="1"/>
           </p:cNvSpPr>
           <p:nvPr>
-            <p:ph type="dt" idx="1"/>
+            <p:ph type="dt" idx="3"/>
           </p:nvPr>
         </p:nvSpPr>
         <p:spPr/>
@@ -346,8 +342,8 @@
         </p:nvSpPr>
         <p:spPr>
           <a:xfrm>
-            <a:off x="1523880" y="1122480"/>
-            <a:ext cx="9143640" cy="2387160"/>
+            <a:off x="609480" y="221040"/>
+            <a:ext cx="10972440" cy="1250280"/>
           </a:xfrm>
           <a:prstGeom prst="rect">
             <a:avLst/>
@@ -362,14 +358,14 @@
             <a:noAutofit/>
           </a:bodyPr>
           <a:p>
-            <a:pPr indent="0">
-              <a:buNone/>
-            </a:pPr>
-            <a:endParaRPr b="0" lang="en-US" sz="1800" spc="-1" strike="noStrike">
-              <a:solidFill>
-                <a:srgbClr val="000000"/>
-              </a:solidFill>
-              <a:latin typeface="Calibri"/>
+            <a:pPr indent="0" algn="ctr">
+              <a:buNone/>
+            </a:pPr>
+            <a:endParaRPr b="0" lang="ru-RU" sz="4400" spc="-1" strike="noStrike">
+              <a:solidFill>
+                <a:srgbClr val="000000"/>
+              </a:solidFill>
+              <a:latin typeface="Arial"/>
             </a:endParaRPr>
           </a:p>
         </p:txBody>
@@ -403,19 +399,16 @@
           </a:bodyPr>
           <a:p>
             <a:pPr indent="0">
-              <a:lnSpc>
-                <a:spcPct val="90000"/>
-              </a:lnSpc>
               <a:spcBef>
                 <a:spcPts val="1417"/>
               </a:spcBef>
               <a:buNone/>
             </a:pPr>
-            <a:endParaRPr b="0" lang="en-US" sz="2800" spc="-1" strike="noStrike">
-              <a:solidFill>
-                <a:srgbClr val="000000"/>
-              </a:solidFill>
-              <a:latin typeface="Calibri"/>
+            <a:endParaRPr b="0" lang="ru-RU" sz="3200" spc="-1" strike="noStrike">
+              <a:solidFill>
+                <a:srgbClr val="000000"/>
+              </a:solidFill>
+              <a:latin typeface="Arial"/>
             </a:endParaRPr>
           </a:p>
         </p:txBody>
@@ -449,19 +442,16 @@
           </a:bodyPr>
           <a:p>
             <a:pPr indent="0">
-              <a:lnSpc>
-                <a:spcPct val="90000"/>
-              </a:lnSpc>
               <a:spcBef>
                 <a:spcPts val="1417"/>
               </a:spcBef>
               <a:buNone/>
             </a:pPr>
-            <a:endParaRPr b="0" lang="en-US" sz="2800" spc="-1" strike="noStrike">
-              <a:solidFill>
-                <a:srgbClr val="000000"/>
-              </a:solidFill>
-              <a:latin typeface="Calibri"/>
+            <a:endParaRPr b="0" lang="ru-RU" sz="3200" spc="-1" strike="noStrike">
+              <a:solidFill>
+                <a:srgbClr val="000000"/>
+              </a:solidFill>
+              <a:latin typeface="Arial"/>
             </a:endParaRPr>
           </a:p>
         </p:txBody>
@@ -495,19 +485,16 @@
           </a:bodyPr>
           <a:p>
             <a:pPr indent="0">
-              <a:lnSpc>
-                <a:spcPct val="90000"/>
-              </a:lnSpc>
               <a:spcBef>
                 <a:spcPts val="1417"/>
               </a:spcBef>
               <a:buNone/>
             </a:pPr>
-            <a:endParaRPr b="0" lang="en-US" sz="2800" spc="-1" strike="noStrike">
-              <a:solidFill>
-                <a:srgbClr val="000000"/>
-              </a:solidFill>
-              <a:latin typeface="Calibri"/>
+            <a:endParaRPr b="0" lang="ru-RU" sz="3200" spc="-1" strike="noStrike">
+              <a:solidFill>
+                <a:srgbClr val="000000"/>
+              </a:solidFill>
+              <a:latin typeface="Arial"/>
             </a:endParaRPr>
           </a:p>
         </p:txBody>
@@ -541,19 +528,16 @@
           </a:bodyPr>
           <a:p>
             <a:pPr indent="0">
-              <a:lnSpc>
-                <a:spcPct val="90000"/>
-              </a:lnSpc>
               <a:spcBef>
                 <a:spcPts val="1417"/>
               </a:spcBef>
               <a:buNone/>
             </a:pPr>
-            <a:endParaRPr b="0" lang="en-US" sz="2800" spc="-1" strike="noStrike">
-              <a:solidFill>
-                <a:srgbClr val="000000"/>
-              </a:solidFill>
-              <a:latin typeface="Calibri"/>
+            <a:endParaRPr b="0" lang="ru-RU" sz="3200" spc="-1" strike="noStrike">
+              <a:solidFill>
+                <a:srgbClr val="000000"/>
+              </a:solidFill>
+              <a:latin typeface="Arial"/>
             </a:endParaRPr>
           </a:p>
         </p:txBody>
@@ -565,7 +549,7 @@
             <a:spLocks noGrp="1"/>
           </p:cNvSpPr>
           <p:nvPr>
-            <p:ph type="ftr" idx="2"/>
+            <p:ph type="ftr" idx="1"/>
           </p:nvPr>
         </p:nvSpPr>
         <p:spPr/>
@@ -585,14 +569,14 @@
             <a:spLocks noGrp="1"/>
           </p:cNvSpPr>
           <p:nvPr>
-            <p:ph type="sldNum" idx="3"/>
+            <p:ph type="sldNum" idx="2"/>
           </p:nvPr>
         </p:nvSpPr>
         <p:spPr/>
         <p:txBody>
           <a:bodyPr/>
           <a:p>
-            <a:fld id="{EC18352F-8971-49FC-AADB-23C5A6E1A3A0}" type="slidenum">
+            <a:fld id="{F95905FD-C38A-472A-A1CB-BDAF0F21070F}" type="slidenum">
               <a:t>&lt;#&gt;</a:t>
             </a:fld>
           </a:p>
@@ -605,7 +589,7 @@
             <a:spLocks noGrp="1"/>
           </p:cNvSpPr>
           <p:nvPr>
-            <p:ph type="dt" idx="1"/>
+            <p:ph type="dt" idx="3"/>
           </p:nvPr>
         </p:nvSpPr>
         <p:spPr/>
@@ -653,8 +637,8 @@
         </p:nvSpPr>
         <p:spPr>
           <a:xfrm>
-            <a:off x="1523880" y="1122480"/>
-            <a:ext cx="9143640" cy="2387160"/>
+            <a:off x="609480" y="221040"/>
+            <a:ext cx="10972440" cy="1250280"/>
           </a:xfrm>
           <a:prstGeom prst="rect">
             <a:avLst/>
@@ -669,14 +653,14 @@
             <a:noAutofit/>
           </a:bodyPr>
           <a:p>
-            <a:pPr indent="0">
-              <a:buNone/>
-            </a:pPr>
-            <a:endParaRPr b="0" lang="en-US" sz="1800" spc="-1" strike="noStrike">
-              <a:solidFill>
-                <a:srgbClr val="000000"/>
-              </a:solidFill>
-              <a:latin typeface="Calibri"/>
+            <a:pPr indent="0" algn="ctr">
+              <a:buNone/>
+            </a:pPr>
+            <a:endParaRPr b="0" lang="ru-RU" sz="4400" spc="-1" strike="noStrike">
+              <a:solidFill>
+                <a:srgbClr val="000000"/>
+              </a:solidFill>
+              <a:latin typeface="Arial"/>
             </a:endParaRPr>
           </a:p>
         </p:txBody>
@@ -706,23 +690,20 @@
         </p:spPr>
         <p:txBody>
           <a:bodyPr lIns="0" rIns="0" tIns="0" bIns="0" anchor="t">
-            <a:normAutofit/>
+            <a:normAutofit fontScale="91000"/>
           </a:bodyPr>
           <a:p>
             <a:pPr indent="0">
-              <a:lnSpc>
-                <a:spcPct val="90000"/>
-              </a:lnSpc>
               <a:spcBef>
                 <a:spcPts val="1417"/>
               </a:spcBef>
               <a:buNone/>
             </a:pPr>
-            <a:endParaRPr b="0" lang="en-US" sz="2800" spc="-1" strike="noStrike">
-              <a:solidFill>
-                <a:srgbClr val="000000"/>
-              </a:solidFill>
-              <a:latin typeface="Calibri"/>
+            <a:endParaRPr b="0" lang="ru-RU" sz="3200" spc="-1" strike="noStrike">
+              <a:solidFill>
+                <a:srgbClr val="000000"/>
+              </a:solidFill>
+              <a:latin typeface="Arial"/>
             </a:endParaRPr>
           </a:p>
         </p:txBody>
@@ -752,23 +733,20 @@
         </p:spPr>
         <p:txBody>
           <a:bodyPr lIns="0" rIns="0" tIns="0" bIns="0" anchor="t">
-            <a:normAutofit/>
+            <a:normAutofit fontScale="91000"/>
           </a:bodyPr>
           <a:p>
             <a:pPr indent="0">
-              <a:lnSpc>
-                <a:spcPct val="90000"/>
-              </a:lnSpc>
               <a:spcBef>
                 <a:spcPts val="1417"/>
               </a:spcBef>
               <a:buNone/>
             </a:pPr>
-            <a:endParaRPr b="0" lang="en-US" sz="2800" spc="-1" strike="noStrike">
-              <a:solidFill>
-                <a:srgbClr val="000000"/>
-              </a:solidFill>
-              <a:latin typeface="Calibri"/>
+            <a:endParaRPr b="0" lang="ru-RU" sz="3200" spc="-1" strike="noStrike">
+              <a:solidFill>
+                <a:srgbClr val="000000"/>
+              </a:solidFill>
+              <a:latin typeface="Arial"/>
             </a:endParaRPr>
           </a:p>
         </p:txBody>
@@ -798,23 +776,20 @@
         </p:spPr>
         <p:txBody>
           <a:bodyPr lIns="0" rIns="0" tIns="0" bIns="0" anchor="t">
-            <a:normAutofit/>
+            <a:normAutofit fontScale="91000"/>
           </a:bodyPr>
           <a:p>
             <a:pPr indent="0">
-              <a:lnSpc>
-                <a:spcPct val="90000"/>
-              </a:lnSpc>
               <a:spcBef>
                 <a:spcPts val="1417"/>
               </a:spcBef>
               <a:buNone/>
             </a:pPr>
-            <a:endParaRPr b="0" lang="en-US" sz="2800" spc="-1" strike="noStrike">
-              <a:solidFill>
-                <a:srgbClr val="000000"/>
-              </a:solidFill>
-              <a:latin typeface="Calibri"/>
+            <a:endParaRPr b="0" lang="ru-RU" sz="3200" spc="-1" strike="noStrike">
+              <a:solidFill>
+                <a:srgbClr val="000000"/>
+              </a:solidFill>
+              <a:latin typeface="Arial"/>
             </a:endParaRPr>
           </a:p>
         </p:txBody>
@@ -844,23 +819,20 @@
         </p:spPr>
         <p:txBody>
           <a:bodyPr lIns="0" rIns="0" tIns="0" bIns="0" anchor="t">
-            <a:normAutofit/>
+            <a:normAutofit fontScale="91000"/>
           </a:bodyPr>
           <a:p>
             <a:pPr indent="0">
-              <a:lnSpc>
-                <a:spcPct val="90000"/>
-              </a:lnSpc>
               <a:spcBef>
                 <a:spcPts val="1417"/>
               </a:spcBef>
               <a:buNone/>
             </a:pPr>
-            <a:endParaRPr b="0" lang="en-US" sz="2800" spc="-1" strike="noStrike">
-              <a:solidFill>
-                <a:srgbClr val="000000"/>
-              </a:solidFill>
-              <a:latin typeface="Calibri"/>
+            <a:endParaRPr b="0" lang="ru-RU" sz="3200" spc="-1" strike="noStrike">
+              <a:solidFill>
+                <a:srgbClr val="000000"/>
+              </a:solidFill>
+              <a:latin typeface="Arial"/>
             </a:endParaRPr>
           </a:p>
         </p:txBody>
@@ -890,23 +862,20 @@
         </p:spPr>
         <p:txBody>
           <a:bodyPr lIns="0" rIns="0" tIns="0" bIns="0" anchor="t">
-            <a:normAutofit/>
+            <a:normAutofit fontScale="91000"/>
           </a:bodyPr>
           <a:p>
             <a:pPr indent="0">
-              <a:lnSpc>
-                <a:spcPct val="90000"/>
-              </a:lnSpc>
               <a:spcBef>
                 <a:spcPts val="1417"/>
               </a:spcBef>
               <a:buNone/>
             </a:pPr>
-            <a:endParaRPr b="0" lang="en-US" sz="2800" spc="-1" strike="noStrike">
-              <a:solidFill>
-                <a:srgbClr val="000000"/>
-              </a:solidFill>
-              <a:latin typeface="Calibri"/>
+            <a:endParaRPr b="0" lang="ru-RU" sz="3200" spc="-1" strike="noStrike">
+              <a:solidFill>
+                <a:srgbClr val="000000"/>
+              </a:solidFill>
+              <a:latin typeface="Arial"/>
             </a:endParaRPr>
           </a:p>
         </p:txBody>
@@ -936,23 +905,20 @@
         </p:spPr>
         <p:txBody>
           <a:bodyPr lIns="0" rIns="0" tIns="0" bIns="0" anchor="t">
-            <a:normAutofit/>
+            <a:normAutofit fontScale="91000"/>
           </a:bodyPr>
           <a:p>
             <a:pPr indent="0">
-              <a:lnSpc>
-                <a:spcPct val="90000"/>
-              </a:lnSpc>
               <a:spcBef>
                 <a:spcPts val="1417"/>
               </a:spcBef>
               <a:buNone/>
             </a:pPr>
-            <a:endParaRPr b="0" lang="en-US" sz="2800" spc="-1" strike="noStrike">
-              <a:solidFill>
-                <a:srgbClr val="000000"/>
-              </a:solidFill>
-              <a:latin typeface="Calibri"/>
+            <a:endParaRPr b="0" lang="ru-RU" sz="3200" spc="-1" strike="noStrike">
+              <a:solidFill>
+                <a:srgbClr val="000000"/>
+              </a:solidFill>
+              <a:latin typeface="Arial"/>
             </a:endParaRPr>
           </a:p>
         </p:txBody>
@@ -964,7 +930,7 @@
             <a:spLocks noGrp="1"/>
           </p:cNvSpPr>
           <p:nvPr>
-            <p:ph type="ftr" idx="2"/>
+            <p:ph type="ftr" idx="1"/>
           </p:nvPr>
         </p:nvSpPr>
         <p:spPr/>
@@ -984,14 +950,14 @@
             <a:spLocks noGrp="1"/>
           </p:cNvSpPr>
           <p:nvPr>
-            <p:ph type="sldNum" idx="3"/>
+            <p:ph type="sldNum" idx="2"/>
           </p:nvPr>
         </p:nvSpPr>
         <p:spPr/>
         <p:txBody>
           <a:bodyPr/>
           <a:p>
-            <a:fld id="{BC35EF56-7870-4CBC-A2C5-48BC2167973B}" type="slidenum">
+            <a:fld id="{FC151764-7341-4E14-AEC7-F1FEE4A2204F}" type="slidenum">
               <a:t>&lt;#&gt;</a:t>
             </a:fld>
           </a:p>
@@ -1004,7 +970,1124 @@
             <a:spLocks noGrp="1"/>
           </p:cNvSpPr>
           <p:nvPr>
-            <p:ph type="dt" idx="1"/>
+            <p:ph type="dt" idx="3"/>
+          </p:nvPr>
+        </p:nvSpPr>
+        <p:spPr/>
+        <p:txBody>
+          <a:bodyPr/>
+          <a:p>
+            <a:r>
+              <a:rPr lang="ru-RU"/>
+              <a:t/>
+            </a:r>
+          </a:p>
+        </p:txBody>
+      </p:sp>
+    </p:spTree>
+  </p:cSld>
+</p:sldLayout>
+</file>
+
+<file path=ppt/slideLayouts/slideLayout13.xml><?xml version="1.0" encoding="utf-8"?>
+<p:sldLayout xmlns:a="http://schemas.openxmlformats.org/drawingml/2006/main" xmlns:p="http://schemas.openxmlformats.org/presentationml/2006/main" xmlns:r="http://schemas.openxmlformats.org/officeDocument/2006/relationships" xmlns:p14="http://schemas.microsoft.com/office/powerpoint/2010/main" xmlns:p15="http://schemas.microsoft.com/office/powerpoint/2012/main" xmlns:mc="http://schemas.openxmlformats.org/markup-compatibility/2006" type="blank" preserve="1">
+  <p:cSld name="Blank Slide">
+    <p:spTree>
+      <p:nvGrpSpPr>
+        <p:cNvPr id="1" name=""/>
+        <p:cNvGrpSpPr/>
+        <p:nvPr/>
+      </p:nvGrpSpPr>
+      <p:grpSpPr>
+        <a:xfrm>
+          <a:off x="0" y="0"/>
+          <a:ext cx="0" cy="0"/>
+          <a:chOff x="0" y="0"/>
+          <a:chExt cx="0" cy="0"/>
+        </a:xfrm>
+      </p:grpSpPr>
+      <p:sp>
+        <p:nvSpPr>
+          <p:cNvPr id="2" name="PlaceHolder 1"/>
+          <p:cNvSpPr>
+            <a:spLocks noGrp="1"/>
+          </p:cNvSpPr>
+          <p:nvPr>
+            <p:ph type="ftr" idx="4"/>
+          </p:nvPr>
+        </p:nvSpPr>
+        <p:spPr/>
+        <p:txBody>
+          <a:bodyPr/>
+          <a:p>
+            <a:r>
+              <a:t>Footer</a:t>
+            </a:r>
+          </a:p>
+        </p:txBody>
+      </p:sp>
+      <p:sp>
+        <p:nvSpPr>
+          <p:cNvPr id="3" name="PlaceHolder 2"/>
+          <p:cNvSpPr>
+            <a:spLocks noGrp="1"/>
+          </p:cNvSpPr>
+          <p:nvPr>
+            <p:ph type="sldNum" idx="5"/>
+          </p:nvPr>
+        </p:nvSpPr>
+        <p:spPr/>
+        <p:txBody>
+          <a:bodyPr/>
+          <a:p>
+            <a:fld id="{41EB5888-DBC9-41E3-8CE8-2D3FA26EC988}" type="slidenum">
+              <a:t>&lt;#&gt;</a:t>
+            </a:fld>
+          </a:p>
+        </p:txBody>
+      </p:sp>
+      <p:sp>
+        <p:nvSpPr>
+          <p:cNvPr id="4" name="PlaceHolder 3"/>
+          <p:cNvSpPr>
+            <a:spLocks noGrp="1"/>
+          </p:cNvSpPr>
+          <p:nvPr>
+            <p:ph type="dt" idx="6"/>
+          </p:nvPr>
+        </p:nvSpPr>
+        <p:spPr/>
+        <p:txBody>
+          <a:bodyPr/>
+          <a:p>
+            <a:r>
+              <a:rPr lang="ru-RU"/>
+              <a:t/>
+            </a:r>
+          </a:p>
+        </p:txBody>
+      </p:sp>
+    </p:spTree>
+  </p:cSld>
+</p:sldLayout>
+</file>
+
+<file path=ppt/slideLayouts/slideLayout14.xml><?xml version="1.0" encoding="utf-8"?>
+<p:sldLayout xmlns:a="http://schemas.openxmlformats.org/drawingml/2006/main" xmlns:p="http://schemas.openxmlformats.org/presentationml/2006/main" xmlns:r="http://schemas.openxmlformats.org/officeDocument/2006/relationships" xmlns:p14="http://schemas.microsoft.com/office/powerpoint/2010/main" xmlns:p15="http://schemas.microsoft.com/office/powerpoint/2012/main" xmlns:mc="http://schemas.openxmlformats.org/markup-compatibility/2006" type="tx" preserve="1">
+  <p:cSld name="Title Slide">
+    <p:spTree>
+      <p:nvGrpSpPr>
+        <p:cNvPr id="1" name=""/>
+        <p:cNvGrpSpPr/>
+        <p:nvPr/>
+      </p:nvGrpSpPr>
+      <p:grpSpPr>
+        <a:xfrm>
+          <a:off x="0" y="0"/>
+          <a:ext cx="0" cy="0"/>
+          <a:chOff x="0" y="0"/>
+          <a:chExt cx="0" cy="0"/>
+        </a:xfrm>
+      </p:grpSpPr>
+      <p:sp>
+        <p:nvSpPr>
+          <p:cNvPr id="47" name="PlaceHolder 1"/>
+          <p:cNvSpPr>
+            <a:spLocks noGrp="1"/>
+          </p:cNvSpPr>
+          <p:nvPr>
+            <p:ph type="title"/>
+          </p:nvPr>
+        </p:nvSpPr>
+        <p:spPr>
+          <a:xfrm>
+            <a:off x="609480" y="221040"/>
+            <a:ext cx="10972440" cy="1250280"/>
+          </a:xfrm>
+          <a:prstGeom prst="rect">
+            <a:avLst/>
+          </a:prstGeom>
+          <a:noFill/>
+          <a:ln w="0">
+            <a:noFill/>
+          </a:ln>
+        </p:spPr>
+        <p:txBody>
+          <a:bodyPr lIns="0" rIns="0" tIns="0" bIns="0" anchor="ctr">
+            <a:noAutofit/>
+          </a:bodyPr>
+          <a:p>
+            <a:pPr indent="0" algn="ctr">
+              <a:buNone/>
+            </a:pPr>
+            <a:endParaRPr b="0" lang="ru-RU" sz="4400" spc="-1" strike="noStrike">
+              <a:solidFill>
+                <a:srgbClr val="000000"/>
+              </a:solidFill>
+              <a:latin typeface="Arial"/>
+            </a:endParaRPr>
+          </a:p>
+        </p:txBody>
+      </p:sp>
+      <p:sp>
+        <p:nvSpPr>
+          <p:cNvPr id="48" name="PlaceHolder 2"/>
+          <p:cNvSpPr>
+            <a:spLocks noGrp="1"/>
+          </p:cNvSpPr>
+          <p:nvPr>
+            <p:ph type="subTitle"/>
+          </p:nvPr>
+        </p:nvSpPr>
+        <p:spPr>
+          <a:xfrm>
+            <a:off x="609480" y="1604520"/>
+            <a:ext cx="10972440" cy="3977280"/>
+          </a:xfrm>
+          <a:prstGeom prst="rect">
+            <a:avLst/>
+          </a:prstGeom>
+          <a:noFill/>
+          <a:ln w="0">
+            <a:noFill/>
+          </a:ln>
+        </p:spPr>
+        <p:txBody>
+          <a:bodyPr lIns="0" rIns="0" tIns="0" bIns="0" anchor="ctr">
+            <a:noAutofit/>
+          </a:bodyPr>
+          <a:p>
+            <a:pPr indent="0" algn="ctr">
+              <a:buNone/>
+            </a:pPr>
+            <a:endParaRPr b="0" lang="ru-RU" sz="3200" spc="-1" strike="noStrike">
+              <a:solidFill>
+                <a:srgbClr val="000000"/>
+              </a:solidFill>
+              <a:latin typeface="Arial"/>
+            </a:endParaRPr>
+          </a:p>
+        </p:txBody>
+      </p:sp>
+      <p:sp>
+        <p:nvSpPr>
+          <p:cNvPr id="4" name="PlaceHolder 3"/>
+          <p:cNvSpPr>
+            <a:spLocks noGrp="1"/>
+          </p:cNvSpPr>
+          <p:nvPr>
+            <p:ph type="ftr" idx="4"/>
+          </p:nvPr>
+        </p:nvSpPr>
+        <p:spPr/>
+        <p:txBody>
+          <a:bodyPr/>
+          <a:p>
+            <a:r>
+              <a:t>Footer</a:t>
+            </a:r>
+          </a:p>
+        </p:txBody>
+      </p:sp>
+      <p:sp>
+        <p:nvSpPr>
+          <p:cNvPr id="5" name="PlaceHolder 4"/>
+          <p:cNvSpPr>
+            <a:spLocks noGrp="1"/>
+          </p:cNvSpPr>
+          <p:nvPr>
+            <p:ph type="sldNum" idx="5"/>
+          </p:nvPr>
+        </p:nvSpPr>
+        <p:spPr/>
+        <p:txBody>
+          <a:bodyPr/>
+          <a:p>
+            <a:fld id="{335015B9-2DE5-4CC3-A326-D710715ED068}" type="slidenum">
+              <a:t>&lt;#&gt;</a:t>
+            </a:fld>
+          </a:p>
+        </p:txBody>
+      </p:sp>
+      <p:sp>
+        <p:nvSpPr>
+          <p:cNvPr id="6" name="PlaceHolder 5"/>
+          <p:cNvSpPr>
+            <a:spLocks noGrp="1"/>
+          </p:cNvSpPr>
+          <p:nvPr>
+            <p:ph type="dt" idx="6"/>
+          </p:nvPr>
+        </p:nvSpPr>
+        <p:spPr/>
+        <p:txBody>
+          <a:bodyPr/>
+          <a:p>
+            <a:r>
+              <a:rPr lang="ru-RU"/>
+              <a:t/>
+            </a:r>
+          </a:p>
+        </p:txBody>
+      </p:sp>
+    </p:spTree>
+  </p:cSld>
+</p:sldLayout>
+</file>
+
+<file path=ppt/slideLayouts/slideLayout15.xml><?xml version="1.0" encoding="utf-8"?>
+<p:sldLayout xmlns:a="http://schemas.openxmlformats.org/drawingml/2006/main" xmlns:p="http://schemas.openxmlformats.org/presentationml/2006/main" xmlns:r="http://schemas.openxmlformats.org/officeDocument/2006/relationships" xmlns:p14="http://schemas.microsoft.com/office/powerpoint/2010/main" xmlns:p15="http://schemas.microsoft.com/office/powerpoint/2012/main" xmlns:mc="http://schemas.openxmlformats.org/markup-compatibility/2006" type="obj" preserve="1">
+  <p:cSld name="Title, Content">
+    <p:spTree>
+      <p:nvGrpSpPr>
+        <p:cNvPr id="1" name=""/>
+        <p:cNvGrpSpPr/>
+        <p:nvPr/>
+      </p:nvGrpSpPr>
+      <p:grpSpPr>
+        <a:xfrm>
+          <a:off x="0" y="0"/>
+          <a:ext cx="0" cy="0"/>
+          <a:chOff x="0" y="0"/>
+          <a:chExt cx="0" cy="0"/>
+        </a:xfrm>
+      </p:grpSpPr>
+      <p:sp>
+        <p:nvSpPr>
+          <p:cNvPr id="49" name="PlaceHolder 1"/>
+          <p:cNvSpPr>
+            <a:spLocks noGrp="1"/>
+          </p:cNvSpPr>
+          <p:nvPr>
+            <p:ph type="title"/>
+          </p:nvPr>
+        </p:nvSpPr>
+        <p:spPr>
+          <a:xfrm>
+            <a:off x="609480" y="221040"/>
+            <a:ext cx="10972440" cy="1250280"/>
+          </a:xfrm>
+          <a:prstGeom prst="rect">
+            <a:avLst/>
+          </a:prstGeom>
+          <a:noFill/>
+          <a:ln w="0">
+            <a:noFill/>
+          </a:ln>
+        </p:spPr>
+        <p:txBody>
+          <a:bodyPr lIns="0" rIns="0" tIns="0" bIns="0" anchor="ctr">
+            <a:noAutofit/>
+          </a:bodyPr>
+          <a:p>
+            <a:pPr indent="0" algn="ctr">
+              <a:buNone/>
+            </a:pPr>
+            <a:endParaRPr b="0" lang="ru-RU" sz="4400" spc="-1" strike="noStrike">
+              <a:solidFill>
+                <a:srgbClr val="000000"/>
+              </a:solidFill>
+              <a:latin typeface="Arial"/>
+            </a:endParaRPr>
+          </a:p>
+        </p:txBody>
+      </p:sp>
+      <p:sp>
+        <p:nvSpPr>
+          <p:cNvPr id="50" name="PlaceHolder 2"/>
+          <p:cNvSpPr>
+            <a:spLocks noGrp="1"/>
+          </p:cNvSpPr>
+          <p:nvPr>
+            <p:ph/>
+          </p:nvPr>
+        </p:nvSpPr>
+        <p:spPr>
+          <a:xfrm>
+            <a:off x="609480" y="1604520"/>
+            <a:ext cx="10972440" cy="3977280"/>
+          </a:xfrm>
+          <a:prstGeom prst="rect">
+            <a:avLst/>
+          </a:prstGeom>
+          <a:noFill/>
+          <a:ln w="0">
+            <a:noFill/>
+          </a:ln>
+        </p:spPr>
+        <p:txBody>
+          <a:bodyPr lIns="0" rIns="0" tIns="0" bIns="0" anchor="t">
+            <a:normAutofit/>
+          </a:bodyPr>
+          <a:p>
+            <a:pPr indent="0">
+              <a:spcBef>
+                <a:spcPts val="1417"/>
+              </a:spcBef>
+              <a:buNone/>
+            </a:pPr>
+            <a:endParaRPr b="0" lang="ru-RU" sz="3200" spc="-1" strike="noStrike">
+              <a:solidFill>
+                <a:srgbClr val="000000"/>
+              </a:solidFill>
+              <a:latin typeface="Arial"/>
+            </a:endParaRPr>
+          </a:p>
+        </p:txBody>
+      </p:sp>
+      <p:sp>
+        <p:nvSpPr>
+          <p:cNvPr id="4" name="PlaceHolder 3"/>
+          <p:cNvSpPr>
+            <a:spLocks noGrp="1"/>
+          </p:cNvSpPr>
+          <p:nvPr>
+            <p:ph type="ftr" idx="4"/>
+          </p:nvPr>
+        </p:nvSpPr>
+        <p:spPr/>
+        <p:txBody>
+          <a:bodyPr/>
+          <a:p>
+            <a:r>
+              <a:t>Footer</a:t>
+            </a:r>
+          </a:p>
+        </p:txBody>
+      </p:sp>
+      <p:sp>
+        <p:nvSpPr>
+          <p:cNvPr id="5" name="PlaceHolder 4"/>
+          <p:cNvSpPr>
+            <a:spLocks noGrp="1"/>
+          </p:cNvSpPr>
+          <p:nvPr>
+            <p:ph type="sldNum" idx="5"/>
+          </p:nvPr>
+        </p:nvSpPr>
+        <p:spPr/>
+        <p:txBody>
+          <a:bodyPr/>
+          <a:p>
+            <a:fld id="{9EFA9E57-AF2B-4489-9B6B-68385CBC220E}" type="slidenum">
+              <a:t>&lt;#&gt;</a:t>
+            </a:fld>
+          </a:p>
+        </p:txBody>
+      </p:sp>
+      <p:sp>
+        <p:nvSpPr>
+          <p:cNvPr id="6" name="PlaceHolder 5"/>
+          <p:cNvSpPr>
+            <a:spLocks noGrp="1"/>
+          </p:cNvSpPr>
+          <p:nvPr>
+            <p:ph type="dt" idx="6"/>
+          </p:nvPr>
+        </p:nvSpPr>
+        <p:spPr/>
+        <p:txBody>
+          <a:bodyPr/>
+          <a:p>
+            <a:r>
+              <a:rPr lang="ru-RU"/>
+              <a:t/>
+            </a:r>
+          </a:p>
+        </p:txBody>
+      </p:sp>
+    </p:spTree>
+  </p:cSld>
+</p:sldLayout>
+</file>
+
+<file path=ppt/slideLayouts/slideLayout16.xml><?xml version="1.0" encoding="utf-8"?>
+<p:sldLayout xmlns:a="http://schemas.openxmlformats.org/drawingml/2006/main" xmlns:p="http://schemas.openxmlformats.org/presentationml/2006/main" xmlns:r="http://schemas.openxmlformats.org/officeDocument/2006/relationships" xmlns:p14="http://schemas.microsoft.com/office/powerpoint/2010/main" xmlns:p15="http://schemas.microsoft.com/office/powerpoint/2012/main" xmlns:mc="http://schemas.openxmlformats.org/markup-compatibility/2006" type="twoObj" preserve="1">
+  <p:cSld name="Title, 2 Content">
+    <p:spTree>
+      <p:nvGrpSpPr>
+        <p:cNvPr id="1" name=""/>
+        <p:cNvGrpSpPr/>
+        <p:nvPr/>
+      </p:nvGrpSpPr>
+      <p:grpSpPr>
+        <a:xfrm>
+          <a:off x="0" y="0"/>
+          <a:ext cx="0" cy="0"/>
+          <a:chOff x="0" y="0"/>
+          <a:chExt cx="0" cy="0"/>
+        </a:xfrm>
+      </p:grpSpPr>
+      <p:sp>
+        <p:nvSpPr>
+          <p:cNvPr id="51" name="PlaceHolder 1"/>
+          <p:cNvSpPr>
+            <a:spLocks noGrp="1"/>
+          </p:cNvSpPr>
+          <p:nvPr>
+            <p:ph type="title"/>
+          </p:nvPr>
+        </p:nvSpPr>
+        <p:spPr>
+          <a:xfrm>
+            <a:off x="609480" y="221040"/>
+            <a:ext cx="10972440" cy="1250280"/>
+          </a:xfrm>
+          <a:prstGeom prst="rect">
+            <a:avLst/>
+          </a:prstGeom>
+          <a:noFill/>
+          <a:ln w="0">
+            <a:noFill/>
+          </a:ln>
+        </p:spPr>
+        <p:txBody>
+          <a:bodyPr lIns="0" rIns="0" tIns="0" bIns="0" anchor="ctr">
+            <a:noAutofit/>
+          </a:bodyPr>
+          <a:p>
+            <a:pPr indent="0" algn="ctr">
+              <a:buNone/>
+            </a:pPr>
+            <a:endParaRPr b="0" lang="ru-RU" sz="4400" spc="-1" strike="noStrike">
+              <a:solidFill>
+                <a:srgbClr val="000000"/>
+              </a:solidFill>
+              <a:latin typeface="Arial"/>
+            </a:endParaRPr>
+          </a:p>
+        </p:txBody>
+      </p:sp>
+      <p:sp>
+        <p:nvSpPr>
+          <p:cNvPr id="52" name="PlaceHolder 2"/>
+          <p:cNvSpPr>
+            <a:spLocks noGrp="1"/>
+          </p:cNvSpPr>
+          <p:nvPr>
+            <p:ph/>
+          </p:nvPr>
+        </p:nvSpPr>
+        <p:spPr>
+          <a:xfrm>
+            <a:off x="609480" y="1604520"/>
+            <a:ext cx="5354280" cy="3977280"/>
+          </a:xfrm>
+          <a:prstGeom prst="rect">
+            <a:avLst/>
+          </a:prstGeom>
+          <a:noFill/>
+          <a:ln w="0">
+            <a:noFill/>
+          </a:ln>
+        </p:spPr>
+        <p:txBody>
+          <a:bodyPr lIns="0" rIns="0" tIns="0" bIns="0" anchor="t">
+            <a:normAutofit/>
+          </a:bodyPr>
+          <a:p>
+            <a:pPr indent="0">
+              <a:spcBef>
+                <a:spcPts val="1417"/>
+              </a:spcBef>
+              <a:buNone/>
+            </a:pPr>
+            <a:endParaRPr b="0" lang="ru-RU" sz="3200" spc="-1" strike="noStrike">
+              <a:solidFill>
+                <a:srgbClr val="000000"/>
+              </a:solidFill>
+              <a:latin typeface="Arial"/>
+            </a:endParaRPr>
+          </a:p>
+        </p:txBody>
+      </p:sp>
+      <p:sp>
+        <p:nvSpPr>
+          <p:cNvPr id="53" name="PlaceHolder 3"/>
+          <p:cNvSpPr>
+            <a:spLocks noGrp="1"/>
+          </p:cNvSpPr>
+          <p:nvPr>
+            <p:ph/>
+          </p:nvPr>
+        </p:nvSpPr>
+        <p:spPr>
+          <a:xfrm>
+            <a:off x="6231960" y="1604520"/>
+            <a:ext cx="5354280" cy="3977280"/>
+          </a:xfrm>
+          <a:prstGeom prst="rect">
+            <a:avLst/>
+          </a:prstGeom>
+          <a:noFill/>
+          <a:ln w="0">
+            <a:noFill/>
+          </a:ln>
+        </p:spPr>
+        <p:txBody>
+          <a:bodyPr lIns="0" rIns="0" tIns="0" bIns="0" anchor="t">
+            <a:normAutofit/>
+          </a:bodyPr>
+          <a:p>
+            <a:pPr indent="0">
+              <a:spcBef>
+                <a:spcPts val="1417"/>
+              </a:spcBef>
+              <a:buNone/>
+            </a:pPr>
+            <a:endParaRPr b="0" lang="ru-RU" sz="3200" spc="-1" strike="noStrike">
+              <a:solidFill>
+                <a:srgbClr val="000000"/>
+              </a:solidFill>
+              <a:latin typeface="Arial"/>
+            </a:endParaRPr>
+          </a:p>
+        </p:txBody>
+      </p:sp>
+      <p:sp>
+        <p:nvSpPr>
+          <p:cNvPr id="5" name="PlaceHolder 4"/>
+          <p:cNvSpPr>
+            <a:spLocks noGrp="1"/>
+          </p:cNvSpPr>
+          <p:nvPr>
+            <p:ph type="ftr" idx="4"/>
+          </p:nvPr>
+        </p:nvSpPr>
+        <p:spPr/>
+        <p:txBody>
+          <a:bodyPr/>
+          <a:p>
+            <a:r>
+              <a:t>Footer</a:t>
+            </a:r>
+          </a:p>
+        </p:txBody>
+      </p:sp>
+      <p:sp>
+        <p:nvSpPr>
+          <p:cNvPr id="6" name="PlaceHolder 5"/>
+          <p:cNvSpPr>
+            <a:spLocks noGrp="1"/>
+          </p:cNvSpPr>
+          <p:nvPr>
+            <p:ph type="sldNum" idx="5"/>
+          </p:nvPr>
+        </p:nvSpPr>
+        <p:spPr/>
+        <p:txBody>
+          <a:bodyPr/>
+          <a:p>
+            <a:fld id="{5F66FF98-5491-4830-A80E-1FABD0CF978E}" type="slidenum">
+              <a:t>&lt;#&gt;</a:t>
+            </a:fld>
+          </a:p>
+        </p:txBody>
+      </p:sp>
+      <p:sp>
+        <p:nvSpPr>
+          <p:cNvPr id="7" name="PlaceHolder 6"/>
+          <p:cNvSpPr>
+            <a:spLocks noGrp="1"/>
+          </p:cNvSpPr>
+          <p:nvPr>
+            <p:ph type="dt" idx="6"/>
+          </p:nvPr>
+        </p:nvSpPr>
+        <p:spPr/>
+        <p:txBody>
+          <a:bodyPr/>
+          <a:p>
+            <a:r>
+              <a:rPr lang="ru-RU"/>
+              <a:t/>
+            </a:r>
+          </a:p>
+        </p:txBody>
+      </p:sp>
+    </p:spTree>
+  </p:cSld>
+</p:sldLayout>
+</file>
+
+<file path=ppt/slideLayouts/slideLayout17.xml><?xml version="1.0" encoding="utf-8"?>
+<p:sldLayout xmlns:a="http://schemas.openxmlformats.org/drawingml/2006/main" xmlns:p="http://schemas.openxmlformats.org/presentationml/2006/main" xmlns:r="http://schemas.openxmlformats.org/officeDocument/2006/relationships" xmlns:p14="http://schemas.microsoft.com/office/powerpoint/2010/main" xmlns:p15="http://schemas.microsoft.com/office/powerpoint/2012/main" xmlns:mc="http://schemas.openxmlformats.org/markup-compatibility/2006" type="titleOnly" preserve="1">
+  <p:cSld name="Title Only">
+    <p:spTree>
+      <p:nvGrpSpPr>
+        <p:cNvPr id="1" name=""/>
+        <p:cNvGrpSpPr/>
+        <p:nvPr/>
+      </p:nvGrpSpPr>
+      <p:grpSpPr>
+        <a:xfrm>
+          <a:off x="0" y="0"/>
+          <a:ext cx="0" cy="0"/>
+          <a:chOff x="0" y="0"/>
+          <a:chExt cx="0" cy="0"/>
+        </a:xfrm>
+      </p:grpSpPr>
+      <p:sp>
+        <p:nvSpPr>
+          <p:cNvPr id="54" name="PlaceHolder 1"/>
+          <p:cNvSpPr>
+            <a:spLocks noGrp="1"/>
+          </p:cNvSpPr>
+          <p:nvPr>
+            <p:ph type="title"/>
+          </p:nvPr>
+        </p:nvSpPr>
+        <p:spPr>
+          <a:xfrm>
+            <a:off x="609480" y="221040"/>
+            <a:ext cx="10972440" cy="1250280"/>
+          </a:xfrm>
+          <a:prstGeom prst="rect">
+            <a:avLst/>
+          </a:prstGeom>
+          <a:noFill/>
+          <a:ln w="0">
+            <a:noFill/>
+          </a:ln>
+        </p:spPr>
+        <p:txBody>
+          <a:bodyPr lIns="0" rIns="0" tIns="0" bIns="0" anchor="ctr">
+            <a:noAutofit/>
+          </a:bodyPr>
+          <a:p>
+            <a:pPr indent="0" algn="ctr">
+              <a:buNone/>
+            </a:pPr>
+            <a:endParaRPr b="0" lang="ru-RU" sz="4400" spc="-1" strike="noStrike">
+              <a:solidFill>
+                <a:srgbClr val="000000"/>
+              </a:solidFill>
+              <a:latin typeface="Arial"/>
+            </a:endParaRPr>
+          </a:p>
+        </p:txBody>
+      </p:sp>
+      <p:sp>
+        <p:nvSpPr>
+          <p:cNvPr id="3" name="PlaceHolder 2"/>
+          <p:cNvSpPr>
+            <a:spLocks noGrp="1"/>
+          </p:cNvSpPr>
+          <p:nvPr>
+            <p:ph type="ftr" idx="4"/>
+          </p:nvPr>
+        </p:nvSpPr>
+        <p:spPr/>
+        <p:txBody>
+          <a:bodyPr/>
+          <a:p>
+            <a:r>
+              <a:t>Footer</a:t>
+            </a:r>
+          </a:p>
+        </p:txBody>
+      </p:sp>
+      <p:sp>
+        <p:nvSpPr>
+          <p:cNvPr id="4" name="PlaceHolder 3"/>
+          <p:cNvSpPr>
+            <a:spLocks noGrp="1"/>
+          </p:cNvSpPr>
+          <p:nvPr>
+            <p:ph type="sldNum" idx="5"/>
+          </p:nvPr>
+        </p:nvSpPr>
+        <p:spPr/>
+        <p:txBody>
+          <a:bodyPr/>
+          <a:p>
+            <a:fld id="{DDD3F61A-9408-46CB-8213-8D72AB60DC84}" type="slidenum">
+              <a:t>&lt;#&gt;</a:t>
+            </a:fld>
+          </a:p>
+        </p:txBody>
+      </p:sp>
+      <p:sp>
+        <p:nvSpPr>
+          <p:cNvPr id="5" name="PlaceHolder 4"/>
+          <p:cNvSpPr>
+            <a:spLocks noGrp="1"/>
+          </p:cNvSpPr>
+          <p:nvPr>
+            <p:ph type="dt" idx="6"/>
+          </p:nvPr>
+        </p:nvSpPr>
+        <p:spPr/>
+        <p:txBody>
+          <a:bodyPr/>
+          <a:p>
+            <a:r>
+              <a:rPr lang="ru-RU"/>
+              <a:t/>
+            </a:r>
+          </a:p>
+        </p:txBody>
+      </p:sp>
+    </p:spTree>
+  </p:cSld>
+</p:sldLayout>
+</file>
+
+<file path=ppt/slideLayouts/slideLayout18.xml><?xml version="1.0" encoding="utf-8"?>
+<p:sldLayout xmlns:a="http://schemas.openxmlformats.org/drawingml/2006/main" xmlns:p="http://schemas.openxmlformats.org/presentationml/2006/main" xmlns:r="http://schemas.openxmlformats.org/officeDocument/2006/relationships" xmlns:p14="http://schemas.microsoft.com/office/powerpoint/2010/main" xmlns:p15="http://schemas.microsoft.com/office/powerpoint/2012/main" xmlns:mc="http://schemas.openxmlformats.org/markup-compatibility/2006" type="objOnly" preserve="1">
+  <p:cSld name="Centered Text">
+    <p:spTree>
+      <p:nvGrpSpPr>
+        <p:cNvPr id="1" name=""/>
+        <p:cNvGrpSpPr/>
+        <p:nvPr/>
+      </p:nvGrpSpPr>
+      <p:grpSpPr>
+        <a:xfrm>
+          <a:off x="0" y="0"/>
+          <a:ext cx="0" cy="0"/>
+          <a:chOff x="0" y="0"/>
+          <a:chExt cx="0" cy="0"/>
+        </a:xfrm>
+      </p:grpSpPr>
+      <p:sp>
+        <p:nvSpPr>
+          <p:cNvPr id="55" name="PlaceHolder 1"/>
+          <p:cNvSpPr>
+            <a:spLocks noGrp="1"/>
+          </p:cNvSpPr>
+          <p:nvPr>
+            <p:ph type="subTitle"/>
+          </p:nvPr>
+        </p:nvSpPr>
+        <p:spPr>
+          <a:xfrm>
+            <a:off x="609480" y="273600"/>
+            <a:ext cx="10972440" cy="5307840"/>
+          </a:xfrm>
+          <a:prstGeom prst="rect">
+            <a:avLst/>
+          </a:prstGeom>
+          <a:noFill/>
+          <a:ln w="0">
+            <a:noFill/>
+          </a:ln>
+        </p:spPr>
+        <p:txBody>
+          <a:bodyPr lIns="0" rIns="0" tIns="0" bIns="0" anchor="ctr">
+            <a:noAutofit/>
+          </a:bodyPr>
+          <a:p>
+            <a:pPr algn="ctr"/>
+            <a:endParaRPr b="0" lang="ru-RU" sz="3200" spc="-1" strike="noStrike">
+              <a:solidFill>
+                <a:srgbClr val="000000"/>
+              </a:solidFill>
+              <a:latin typeface="Arial"/>
+            </a:endParaRPr>
+          </a:p>
+        </p:txBody>
+      </p:sp>
+      <p:sp>
+        <p:nvSpPr>
+          <p:cNvPr id="3" name="PlaceHolder 2"/>
+          <p:cNvSpPr>
+            <a:spLocks noGrp="1"/>
+          </p:cNvSpPr>
+          <p:nvPr>
+            <p:ph type="ftr" idx="4"/>
+          </p:nvPr>
+        </p:nvSpPr>
+        <p:spPr/>
+        <p:txBody>
+          <a:bodyPr/>
+          <a:p>
+            <a:r>
+              <a:t>Footer</a:t>
+            </a:r>
+          </a:p>
+        </p:txBody>
+      </p:sp>
+      <p:sp>
+        <p:nvSpPr>
+          <p:cNvPr id="4" name="PlaceHolder 3"/>
+          <p:cNvSpPr>
+            <a:spLocks noGrp="1"/>
+          </p:cNvSpPr>
+          <p:nvPr>
+            <p:ph type="sldNum" idx="5"/>
+          </p:nvPr>
+        </p:nvSpPr>
+        <p:spPr/>
+        <p:txBody>
+          <a:bodyPr/>
+          <a:p>
+            <a:fld id="{EF2D78BB-B896-4BD3-8C06-3039A5D14AD2}" type="slidenum">
+              <a:t>&lt;#&gt;</a:t>
+            </a:fld>
+          </a:p>
+        </p:txBody>
+      </p:sp>
+      <p:sp>
+        <p:nvSpPr>
+          <p:cNvPr id="5" name="PlaceHolder 4"/>
+          <p:cNvSpPr>
+            <a:spLocks noGrp="1"/>
+          </p:cNvSpPr>
+          <p:nvPr>
+            <p:ph type="dt" idx="6"/>
+          </p:nvPr>
+        </p:nvSpPr>
+        <p:spPr/>
+        <p:txBody>
+          <a:bodyPr/>
+          <a:p>
+            <a:r>
+              <a:rPr lang="ru-RU"/>
+              <a:t/>
+            </a:r>
+          </a:p>
+        </p:txBody>
+      </p:sp>
+    </p:spTree>
+  </p:cSld>
+</p:sldLayout>
+</file>
+
+<file path=ppt/slideLayouts/slideLayout19.xml><?xml version="1.0" encoding="utf-8"?>
+<p:sldLayout xmlns:a="http://schemas.openxmlformats.org/drawingml/2006/main" xmlns:p="http://schemas.openxmlformats.org/presentationml/2006/main" xmlns:r="http://schemas.openxmlformats.org/officeDocument/2006/relationships" xmlns:p14="http://schemas.microsoft.com/office/powerpoint/2010/main" xmlns:p15="http://schemas.microsoft.com/office/powerpoint/2012/main" xmlns:mc="http://schemas.openxmlformats.org/markup-compatibility/2006" type="twoObjAndObj" preserve="1">
+  <p:cSld name="Title, 2 Content and Content">
+    <p:spTree>
+      <p:nvGrpSpPr>
+        <p:cNvPr id="1" name=""/>
+        <p:cNvGrpSpPr/>
+        <p:nvPr/>
+      </p:nvGrpSpPr>
+      <p:grpSpPr>
+        <a:xfrm>
+          <a:off x="0" y="0"/>
+          <a:ext cx="0" cy="0"/>
+          <a:chOff x="0" y="0"/>
+          <a:chExt cx="0" cy="0"/>
+        </a:xfrm>
+      </p:grpSpPr>
+      <p:sp>
+        <p:nvSpPr>
+          <p:cNvPr id="56" name="PlaceHolder 1"/>
+          <p:cNvSpPr>
+            <a:spLocks noGrp="1"/>
+          </p:cNvSpPr>
+          <p:nvPr>
+            <p:ph type="title"/>
+          </p:nvPr>
+        </p:nvSpPr>
+        <p:spPr>
+          <a:xfrm>
+            <a:off x="609480" y="221040"/>
+            <a:ext cx="10972440" cy="1250280"/>
+          </a:xfrm>
+          <a:prstGeom prst="rect">
+            <a:avLst/>
+          </a:prstGeom>
+          <a:noFill/>
+          <a:ln w="0">
+            <a:noFill/>
+          </a:ln>
+        </p:spPr>
+        <p:txBody>
+          <a:bodyPr lIns="0" rIns="0" tIns="0" bIns="0" anchor="ctr">
+            <a:noAutofit/>
+          </a:bodyPr>
+          <a:p>
+            <a:pPr indent="0" algn="ctr">
+              <a:buNone/>
+            </a:pPr>
+            <a:endParaRPr b="0" lang="ru-RU" sz="4400" spc="-1" strike="noStrike">
+              <a:solidFill>
+                <a:srgbClr val="000000"/>
+              </a:solidFill>
+              <a:latin typeface="Arial"/>
+            </a:endParaRPr>
+          </a:p>
+        </p:txBody>
+      </p:sp>
+      <p:sp>
+        <p:nvSpPr>
+          <p:cNvPr id="57" name="PlaceHolder 2"/>
+          <p:cNvSpPr>
+            <a:spLocks noGrp="1"/>
+          </p:cNvSpPr>
+          <p:nvPr>
+            <p:ph/>
+          </p:nvPr>
+        </p:nvSpPr>
+        <p:spPr>
+          <a:xfrm>
+            <a:off x="609480" y="1604520"/>
+            <a:ext cx="5354280" cy="1896840"/>
+          </a:xfrm>
+          <a:prstGeom prst="rect">
+            <a:avLst/>
+          </a:prstGeom>
+          <a:noFill/>
+          <a:ln w="0">
+            <a:noFill/>
+          </a:ln>
+        </p:spPr>
+        <p:txBody>
+          <a:bodyPr lIns="0" rIns="0" tIns="0" bIns="0" anchor="t">
+            <a:normAutofit/>
+          </a:bodyPr>
+          <a:p>
+            <a:pPr indent="0">
+              <a:spcBef>
+                <a:spcPts val="1417"/>
+              </a:spcBef>
+              <a:buNone/>
+            </a:pPr>
+            <a:endParaRPr b="0" lang="ru-RU" sz="3200" spc="-1" strike="noStrike">
+              <a:solidFill>
+                <a:srgbClr val="000000"/>
+              </a:solidFill>
+              <a:latin typeface="Arial"/>
+            </a:endParaRPr>
+          </a:p>
+        </p:txBody>
+      </p:sp>
+      <p:sp>
+        <p:nvSpPr>
+          <p:cNvPr id="58" name="PlaceHolder 3"/>
+          <p:cNvSpPr>
+            <a:spLocks noGrp="1"/>
+          </p:cNvSpPr>
+          <p:nvPr>
+            <p:ph/>
+          </p:nvPr>
+        </p:nvSpPr>
+        <p:spPr>
+          <a:xfrm>
+            <a:off x="6231960" y="1604520"/>
+            <a:ext cx="5354280" cy="3977280"/>
+          </a:xfrm>
+          <a:prstGeom prst="rect">
+            <a:avLst/>
+          </a:prstGeom>
+          <a:noFill/>
+          <a:ln w="0">
+            <a:noFill/>
+          </a:ln>
+        </p:spPr>
+        <p:txBody>
+          <a:bodyPr lIns="0" rIns="0" tIns="0" bIns="0" anchor="t">
+            <a:normAutofit/>
+          </a:bodyPr>
+          <a:p>
+            <a:pPr indent="0">
+              <a:spcBef>
+                <a:spcPts val="1417"/>
+              </a:spcBef>
+              <a:buNone/>
+            </a:pPr>
+            <a:endParaRPr b="0" lang="ru-RU" sz="3200" spc="-1" strike="noStrike">
+              <a:solidFill>
+                <a:srgbClr val="000000"/>
+              </a:solidFill>
+              <a:latin typeface="Arial"/>
+            </a:endParaRPr>
+          </a:p>
+        </p:txBody>
+      </p:sp>
+      <p:sp>
+        <p:nvSpPr>
+          <p:cNvPr id="59" name="PlaceHolder 4"/>
+          <p:cNvSpPr>
+            <a:spLocks noGrp="1"/>
+          </p:cNvSpPr>
+          <p:nvPr>
+            <p:ph/>
+          </p:nvPr>
+        </p:nvSpPr>
+        <p:spPr>
+          <a:xfrm>
+            <a:off x="609480" y="3682080"/>
+            <a:ext cx="5354280" cy="1896840"/>
+          </a:xfrm>
+          <a:prstGeom prst="rect">
+            <a:avLst/>
+          </a:prstGeom>
+          <a:noFill/>
+          <a:ln w="0">
+            <a:noFill/>
+          </a:ln>
+        </p:spPr>
+        <p:txBody>
+          <a:bodyPr lIns="0" rIns="0" tIns="0" bIns="0" anchor="t">
+            <a:normAutofit/>
+          </a:bodyPr>
+          <a:p>
+            <a:pPr indent="0">
+              <a:spcBef>
+                <a:spcPts val="1417"/>
+              </a:spcBef>
+              <a:buNone/>
+            </a:pPr>
+            <a:endParaRPr b="0" lang="ru-RU" sz="3200" spc="-1" strike="noStrike">
+              <a:solidFill>
+                <a:srgbClr val="000000"/>
+              </a:solidFill>
+              <a:latin typeface="Arial"/>
+            </a:endParaRPr>
+          </a:p>
+        </p:txBody>
+      </p:sp>
+      <p:sp>
+        <p:nvSpPr>
+          <p:cNvPr id="6" name="PlaceHolder 5"/>
+          <p:cNvSpPr>
+            <a:spLocks noGrp="1"/>
+          </p:cNvSpPr>
+          <p:nvPr>
+            <p:ph type="ftr" idx="4"/>
+          </p:nvPr>
+        </p:nvSpPr>
+        <p:spPr/>
+        <p:txBody>
+          <a:bodyPr/>
+          <a:p>
+            <a:r>
+              <a:t>Footer</a:t>
+            </a:r>
+          </a:p>
+        </p:txBody>
+      </p:sp>
+      <p:sp>
+        <p:nvSpPr>
+          <p:cNvPr id="7" name="PlaceHolder 6"/>
+          <p:cNvSpPr>
+            <a:spLocks noGrp="1"/>
+          </p:cNvSpPr>
+          <p:nvPr>
+            <p:ph type="sldNum" idx="5"/>
+          </p:nvPr>
+        </p:nvSpPr>
+        <p:spPr/>
+        <p:txBody>
+          <a:bodyPr/>
+          <a:p>
+            <a:fld id="{18E1296D-F989-4A28-B165-AC1983F59C7F}" type="slidenum">
+              <a:t>&lt;#&gt;</a:t>
+            </a:fld>
+          </a:p>
+        </p:txBody>
+      </p:sp>
+      <p:sp>
+        <p:nvSpPr>
+          <p:cNvPr id="8" name="PlaceHolder 7"/>
+          <p:cNvSpPr>
+            <a:spLocks noGrp="1"/>
+          </p:cNvSpPr>
+          <p:nvPr>
+            <p:ph type="dt" idx="6"/>
           </p:nvPr>
         </p:nvSpPr>
         <p:spPr/>
@@ -1052,8 +2135,8 @@
         </p:nvSpPr>
         <p:spPr>
           <a:xfrm>
-            <a:off x="1523880" y="1122480"/>
-            <a:ext cx="9143640" cy="2387160"/>
+            <a:off x="609480" y="221040"/>
+            <a:ext cx="10972440" cy="1250280"/>
           </a:xfrm>
           <a:prstGeom prst="rect">
             <a:avLst/>
@@ -1068,14 +2151,14 @@
             <a:noAutofit/>
           </a:bodyPr>
           <a:p>
-            <a:pPr indent="0">
-              <a:buNone/>
-            </a:pPr>
-            <a:endParaRPr b="0" lang="en-US" sz="1800" spc="-1" strike="noStrike">
-              <a:solidFill>
-                <a:srgbClr val="000000"/>
-              </a:solidFill>
-              <a:latin typeface="Calibri"/>
+            <a:pPr indent="0" algn="ctr">
+              <a:buNone/>
+            </a:pPr>
+            <a:endParaRPr b="0" lang="ru-RU" sz="4400" spc="-1" strike="noStrike">
+              <a:solidFill>
+                <a:srgbClr val="000000"/>
+              </a:solidFill>
+              <a:latin typeface="Arial"/>
             </a:endParaRPr>
           </a:p>
         </p:txBody>
@@ -1127,7 +2210,7 @@
             <a:spLocks noGrp="1"/>
           </p:cNvSpPr>
           <p:nvPr>
-            <p:ph type="ftr" idx="2"/>
+            <p:ph type="ftr" idx="1"/>
           </p:nvPr>
         </p:nvSpPr>
         <p:spPr/>
@@ -1147,14 +2230,14 @@
             <a:spLocks noGrp="1"/>
           </p:cNvSpPr>
           <p:nvPr>
-            <p:ph type="sldNum" idx="3"/>
+            <p:ph type="sldNum" idx="2"/>
           </p:nvPr>
         </p:nvSpPr>
         <p:spPr/>
         <p:txBody>
           <a:bodyPr/>
           <a:p>
-            <a:fld id="{FF725ED6-6142-4995-98D7-74849791F785}" type="slidenum">
+            <a:fld id="{DBDBF772-83C8-4C45-A5C2-5FA078E367A2}" type="slidenum">
               <a:t>&lt;#&gt;</a:t>
             </a:fld>
           </a:p>
@@ -1167,7 +2250,1396 @@
             <a:spLocks noGrp="1"/>
           </p:cNvSpPr>
           <p:nvPr>
-            <p:ph type="dt" idx="1"/>
+            <p:ph type="dt" idx="3"/>
+          </p:nvPr>
+        </p:nvSpPr>
+        <p:spPr/>
+        <p:txBody>
+          <a:bodyPr/>
+          <a:p>
+            <a:r>
+              <a:rPr lang="ru-RU"/>
+              <a:t/>
+            </a:r>
+          </a:p>
+        </p:txBody>
+      </p:sp>
+    </p:spTree>
+  </p:cSld>
+</p:sldLayout>
+</file>
+
+<file path=ppt/slideLayouts/slideLayout20.xml><?xml version="1.0" encoding="utf-8"?>
+<p:sldLayout xmlns:a="http://schemas.openxmlformats.org/drawingml/2006/main" xmlns:p="http://schemas.openxmlformats.org/presentationml/2006/main" xmlns:r="http://schemas.openxmlformats.org/officeDocument/2006/relationships" xmlns:p14="http://schemas.microsoft.com/office/powerpoint/2010/main" xmlns:p15="http://schemas.microsoft.com/office/powerpoint/2012/main" xmlns:mc="http://schemas.openxmlformats.org/markup-compatibility/2006" type="objAndTwoObj" preserve="1">
+  <p:cSld name="Title Content and 2 Content">
+    <p:spTree>
+      <p:nvGrpSpPr>
+        <p:cNvPr id="1" name=""/>
+        <p:cNvGrpSpPr/>
+        <p:nvPr/>
+      </p:nvGrpSpPr>
+      <p:grpSpPr>
+        <a:xfrm>
+          <a:off x="0" y="0"/>
+          <a:ext cx="0" cy="0"/>
+          <a:chOff x="0" y="0"/>
+          <a:chExt cx="0" cy="0"/>
+        </a:xfrm>
+      </p:grpSpPr>
+      <p:sp>
+        <p:nvSpPr>
+          <p:cNvPr id="60" name="PlaceHolder 1"/>
+          <p:cNvSpPr>
+            <a:spLocks noGrp="1"/>
+          </p:cNvSpPr>
+          <p:nvPr>
+            <p:ph type="title"/>
+          </p:nvPr>
+        </p:nvSpPr>
+        <p:spPr>
+          <a:xfrm>
+            <a:off x="609480" y="221040"/>
+            <a:ext cx="10972440" cy="1250280"/>
+          </a:xfrm>
+          <a:prstGeom prst="rect">
+            <a:avLst/>
+          </a:prstGeom>
+          <a:noFill/>
+          <a:ln w="0">
+            <a:noFill/>
+          </a:ln>
+        </p:spPr>
+        <p:txBody>
+          <a:bodyPr lIns="0" rIns="0" tIns="0" bIns="0" anchor="ctr">
+            <a:noAutofit/>
+          </a:bodyPr>
+          <a:p>
+            <a:pPr indent="0" algn="ctr">
+              <a:buNone/>
+            </a:pPr>
+            <a:endParaRPr b="0" lang="ru-RU" sz="4400" spc="-1" strike="noStrike">
+              <a:solidFill>
+                <a:srgbClr val="000000"/>
+              </a:solidFill>
+              <a:latin typeface="Arial"/>
+            </a:endParaRPr>
+          </a:p>
+        </p:txBody>
+      </p:sp>
+      <p:sp>
+        <p:nvSpPr>
+          <p:cNvPr id="61" name="PlaceHolder 2"/>
+          <p:cNvSpPr>
+            <a:spLocks noGrp="1"/>
+          </p:cNvSpPr>
+          <p:nvPr>
+            <p:ph/>
+          </p:nvPr>
+        </p:nvSpPr>
+        <p:spPr>
+          <a:xfrm>
+            <a:off x="609480" y="1604520"/>
+            <a:ext cx="5354280" cy="3977280"/>
+          </a:xfrm>
+          <a:prstGeom prst="rect">
+            <a:avLst/>
+          </a:prstGeom>
+          <a:noFill/>
+          <a:ln w="0">
+            <a:noFill/>
+          </a:ln>
+        </p:spPr>
+        <p:txBody>
+          <a:bodyPr lIns="0" rIns="0" tIns="0" bIns="0" anchor="t">
+            <a:normAutofit/>
+          </a:bodyPr>
+          <a:p>
+            <a:pPr indent="0">
+              <a:spcBef>
+                <a:spcPts val="1417"/>
+              </a:spcBef>
+              <a:buNone/>
+            </a:pPr>
+            <a:endParaRPr b="0" lang="ru-RU" sz="3200" spc="-1" strike="noStrike">
+              <a:solidFill>
+                <a:srgbClr val="000000"/>
+              </a:solidFill>
+              <a:latin typeface="Arial"/>
+            </a:endParaRPr>
+          </a:p>
+        </p:txBody>
+      </p:sp>
+      <p:sp>
+        <p:nvSpPr>
+          <p:cNvPr id="62" name="PlaceHolder 3"/>
+          <p:cNvSpPr>
+            <a:spLocks noGrp="1"/>
+          </p:cNvSpPr>
+          <p:nvPr>
+            <p:ph/>
+          </p:nvPr>
+        </p:nvSpPr>
+        <p:spPr>
+          <a:xfrm>
+            <a:off x="6231960" y="1604520"/>
+            <a:ext cx="5354280" cy="1896840"/>
+          </a:xfrm>
+          <a:prstGeom prst="rect">
+            <a:avLst/>
+          </a:prstGeom>
+          <a:noFill/>
+          <a:ln w="0">
+            <a:noFill/>
+          </a:ln>
+        </p:spPr>
+        <p:txBody>
+          <a:bodyPr lIns="0" rIns="0" tIns="0" bIns="0" anchor="t">
+            <a:normAutofit/>
+          </a:bodyPr>
+          <a:p>
+            <a:pPr indent="0">
+              <a:spcBef>
+                <a:spcPts val="1417"/>
+              </a:spcBef>
+              <a:buNone/>
+            </a:pPr>
+            <a:endParaRPr b="0" lang="ru-RU" sz="3200" spc="-1" strike="noStrike">
+              <a:solidFill>
+                <a:srgbClr val="000000"/>
+              </a:solidFill>
+              <a:latin typeface="Arial"/>
+            </a:endParaRPr>
+          </a:p>
+        </p:txBody>
+      </p:sp>
+      <p:sp>
+        <p:nvSpPr>
+          <p:cNvPr id="63" name="PlaceHolder 4"/>
+          <p:cNvSpPr>
+            <a:spLocks noGrp="1"/>
+          </p:cNvSpPr>
+          <p:nvPr>
+            <p:ph/>
+          </p:nvPr>
+        </p:nvSpPr>
+        <p:spPr>
+          <a:xfrm>
+            <a:off x="6231960" y="3682080"/>
+            <a:ext cx="5354280" cy="1896840"/>
+          </a:xfrm>
+          <a:prstGeom prst="rect">
+            <a:avLst/>
+          </a:prstGeom>
+          <a:noFill/>
+          <a:ln w="0">
+            <a:noFill/>
+          </a:ln>
+        </p:spPr>
+        <p:txBody>
+          <a:bodyPr lIns="0" rIns="0" tIns="0" bIns="0" anchor="t">
+            <a:normAutofit/>
+          </a:bodyPr>
+          <a:p>
+            <a:pPr indent="0">
+              <a:spcBef>
+                <a:spcPts val="1417"/>
+              </a:spcBef>
+              <a:buNone/>
+            </a:pPr>
+            <a:endParaRPr b="0" lang="ru-RU" sz="3200" spc="-1" strike="noStrike">
+              <a:solidFill>
+                <a:srgbClr val="000000"/>
+              </a:solidFill>
+              <a:latin typeface="Arial"/>
+            </a:endParaRPr>
+          </a:p>
+        </p:txBody>
+      </p:sp>
+      <p:sp>
+        <p:nvSpPr>
+          <p:cNvPr id="6" name="PlaceHolder 5"/>
+          <p:cNvSpPr>
+            <a:spLocks noGrp="1"/>
+          </p:cNvSpPr>
+          <p:nvPr>
+            <p:ph type="ftr" idx="4"/>
+          </p:nvPr>
+        </p:nvSpPr>
+        <p:spPr/>
+        <p:txBody>
+          <a:bodyPr/>
+          <a:p>
+            <a:r>
+              <a:t>Footer</a:t>
+            </a:r>
+          </a:p>
+        </p:txBody>
+      </p:sp>
+      <p:sp>
+        <p:nvSpPr>
+          <p:cNvPr id="7" name="PlaceHolder 6"/>
+          <p:cNvSpPr>
+            <a:spLocks noGrp="1"/>
+          </p:cNvSpPr>
+          <p:nvPr>
+            <p:ph type="sldNum" idx="5"/>
+          </p:nvPr>
+        </p:nvSpPr>
+        <p:spPr/>
+        <p:txBody>
+          <a:bodyPr/>
+          <a:p>
+            <a:fld id="{E8D58C77-E9F7-41D8-873C-C714D1CD8AC9}" type="slidenum">
+              <a:t>&lt;#&gt;</a:t>
+            </a:fld>
+          </a:p>
+        </p:txBody>
+      </p:sp>
+      <p:sp>
+        <p:nvSpPr>
+          <p:cNvPr id="8" name="PlaceHolder 7"/>
+          <p:cNvSpPr>
+            <a:spLocks noGrp="1"/>
+          </p:cNvSpPr>
+          <p:nvPr>
+            <p:ph type="dt" idx="6"/>
+          </p:nvPr>
+        </p:nvSpPr>
+        <p:spPr/>
+        <p:txBody>
+          <a:bodyPr/>
+          <a:p>
+            <a:r>
+              <a:rPr lang="ru-RU"/>
+              <a:t/>
+            </a:r>
+          </a:p>
+        </p:txBody>
+      </p:sp>
+    </p:spTree>
+  </p:cSld>
+</p:sldLayout>
+</file>
+
+<file path=ppt/slideLayouts/slideLayout21.xml><?xml version="1.0" encoding="utf-8"?>
+<p:sldLayout xmlns:a="http://schemas.openxmlformats.org/drawingml/2006/main" xmlns:p="http://schemas.openxmlformats.org/presentationml/2006/main" xmlns:r="http://schemas.openxmlformats.org/officeDocument/2006/relationships" xmlns:p14="http://schemas.microsoft.com/office/powerpoint/2010/main" xmlns:p15="http://schemas.microsoft.com/office/powerpoint/2012/main" xmlns:mc="http://schemas.openxmlformats.org/markup-compatibility/2006" type="twoObjOverTx" preserve="1">
+  <p:cSld name="Title, 2 Content over Content">
+    <p:spTree>
+      <p:nvGrpSpPr>
+        <p:cNvPr id="1" name=""/>
+        <p:cNvGrpSpPr/>
+        <p:nvPr/>
+      </p:nvGrpSpPr>
+      <p:grpSpPr>
+        <a:xfrm>
+          <a:off x="0" y="0"/>
+          <a:ext cx="0" cy="0"/>
+          <a:chOff x="0" y="0"/>
+          <a:chExt cx="0" cy="0"/>
+        </a:xfrm>
+      </p:grpSpPr>
+      <p:sp>
+        <p:nvSpPr>
+          <p:cNvPr id="64" name="PlaceHolder 1"/>
+          <p:cNvSpPr>
+            <a:spLocks noGrp="1"/>
+          </p:cNvSpPr>
+          <p:nvPr>
+            <p:ph type="title"/>
+          </p:nvPr>
+        </p:nvSpPr>
+        <p:spPr>
+          <a:xfrm>
+            <a:off x="609480" y="221040"/>
+            <a:ext cx="10972440" cy="1250280"/>
+          </a:xfrm>
+          <a:prstGeom prst="rect">
+            <a:avLst/>
+          </a:prstGeom>
+          <a:noFill/>
+          <a:ln w="0">
+            <a:noFill/>
+          </a:ln>
+        </p:spPr>
+        <p:txBody>
+          <a:bodyPr lIns="0" rIns="0" tIns="0" bIns="0" anchor="ctr">
+            <a:noAutofit/>
+          </a:bodyPr>
+          <a:p>
+            <a:pPr indent="0" algn="ctr">
+              <a:buNone/>
+            </a:pPr>
+            <a:endParaRPr b="0" lang="ru-RU" sz="4400" spc="-1" strike="noStrike">
+              <a:solidFill>
+                <a:srgbClr val="000000"/>
+              </a:solidFill>
+              <a:latin typeface="Arial"/>
+            </a:endParaRPr>
+          </a:p>
+        </p:txBody>
+      </p:sp>
+      <p:sp>
+        <p:nvSpPr>
+          <p:cNvPr id="65" name="PlaceHolder 2"/>
+          <p:cNvSpPr>
+            <a:spLocks noGrp="1"/>
+          </p:cNvSpPr>
+          <p:nvPr>
+            <p:ph/>
+          </p:nvPr>
+        </p:nvSpPr>
+        <p:spPr>
+          <a:xfrm>
+            <a:off x="609480" y="1604520"/>
+            <a:ext cx="5354280" cy="1896840"/>
+          </a:xfrm>
+          <a:prstGeom prst="rect">
+            <a:avLst/>
+          </a:prstGeom>
+          <a:noFill/>
+          <a:ln w="0">
+            <a:noFill/>
+          </a:ln>
+        </p:spPr>
+        <p:txBody>
+          <a:bodyPr lIns="0" rIns="0" tIns="0" bIns="0" anchor="t">
+            <a:normAutofit/>
+          </a:bodyPr>
+          <a:p>
+            <a:pPr indent="0">
+              <a:spcBef>
+                <a:spcPts val="1417"/>
+              </a:spcBef>
+              <a:buNone/>
+            </a:pPr>
+            <a:endParaRPr b="0" lang="ru-RU" sz="3200" spc="-1" strike="noStrike">
+              <a:solidFill>
+                <a:srgbClr val="000000"/>
+              </a:solidFill>
+              <a:latin typeface="Arial"/>
+            </a:endParaRPr>
+          </a:p>
+        </p:txBody>
+      </p:sp>
+      <p:sp>
+        <p:nvSpPr>
+          <p:cNvPr id="66" name="PlaceHolder 3"/>
+          <p:cNvSpPr>
+            <a:spLocks noGrp="1"/>
+          </p:cNvSpPr>
+          <p:nvPr>
+            <p:ph/>
+          </p:nvPr>
+        </p:nvSpPr>
+        <p:spPr>
+          <a:xfrm>
+            <a:off x="6231960" y="1604520"/>
+            <a:ext cx="5354280" cy="1896840"/>
+          </a:xfrm>
+          <a:prstGeom prst="rect">
+            <a:avLst/>
+          </a:prstGeom>
+          <a:noFill/>
+          <a:ln w="0">
+            <a:noFill/>
+          </a:ln>
+        </p:spPr>
+        <p:txBody>
+          <a:bodyPr lIns="0" rIns="0" tIns="0" bIns="0" anchor="t">
+            <a:normAutofit/>
+          </a:bodyPr>
+          <a:p>
+            <a:pPr indent="0">
+              <a:spcBef>
+                <a:spcPts val="1417"/>
+              </a:spcBef>
+              <a:buNone/>
+            </a:pPr>
+            <a:endParaRPr b="0" lang="ru-RU" sz="3200" spc="-1" strike="noStrike">
+              <a:solidFill>
+                <a:srgbClr val="000000"/>
+              </a:solidFill>
+              <a:latin typeface="Arial"/>
+            </a:endParaRPr>
+          </a:p>
+        </p:txBody>
+      </p:sp>
+      <p:sp>
+        <p:nvSpPr>
+          <p:cNvPr id="67" name="PlaceHolder 4"/>
+          <p:cNvSpPr>
+            <a:spLocks noGrp="1"/>
+          </p:cNvSpPr>
+          <p:nvPr>
+            <p:ph/>
+          </p:nvPr>
+        </p:nvSpPr>
+        <p:spPr>
+          <a:xfrm>
+            <a:off x="609480" y="3682080"/>
+            <a:ext cx="10972440" cy="1896840"/>
+          </a:xfrm>
+          <a:prstGeom prst="rect">
+            <a:avLst/>
+          </a:prstGeom>
+          <a:noFill/>
+          <a:ln w="0">
+            <a:noFill/>
+          </a:ln>
+        </p:spPr>
+        <p:txBody>
+          <a:bodyPr lIns="0" rIns="0" tIns="0" bIns="0" anchor="t">
+            <a:normAutofit/>
+          </a:bodyPr>
+          <a:p>
+            <a:pPr indent="0">
+              <a:spcBef>
+                <a:spcPts val="1417"/>
+              </a:spcBef>
+              <a:buNone/>
+            </a:pPr>
+            <a:endParaRPr b="0" lang="ru-RU" sz="3200" spc="-1" strike="noStrike">
+              <a:solidFill>
+                <a:srgbClr val="000000"/>
+              </a:solidFill>
+              <a:latin typeface="Arial"/>
+            </a:endParaRPr>
+          </a:p>
+        </p:txBody>
+      </p:sp>
+      <p:sp>
+        <p:nvSpPr>
+          <p:cNvPr id="6" name="PlaceHolder 5"/>
+          <p:cNvSpPr>
+            <a:spLocks noGrp="1"/>
+          </p:cNvSpPr>
+          <p:nvPr>
+            <p:ph type="ftr" idx="4"/>
+          </p:nvPr>
+        </p:nvSpPr>
+        <p:spPr/>
+        <p:txBody>
+          <a:bodyPr/>
+          <a:p>
+            <a:r>
+              <a:t>Footer</a:t>
+            </a:r>
+          </a:p>
+        </p:txBody>
+      </p:sp>
+      <p:sp>
+        <p:nvSpPr>
+          <p:cNvPr id="7" name="PlaceHolder 6"/>
+          <p:cNvSpPr>
+            <a:spLocks noGrp="1"/>
+          </p:cNvSpPr>
+          <p:nvPr>
+            <p:ph type="sldNum" idx="5"/>
+          </p:nvPr>
+        </p:nvSpPr>
+        <p:spPr/>
+        <p:txBody>
+          <a:bodyPr/>
+          <a:p>
+            <a:fld id="{8A18379A-F5E4-4C3B-AF3F-9A3D484B20A2}" type="slidenum">
+              <a:t>&lt;#&gt;</a:t>
+            </a:fld>
+          </a:p>
+        </p:txBody>
+      </p:sp>
+      <p:sp>
+        <p:nvSpPr>
+          <p:cNvPr id="8" name="PlaceHolder 7"/>
+          <p:cNvSpPr>
+            <a:spLocks noGrp="1"/>
+          </p:cNvSpPr>
+          <p:nvPr>
+            <p:ph type="dt" idx="6"/>
+          </p:nvPr>
+        </p:nvSpPr>
+        <p:spPr/>
+        <p:txBody>
+          <a:bodyPr/>
+          <a:p>
+            <a:r>
+              <a:rPr lang="ru-RU"/>
+              <a:t/>
+            </a:r>
+          </a:p>
+        </p:txBody>
+      </p:sp>
+    </p:spTree>
+  </p:cSld>
+</p:sldLayout>
+</file>
+
+<file path=ppt/slideLayouts/slideLayout22.xml><?xml version="1.0" encoding="utf-8"?>
+<p:sldLayout xmlns:a="http://schemas.openxmlformats.org/drawingml/2006/main" xmlns:p="http://schemas.openxmlformats.org/presentationml/2006/main" xmlns:r="http://schemas.openxmlformats.org/officeDocument/2006/relationships" xmlns:p14="http://schemas.microsoft.com/office/powerpoint/2010/main" xmlns:p15="http://schemas.microsoft.com/office/powerpoint/2012/main" xmlns:mc="http://schemas.openxmlformats.org/markup-compatibility/2006" type="objOverTx" preserve="1">
+  <p:cSld name="Title, Content over Content">
+    <p:spTree>
+      <p:nvGrpSpPr>
+        <p:cNvPr id="1" name=""/>
+        <p:cNvGrpSpPr/>
+        <p:nvPr/>
+      </p:nvGrpSpPr>
+      <p:grpSpPr>
+        <a:xfrm>
+          <a:off x="0" y="0"/>
+          <a:ext cx="0" cy="0"/>
+          <a:chOff x="0" y="0"/>
+          <a:chExt cx="0" cy="0"/>
+        </a:xfrm>
+      </p:grpSpPr>
+      <p:sp>
+        <p:nvSpPr>
+          <p:cNvPr id="68" name="PlaceHolder 1"/>
+          <p:cNvSpPr>
+            <a:spLocks noGrp="1"/>
+          </p:cNvSpPr>
+          <p:nvPr>
+            <p:ph type="title"/>
+          </p:nvPr>
+        </p:nvSpPr>
+        <p:spPr>
+          <a:xfrm>
+            <a:off x="609480" y="221040"/>
+            <a:ext cx="10972440" cy="1250280"/>
+          </a:xfrm>
+          <a:prstGeom prst="rect">
+            <a:avLst/>
+          </a:prstGeom>
+          <a:noFill/>
+          <a:ln w="0">
+            <a:noFill/>
+          </a:ln>
+        </p:spPr>
+        <p:txBody>
+          <a:bodyPr lIns="0" rIns="0" tIns="0" bIns="0" anchor="ctr">
+            <a:noAutofit/>
+          </a:bodyPr>
+          <a:p>
+            <a:pPr indent="0" algn="ctr">
+              <a:buNone/>
+            </a:pPr>
+            <a:endParaRPr b="0" lang="ru-RU" sz="4400" spc="-1" strike="noStrike">
+              <a:solidFill>
+                <a:srgbClr val="000000"/>
+              </a:solidFill>
+              <a:latin typeface="Arial"/>
+            </a:endParaRPr>
+          </a:p>
+        </p:txBody>
+      </p:sp>
+      <p:sp>
+        <p:nvSpPr>
+          <p:cNvPr id="69" name="PlaceHolder 2"/>
+          <p:cNvSpPr>
+            <a:spLocks noGrp="1"/>
+          </p:cNvSpPr>
+          <p:nvPr>
+            <p:ph/>
+          </p:nvPr>
+        </p:nvSpPr>
+        <p:spPr>
+          <a:xfrm>
+            <a:off x="609480" y="1604520"/>
+            <a:ext cx="10972440" cy="1896840"/>
+          </a:xfrm>
+          <a:prstGeom prst="rect">
+            <a:avLst/>
+          </a:prstGeom>
+          <a:noFill/>
+          <a:ln w="0">
+            <a:noFill/>
+          </a:ln>
+        </p:spPr>
+        <p:txBody>
+          <a:bodyPr lIns="0" rIns="0" tIns="0" bIns="0" anchor="t">
+            <a:normAutofit/>
+          </a:bodyPr>
+          <a:p>
+            <a:pPr indent="0">
+              <a:spcBef>
+                <a:spcPts val="1417"/>
+              </a:spcBef>
+              <a:buNone/>
+            </a:pPr>
+            <a:endParaRPr b="0" lang="ru-RU" sz="3200" spc="-1" strike="noStrike">
+              <a:solidFill>
+                <a:srgbClr val="000000"/>
+              </a:solidFill>
+              <a:latin typeface="Arial"/>
+            </a:endParaRPr>
+          </a:p>
+        </p:txBody>
+      </p:sp>
+      <p:sp>
+        <p:nvSpPr>
+          <p:cNvPr id="70" name="PlaceHolder 3"/>
+          <p:cNvSpPr>
+            <a:spLocks noGrp="1"/>
+          </p:cNvSpPr>
+          <p:nvPr>
+            <p:ph/>
+          </p:nvPr>
+        </p:nvSpPr>
+        <p:spPr>
+          <a:xfrm>
+            <a:off x="609480" y="3682080"/>
+            <a:ext cx="10972440" cy="1896840"/>
+          </a:xfrm>
+          <a:prstGeom prst="rect">
+            <a:avLst/>
+          </a:prstGeom>
+          <a:noFill/>
+          <a:ln w="0">
+            <a:noFill/>
+          </a:ln>
+        </p:spPr>
+        <p:txBody>
+          <a:bodyPr lIns="0" rIns="0" tIns="0" bIns="0" anchor="t">
+            <a:normAutofit/>
+          </a:bodyPr>
+          <a:p>
+            <a:pPr indent="0">
+              <a:spcBef>
+                <a:spcPts val="1417"/>
+              </a:spcBef>
+              <a:buNone/>
+            </a:pPr>
+            <a:endParaRPr b="0" lang="ru-RU" sz="3200" spc="-1" strike="noStrike">
+              <a:solidFill>
+                <a:srgbClr val="000000"/>
+              </a:solidFill>
+              <a:latin typeface="Arial"/>
+            </a:endParaRPr>
+          </a:p>
+        </p:txBody>
+      </p:sp>
+      <p:sp>
+        <p:nvSpPr>
+          <p:cNvPr id="5" name="PlaceHolder 4"/>
+          <p:cNvSpPr>
+            <a:spLocks noGrp="1"/>
+          </p:cNvSpPr>
+          <p:nvPr>
+            <p:ph type="ftr" idx="4"/>
+          </p:nvPr>
+        </p:nvSpPr>
+        <p:spPr/>
+        <p:txBody>
+          <a:bodyPr/>
+          <a:p>
+            <a:r>
+              <a:t>Footer</a:t>
+            </a:r>
+          </a:p>
+        </p:txBody>
+      </p:sp>
+      <p:sp>
+        <p:nvSpPr>
+          <p:cNvPr id="6" name="PlaceHolder 5"/>
+          <p:cNvSpPr>
+            <a:spLocks noGrp="1"/>
+          </p:cNvSpPr>
+          <p:nvPr>
+            <p:ph type="sldNum" idx="5"/>
+          </p:nvPr>
+        </p:nvSpPr>
+        <p:spPr/>
+        <p:txBody>
+          <a:bodyPr/>
+          <a:p>
+            <a:fld id="{E1466D79-AF40-4B2B-9F64-71192881921A}" type="slidenum">
+              <a:t>&lt;#&gt;</a:t>
+            </a:fld>
+          </a:p>
+        </p:txBody>
+      </p:sp>
+      <p:sp>
+        <p:nvSpPr>
+          <p:cNvPr id="7" name="PlaceHolder 6"/>
+          <p:cNvSpPr>
+            <a:spLocks noGrp="1"/>
+          </p:cNvSpPr>
+          <p:nvPr>
+            <p:ph type="dt" idx="6"/>
+          </p:nvPr>
+        </p:nvSpPr>
+        <p:spPr/>
+        <p:txBody>
+          <a:bodyPr/>
+          <a:p>
+            <a:r>
+              <a:rPr lang="ru-RU"/>
+              <a:t/>
+            </a:r>
+          </a:p>
+        </p:txBody>
+      </p:sp>
+    </p:spTree>
+  </p:cSld>
+</p:sldLayout>
+</file>
+
+<file path=ppt/slideLayouts/slideLayout23.xml><?xml version="1.0" encoding="utf-8"?>
+<p:sldLayout xmlns:a="http://schemas.openxmlformats.org/drawingml/2006/main" xmlns:p="http://schemas.openxmlformats.org/presentationml/2006/main" xmlns:r="http://schemas.openxmlformats.org/officeDocument/2006/relationships" xmlns:p14="http://schemas.microsoft.com/office/powerpoint/2010/main" xmlns:p15="http://schemas.microsoft.com/office/powerpoint/2012/main" xmlns:mc="http://schemas.openxmlformats.org/markup-compatibility/2006" type="fourObj" preserve="1">
+  <p:cSld name="Title, 4 Content">
+    <p:spTree>
+      <p:nvGrpSpPr>
+        <p:cNvPr id="1" name=""/>
+        <p:cNvGrpSpPr/>
+        <p:nvPr/>
+      </p:nvGrpSpPr>
+      <p:grpSpPr>
+        <a:xfrm>
+          <a:off x="0" y="0"/>
+          <a:ext cx="0" cy="0"/>
+          <a:chOff x="0" y="0"/>
+          <a:chExt cx="0" cy="0"/>
+        </a:xfrm>
+      </p:grpSpPr>
+      <p:sp>
+        <p:nvSpPr>
+          <p:cNvPr id="71" name="PlaceHolder 1"/>
+          <p:cNvSpPr>
+            <a:spLocks noGrp="1"/>
+          </p:cNvSpPr>
+          <p:nvPr>
+            <p:ph type="title"/>
+          </p:nvPr>
+        </p:nvSpPr>
+        <p:spPr>
+          <a:xfrm>
+            <a:off x="609480" y="221040"/>
+            <a:ext cx="10972440" cy="1250280"/>
+          </a:xfrm>
+          <a:prstGeom prst="rect">
+            <a:avLst/>
+          </a:prstGeom>
+          <a:noFill/>
+          <a:ln w="0">
+            <a:noFill/>
+          </a:ln>
+        </p:spPr>
+        <p:txBody>
+          <a:bodyPr lIns="0" rIns="0" tIns="0" bIns="0" anchor="ctr">
+            <a:noAutofit/>
+          </a:bodyPr>
+          <a:p>
+            <a:pPr indent="0" algn="ctr">
+              <a:buNone/>
+            </a:pPr>
+            <a:endParaRPr b="0" lang="ru-RU" sz="4400" spc="-1" strike="noStrike">
+              <a:solidFill>
+                <a:srgbClr val="000000"/>
+              </a:solidFill>
+              <a:latin typeface="Arial"/>
+            </a:endParaRPr>
+          </a:p>
+        </p:txBody>
+      </p:sp>
+      <p:sp>
+        <p:nvSpPr>
+          <p:cNvPr id="72" name="PlaceHolder 2"/>
+          <p:cNvSpPr>
+            <a:spLocks noGrp="1"/>
+          </p:cNvSpPr>
+          <p:nvPr>
+            <p:ph/>
+          </p:nvPr>
+        </p:nvSpPr>
+        <p:spPr>
+          <a:xfrm>
+            <a:off x="609480" y="1604520"/>
+            <a:ext cx="5354280" cy="1896840"/>
+          </a:xfrm>
+          <a:prstGeom prst="rect">
+            <a:avLst/>
+          </a:prstGeom>
+          <a:noFill/>
+          <a:ln w="0">
+            <a:noFill/>
+          </a:ln>
+        </p:spPr>
+        <p:txBody>
+          <a:bodyPr lIns="0" rIns="0" tIns="0" bIns="0" anchor="t">
+            <a:normAutofit/>
+          </a:bodyPr>
+          <a:p>
+            <a:pPr indent="0">
+              <a:spcBef>
+                <a:spcPts val="1417"/>
+              </a:spcBef>
+              <a:buNone/>
+            </a:pPr>
+            <a:endParaRPr b="0" lang="ru-RU" sz="3200" spc="-1" strike="noStrike">
+              <a:solidFill>
+                <a:srgbClr val="000000"/>
+              </a:solidFill>
+              <a:latin typeface="Arial"/>
+            </a:endParaRPr>
+          </a:p>
+        </p:txBody>
+      </p:sp>
+      <p:sp>
+        <p:nvSpPr>
+          <p:cNvPr id="73" name="PlaceHolder 3"/>
+          <p:cNvSpPr>
+            <a:spLocks noGrp="1"/>
+          </p:cNvSpPr>
+          <p:nvPr>
+            <p:ph/>
+          </p:nvPr>
+        </p:nvSpPr>
+        <p:spPr>
+          <a:xfrm>
+            <a:off x="6231960" y="1604520"/>
+            <a:ext cx="5354280" cy="1896840"/>
+          </a:xfrm>
+          <a:prstGeom prst="rect">
+            <a:avLst/>
+          </a:prstGeom>
+          <a:noFill/>
+          <a:ln w="0">
+            <a:noFill/>
+          </a:ln>
+        </p:spPr>
+        <p:txBody>
+          <a:bodyPr lIns="0" rIns="0" tIns="0" bIns="0" anchor="t">
+            <a:normAutofit/>
+          </a:bodyPr>
+          <a:p>
+            <a:pPr indent="0">
+              <a:spcBef>
+                <a:spcPts val="1417"/>
+              </a:spcBef>
+              <a:buNone/>
+            </a:pPr>
+            <a:endParaRPr b="0" lang="ru-RU" sz="3200" spc="-1" strike="noStrike">
+              <a:solidFill>
+                <a:srgbClr val="000000"/>
+              </a:solidFill>
+              <a:latin typeface="Arial"/>
+            </a:endParaRPr>
+          </a:p>
+        </p:txBody>
+      </p:sp>
+      <p:sp>
+        <p:nvSpPr>
+          <p:cNvPr id="74" name="PlaceHolder 4"/>
+          <p:cNvSpPr>
+            <a:spLocks noGrp="1"/>
+          </p:cNvSpPr>
+          <p:nvPr>
+            <p:ph/>
+          </p:nvPr>
+        </p:nvSpPr>
+        <p:spPr>
+          <a:xfrm>
+            <a:off x="609480" y="3682080"/>
+            <a:ext cx="5354280" cy="1896840"/>
+          </a:xfrm>
+          <a:prstGeom prst="rect">
+            <a:avLst/>
+          </a:prstGeom>
+          <a:noFill/>
+          <a:ln w="0">
+            <a:noFill/>
+          </a:ln>
+        </p:spPr>
+        <p:txBody>
+          <a:bodyPr lIns="0" rIns="0" tIns="0" bIns="0" anchor="t">
+            <a:normAutofit/>
+          </a:bodyPr>
+          <a:p>
+            <a:pPr indent="0">
+              <a:spcBef>
+                <a:spcPts val="1417"/>
+              </a:spcBef>
+              <a:buNone/>
+            </a:pPr>
+            <a:endParaRPr b="0" lang="ru-RU" sz="3200" spc="-1" strike="noStrike">
+              <a:solidFill>
+                <a:srgbClr val="000000"/>
+              </a:solidFill>
+              <a:latin typeface="Arial"/>
+            </a:endParaRPr>
+          </a:p>
+        </p:txBody>
+      </p:sp>
+      <p:sp>
+        <p:nvSpPr>
+          <p:cNvPr id="75" name="PlaceHolder 5"/>
+          <p:cNvSpPr>
+            <a:spLocks noGrp="1"/>
+          </p:cNvSpPr>
+          <p:nvPr>
+            <p:ph/>
+          </p:nvPr>
+        </p:nvSpPr>
+        <p:spPr>
+          <a:xfrm>
+            <a:off x="6231960" y="3682080"/>
+            <a:ext cx="5354280" cy="1896840"/>
+          </a:xfrm>
+          <a:prstGeom prst="rect">
+            <a:avLst/>
+          </a:prstGeom>
+          <a:noFill/>
+          <a:ln w="0">
+            <a:noFill/>
+          </a:ln>
+        </p:spPr>
+        <p:txBody>
+          <a:bodyPr lIns="0" rIns="0" tIns="0" bIns="0" anchor="t">
+            <a:normAutofit/>
+          </a:bodyPr>
+          <a:p>
+            <a:pPr indent="0">
+              <a:spcBef>
+                <a:spcPts val="1417"/>
+              </a:spcBef>
+              <a:buNone/>
+            </a:pPr>
+            <a:endParaRPr b="0" lang="ru-RU" sz="3200" spc="-1" strike="noStrike">
+              <a:solidFill>
+                <a:srgbClr val="000000"/>
+              </a:solidFill>
+              <a:latin typeface="Arial"/>
+            </a:endParaRPr>
+          </a:p>
+        </p:txBody>
+      </p:sp>
+      <p:sp>
+        <p:nvSpPr>
+          <p:cNvPr id="7" name="PlaceHolder 6"/>
+          <p:cNvSpPr>
+            <a:spLocks noGrp="1"/>
+          </p:cNvSpPr>
+          <p:nvPr>
+            <p:ph type="ftr" idx="4"/>
+          </p:nvPr>
+        </p:nvSpPr>
+        <p:spPr/>
+        <p:txBody>
+          <a:bodyPr/>
+          <a:p>
+            <a:r>
+              <a:t>Footer</a:t>
+            </a:r>
+          </a:p>
+        </p:txBody>
+      </p:sp>
+      <p:sp>
+        <p:nvSpPr>
+          <p:cNvPr id="8" name="PlaceHolder 7"/>
+          <p:cNvSpPr>
+            <a:spLocks noGrp="1"/>
+          </p:cNvSpPr>
+          <p:nvPr>
+            <p:ph type="sldNum" idx="5"/>
+          </p:nvPr>
+        </p:nvSpPr>
+        <p:spPr/>
+        <p:txBody>
+          <a:bodyPr/>
+          <a:p>
+            <a:fld id="{1E662363-0AC5-4E3C-A64B-6537B1ACCC2D}" type="slidenum">
+              <a:t>&lt;#&gt;</a:t>
+            </a:fld>
+          </a:p>
+        </p:txBody>
+      </p:sp>
+      <p:sp>
+        <p:nvSpPr>
+          <p:cNvPr id="9" name="PlaceHolder 8"/>
+          <p:cNvSpPr>
+            <a:spLocks noGrp="1"/>
+          </p:cNvSpPr>
+          <p:nvPr>
+            <p:ph type="dt" idx="6"/>
+          </p:nvPr>
+        </p:nvSpPr>
+        <p:spPr/>
+        <p:txBody>
+          <a:bodyPr/>
+          <a:p>
+            <a:r>
+              <a:rPr lang="ru-RU"/>
+              <a:t/>
+            </a:r>
+          </a:p>
+        </p:txBody>
+      </p:sp>
+    </p:spTree>
+  </p:cSld>
+</p:sldLayout>
+</file>
+
+<file path=ppt/slideLayouts/slideLayout24.xml><?xml version="1.0" encoding="utf-8"?>
+<p:sldLayout xmlns:a="http://schemas.openxmlformats.org/drawingml/2006/main" xmlns:p="http://schemas.openxmlformats.org/presentationml/2006/main" xmlns:r="http://schemas.openxmlformats.org/officeDocument/2006/relationships" xmlns:p14="http://schemas.microsoft.com/office/powerpoint/2010/main" xmlns:p15="http://schemas.microsoft.com/office/powerpoint/2012/main" xmlns:mc="http://schemas.openxmlformats.org/markup-compatibility/2006" type="blank" preserve="1">
+  <p:cSld name="Title, 6 Content">
+    <p:spTree>
+      <p:nvGrpSpPr>
+        <p:cNvPr id="1" name=""/>
+        <p:cNvGrpSpPr/>
+        <p:nvPr/>
+      </p:nvGrpSpPr>
+      <p:grpSpPr>
+        <a:xfrm>
+          <a:off x="0" y="0"/>
+          <a:ext cx="0" cy="0"/>
+          <a:chOff x="0" y="0"/>
+          <a:chExt cx="0" cy="0"/>
+        </a:xfrm>
+      </p:grpSpPr>
+      <p:sp>
+        <p:nvSpPr>
+          <p:cNvPr id="76" name="PlaceHolder 1"/>
+          <p:cNvSpPr>
+            <a:spLocks noGrp="1"/>
+          </p:cNvSpPr>
+          <p:nvPr>
+            <p:ph type="title"/>
+          </p:nvPr>
+        </p:nvSpPr>
+        <p:spPr>
+          <a:xfrm>
+            <a:off x="609480" y="221040"/>
+            <a:ext cx="10972440" cy="1250280"/>
+          </a:xfrm>
+          <a:prstGeom prst="rect">
+            <a:avLst/>
+          </a:prstGeom>
+          <a:noFill/>
+          <a:ln w="0">
+            <a:noFill/>
+          </a:ln>
+        </p:spPr>
+        <p:txBody>
+          <a:bodyPr lIns="0" rIns="0" tIns="0" bIns="0" anchor="ctr">
+            <a:noAutofit/>
+          </a:bodyPr>
+          <a:p>
+            <a:pPr indent="0" algn="ctr">
+              <a:buNone/>
+            </a:pPr>
+            <a:endParaRPr b="0" lang="ru-RU" sz="4400" spc="-1" strike="noStrike">
+              <a:solidFill>
+                <a:srgbClr val="000000"/>
+              </a:solidFill>
+              <a:latin typeface="Arial"/>
+            </a:endParaRPr>
+          </a:p>
+        </p:txBody>
+      </p:sp>
+      <p:sp>
+        <p:nvSpPr>
+          <p:cNvPr id="77" name="PlaceHolder 2"/>
+          <p:cNvSpPr>
+            <a:spLocks noGrp="1"/>
+          </p:cNvSpPr>
+          <p:nvPr>
+            <p:ph/>
+          </p:nvPr>
+        </p:nvSpPr>
+        <p:spPr>
+          <a:xfrm>
+            <a:off x="609480" y="1604520"/>
+            <a:ext cx="3533040" cy="1896840"/>
+          </a:xfrm>
+          <a:prstGeom prst="rect">
+            <a:avLst/>
+          </a:prstGeom>
+          <a:noFill/>
+          <a:ln w="0">
+            <a:noFill/>
+          </a:ln>
+        </p:spPr>
+        <p:txBody>
+          <a:bodyPr lIns="0" rIns="0" tIns="0" bIns="0" anchor="t">
+            <a:normAutofit fontScale="91000"/>
+          </a:bodyPr>
+          <a:p>
+            <a:pPr indent="0">
+              <a:spcBef>
+                <a:spcPts val="1417"/>
+              </a:spcBef>
+              <a:buNone/>
+            </a:pPr>
+            <a:endParaRPr b="0" lang="ru-RU" sz="3200" spc="-1" strike="noStrike">
+              <a:solidFill>
+                <a:srgbClr val="000000"/>
+              </a:solidFill>
+              <a:latin typeface="Arial"/>
+            </a:endParaRPr>
+          </a:p>
+        </p:txBody>
+      </p:sp>
+      <p:sp>
+        <p:nvSpPr>
+          <p:cNvPr id="78" name="PlaceHolder 3"/>
+          <p:cNvSpPr>
+            <a:spLocks noGrp="1"/>
+          </p:cNvSpPr>
+          <p:nvPr>
+            <p:ph/>
+          </p:nvPr>
+        </p:nvSpPr>
+        <p:spPr>
+          <a:xfrm>
+            <a:off x="4319640" y="1604520"/>
+            <a:ext cx="3533040" cy="1896840"/>
+          </a:xfrm>
+          <a:prstGeom prst="rect">
+            <a:avLst/>
+          </a:prstGeom>
+          <a:noFill/>
+          <a:ln w="0">
+            <a:noFill/>
+          </a:ln>
+        </p:spPr>
+        <p:txBody>
+          <a:bodyPr lIns="0" rIns="0" tIns="0" bIns="0" anchor="t">
+            <a:normAutofit fontScale="91000"/>
+          </a:bodyPr>
+          <a:p>
+            <a:pPr indent="0">
+              <a:spcBef>
+                <a:spcPts val="1417"/>
+              </a:spcBef>
+              <a:buNone/>
+            </a:pPr>
+            <a:endParaRPr b="0" lang="ru-RU" sz="3200" spc="-1" strike="noStrike">
+              <a:solidFill>
+                <a:srgbClr val="000000"/>
+              </a:solidFill>
+              <a:latin typeface="Arial"/>
+            </a:endParaRPr>
+          </a:p>
+        </p:txBody>
+      </p:sp>
+      <p:sp>
+        <p:nvSpPr>
+          <p:cNvPr id="79" name="PlaceHolder 4"/>
+          <p:cNvSpPr>
+            <a:spLocks noGrp="1"/>
+          </p:cNvSpPr>
+          <p:nvPr>
+            <p:ph/>
+          </p:nvPr>
+        </p:nvSpPr>
+        <p:spPr>
+          <a:xfrm>
+            <a:off x="8029800" y="1604520"/>
+            <a:ext cx="3533040" cy="1896840"/>
+          </a:xfrm>
+          <a:prstGeom prst="rect">
+            <a:avLst/>
+          </a:prstGeom>
+          <a:noFill/>
+          <a:ln w="0">
+            <a:noFill/>
+          </a:ln>
+        </p:spPr>
+        <p:txBody>
+          <a:bodyPr lIns="0" rIns="0" tIns="0" bIns="0" anchor="t">
+            <a:normAutofit fontScale="91000"/>
+          </a:bodyPr>
+          <a:p>
+            <a:pPr indent="0">
+              <a:spcBef>
+                <a:spcPts val="1417"/>
+              </a:spcBef>
+              <a:buNone/>
+            </a:pPr>
+            <a:endParaRPr b="0" lang="ru-RU" sz="3200" spc="-1" strike="noStrike">
+              <a:solidFill>
+                <a:srgbClr val="000000"/>
+              </a:solidFill>
+              <a:latin typeface="Arial"/>
+            </a:endParaRPr>
+          </a:p>
+        </p:txBody>
+      </p:sp>
+      <p:sp>
+        <p:nvSpPr>
+          <p:cNvPr id="80" name="PlaceHolder 5"/>
+          <p:cNvSpPr>
+            <a:spLocks noGrp="1"/>
+          </p:cNvSpPr>
+          <p:nvPr>
+            <p:ph/>
+          </p:nvPr>
+        </p:nvSpPr>
+        <p:spPr>
+          <a:xfrm>
+            <a:off x="609480" y="3682080"/>
+            <a:ext cx="3533040" cy="1896840"/>
+          </a:xfrm>
+          <a:prstGeom prst="rect">
+            <a:avLst/>
+          </a:prstGeom>
+          <a:noFill/>
+          <a:ln w="0">
+            <a:noFill/>
+          </a:ln>
+        </p:spPr>
+        <p:txBody>
+          <a:bodyPr lIns="0" rIns="0" tIns="0" bIns="0" anchor="t">
+            <a:normAutofit fontScale="91000"/>
+          </a:bodyPr>
+          <a:p>
+            <a:pPr indent="0">
+              <a:spcBef>
+                <a:spcPts val="1417"/>
+              </a:spcBef>
+              <a:buNone/>
+            </a:pPr>
+            <a:endParaRPr b="0" lang="ru-RU" sz="3200" spc="-1" strike="noStrike">
+              <a:solidFill>
+                <a:srgbClr val="000000"/>
+              </a:solidFill>
+              <a:latin typeface="Arial"/>
+            </a:endParaRPr>
+          </a:p>
+        </p:txBody>
+      </p:sp>
+      <p:sp>
+        <p:nvSpPr>
+          <p:cNvPr id="81" name="PlaceHolder 6"/>
+          <p:cNvSpPr>
+            <a:spLocks noGrp="1"/>
+          </p:cNvSpPr>
+          <p:nvPr>
+            <p:ph/>
+          </p:nvPr>
+        </p:nvSpPr>
+        <p:spPr>
+          <a:xfrm>
+            <a:off x="4319640" y="3682080"/>
+            <a:ext cx="3533040" cy="1896840"/>
+          </a:xfrm>
+          <a:prstGeom prst="rect">
+            <a:avLst/>
+          </a:prstGeom>
+          <a:noFill/>
+          <a:ln w="0">
+            <a:noFill/>
+          </a:ln>
+        </p:spPr>
+        <p:txBody>
+          <a:bodyPr lIns="0" rIns="0" tIns="0" bIns="0" anchor="t">
+            <a:normAutofit fontScale="91000"/>
+          </a:bodyPr>
+          <a:p>
+            <a:pPr indent="0">
+              <a:spcBef>
+                <a:spcPts val="1417"/>
+              </a:spcBef>
+              <a:buNone/>
+            </a:pPr>
+            <a:endParaRPr b="0" lang="ru-RU" sz="3200" spc="-1" strike="noStrike">
+              <a:solidFill>
+                <a:srgbClr val="000000"/>
+              </a:solidFill>
+              <a:latin typeface="Arial"/>
+            </a:endParaRPr>
+          </a:p>
+        </p:txBody>
+      </p:sp>
+      <p:sp>
+        <p:nvSpPr>
+          <p:cNvPr id="82" name="PlaceHolder 7"/>
+          <p:cNvSpPr>
+            <a:spLocks noGrp="1"/>
+          </p:cNvSpPr>
+          <p:nvPr>
+            <p:ph/>
+          </p:nvPr>
+        </p:nvSpPr>
+        <p:spPr>
+          <a:xfrm>
+            <a:off x="8029800" y="3682080"/>
+            <a:ext cx="3533040" cy="1896840"/>
+          </a:xfrm>
+          <a:prstGeom prst="rect">
+            <a:avLst/>
+          </a:prstGeom>
+          <a:noFill/>
+          <a:ln w="0">
+            <a:noFill/>
+          </a:ln>
+        </p:spPr>
+        <p:txBody>
+          <a:bodyPr lIns="0" rIns="0" tIns="0" bIns="0" anchor="t">
+            <a:normAutofit fontScale="91000"/>
+          </a:bodyPr>
+          <a:p>
+            <a:pPr indent="0">
+              <a:spcBef>
+                <a:spcPts val="1417"/>
+              </a:spcBef>
+              <a:buNone/>
+            </a:pPr>
+            <a:endParaRPr b="0" lang="ru-RU" sz="3200" spc="-1" strike="noStrike">
+              <a:solidFill>
+                <a:srgbClr val="000000"/>
+              </a:solidFill>
+              <a:latin typeface="Arial"/>
+            </a:endParaRPr>
+          </a:p>
+        </p:txBody>
+      </p:sp>
+      <p:sp>
+        <p:nvSpPr>
+          <p:cNvPr id="9" name="PlaceHolder 8"/>
+          <p:cNvSpPr>
+            <a:spLocks noGrp="1"/>
+          </p:cNvSpPr>
+          <p:nvPr>
+            <p:ph type="ftr" idx="4"/>
+          </p:nvPr>
+        </p:nvSpPr>
+        <p:spPr/>
+        <p:txBody>
+          <a:bodyPr/>
+          <a:p>
+            <a:r>
+              <a:t>Footer</a:t>
+            </a:r>
+          </a:p>
+        </p:txBody>
+      </p:sp>
+      <p:sp>
+        <p:nvSpPr>
+          <p:cNvPr id="10" name="PlaceHolder 9"/>
+          <p:cNvSpPr>
+            <a:spLocks noGrp="1"/>
+          </p:cNvSpPr>
+          <p:nvPr>
+            <p:ph type="sldNum" idx="5"/>
+          </p:nvPr>
+        </p:nvSpPr>
+        <p:spPr/>
+        <p:txBody>
+          <a:bodyPr/>
+          <a:p>
+            <a:fld id="{34E6E320-8C32-4B0D-AA2D-C598DB11BCAB}" type="slidenum">
+              <a:t>&lt;#&gt;</a:t>
+            </a:fld>
+          </a:p>
+        </p:txBody>
+      </p:sp>
+      <p:sp>
+        <p:nvSpPr>
+          <p:cNvPr id="11" name="PlaceHolder 10"/>
+          <p:cNvSpPr>
+            <a:spLocks noGrp="1"/>
+          </p:cNvSpPr>
+          <p:nvPr>
+            <p:ph type="dt" idx="6"/>
           </p:nvPr>
         </p:nvSpPr>
         <p:spPr/>
@@ -1215,8 +3687,8 @@
         </p:nvSpPr>
         <p:spPr>
           <a:xfrm>
-            <a:off x="1523880" y="1122480"/>
-            <a:ext cx="9143640" cy="2387160"/>
+            <a:off x="609480" y="221040"/>
+            <a:ext cx="10972440" cy="1250280"/>
           </a:xfrm>
           <a:prstGeom prst="rect">
             <a:avLst/>
@@ -1231,14 +3703,14 @@
             <a:noAutofit/>
           </a:bodyPr>
           <a:p>
-            <a:pPr indent="0">
-              <a:buNone/>
-            </a:pPr>
-            <a:endParaRPr b="0" lang="en-US" sz="1800" spc="-1" strike="noStrike">
-              <a:solidFill>
-                <a:srgbClr val="000000"/>
-              </a:solidFill>
-              <a:latin typeface="Calibri"/>
+            <a:pPr indent="0" algn="ctr">
+              <a:buNone/>
+            </a:pPr>
+            <a:endParaRPr b="0" lang="ru-RU" sz="4400" spc="-1" strike="noStrike">
+              <a:solidFill>
+                <a:srgbClr val="000000"/>
+              </a:solidFill>
+              <a:latin typeface="Arial"/>
             </a:endParaRPr>
           </a:p>
         </p:txBody>
@@ -1272,19 +3744,16 @@
           </a:bodyPr>
           <a:p>
             <a:pPr indent="0">
-              <a:lnSpc>
-                <a:spcPct val="90000"/>
-              </a:lnSpc>
               <a:spcBef>
                 <a:spcPts val="1417"/>
               </a:spcBef>
               <a:buNone/>
             </a:pPr>
-            <a:endParaRPr b="0" lang="en-US" sz="2800" spc="-1" strike="noStrike">
-              <a:solidFill>
-                <a:srgbClr val="000000"/>
-              </a:solidFill>
-              <a:latin typeface="Calibri"/>
+            <a:endParaRPr b="0" lang="ru-RU" sz="3200" spc="-1" strike="noStrike">
+              <a:solidFill>
+                <a:srgbClr val="000000"/>
+              </a:solidFill>
+              <a:latin typeface="Arial"/>
             </a:endParaRPr>
           </a:p>
         </p:txBody>
@@ -1296,7 +3765,7 @@
             <a:spLocks noGrp="1"/>
           </p:cNvSpPr>
           <p:nvPr>
-            <p:ph type="ftr" idx="2"/>
+            <p:ph type="ftr" idx="1"/>
           </p:nvPr>
         </p:nvSpPr>
         <p:spPr/>
@@ -1316,14 +3785,14 @@
             <a:spLocks noGrp="1"/>
           </p:cNvSpPr>
           <p:nvPr>
-            <p:ph type="sldNum" idx="3"/>
+            <p:ph type="sldNum" idx="2"/>
           </p:nvPr>
         </p:nvSpPr>
         <p:spPr/>
         <p:txBody>
           <a:bodyPr/>
           <a:p>
-            <a:fld id="{0D7E44D0-FC1A-4B20-B559-D2BB0BBB2543}" type="slidenum">
+            <a:fld id="{D9B3404A-BD29-4C01-BA12-6302003C6DE9}" type="slidenum">
               <a:t>&lt;#&gt;</a:t>
             </a:fld>
           </a:p>
@@ -1336,7 +3805,7 @@
             <a:spLocks noGrp="1"/>
           </p:cNvSpPr>
           <p:nvPr>
-            <p:ph type="dt" idx="1"/>
+            <p:ph type="dt" idx="3"/>
           </p:nvPr>
         </p:nvSpPr>
         <p:spPr/>
@@ -1384,8 +3853,8 @@
         </p:nvSpPr>
         <p:spPr>
           <a:xfrm>
-            <a:off x="1523880" y="1122480"/>
-            <a:ext cx="9143640" cy="2387160"/>
+            <a:off x="609480" y="221040"/>
+            <a:ext cx="10972440" cy="1250280"/>
           </a:xfrm>
           <a:prstGeom prst="rect">
             <a:avLst/>
@@ -1400,14 +3869,14 @@
             <a:noAutofit/>
           </a:bodyPr>
           <a:p>
-            <a:pPr indent="0">
-              <a:buNone/>
-            </a:pPr>
-            <a:endParaRPr b="0" lang="en-US" sz="1800" spc="-1" strike="noStrike">
-              <a:solidFill>
-                <a:srgbClr val="000000"/>
-              </a:solidFill>
-              <a:latin typeface="Calibri"/>
+            <a:pPr indent="0" algn="ctr">
+              <a:buNone/>
+            </a:pPr>
+            <a:endParaRPr b="0" lang="ru-RU" sz="4400" spc="-1" strike="noStrike">
+              <a:solidFill>
+                <a:srgbClr val="000000"/>
+              </a:solidFill>
+              <a:latin typeface="Arial"/>
             </a:endParaRPr>
           </a:p>
         </p:txBody>
@@ -1441,19 +3910,16 @@
           </a:bodyPr>
           <a:p>
             <a:pPr indent="0">
-              <a:lnSpc>
-                <a:spcPct val="90000"/>
-              </a:lnSpc>
               <a:spcBef>
                 <a:spcPts val="1417"/>
               </a:spcBef>
               <a:buNone/>
             </a:pPr>
-            <a:endParaRPr b="0" lang="en-US" sz="2800" spc="-1" strike="noStrike">
-              <a:solidFill>
-                <a:srgbClr val="000000"/>
-              </a:solidFill>
-              <a:latin typeface="Calibri"/>
+            <a:endParaRPr b="0" lang="ru-RU" sz="3200" spc="-1" strike="noStrike">
+              <a:solidFill>
+                <a:srgbClr val="000000"/>
+              </a:solidFill>
+              <a:latin typeface="Arial"/>
             </a:endParaRPr>
           </a:p>
         </p:txBody>
@@ -1487,19 +3953,16 @@
           </a:bodyPr>
           <a:p>
             <a:pPr indent="0">
-              <a:lnSpc>
-                <a:spcPct val="90000"/>
-              </a:lnSpc>
               <a:spcBef>
                 <a:spcPts val="1417"/>
               </a:spcBef>
               <a:buNone/>
             </a:pPr>
-            <a:endParaRPr b="0" lang="en-US" sz="2800" spc="-1" strike="noStrike">
-              <a:solidFill>
-                <a:srgbClr val="000000"/>
-              </a:solidFill>
-              <a:latin typeface="Calibri"/>
+            <a:endParaRPr b="0" lang="ru-RU" sz="3200" spc="-1" strike="noStrike">
+              <a:solidFill>
+                <a:srgbClr val="000000"/>
+              </a:solidFill>
+              <a:latin typeface="Arial"/>
             </a:endParaRPr>
           </a:p>
         </p:txBody>
@@ -1511,7 +3974,7 @@
             <a:spLocks noGrp="1"/>
           </p:cNvSpPr>
           <p:nvPr>
-            <p:ph type="ftr" idx="2"/>
+            <p:ph type="ftr" idx="1"/>
           </p:nvPr>
         </p:nvSpPr>
         <p:spPr/>
@@ -1531,14 +3994,14 @@
             <a:spLocks noGrp="1"/>
           </p:cNvSpPr>
           <p:nvPr>
-            <p:ph type="sldNum" idx="3"/>
+            <p:ph type="sldNum" idx="2"/>
           </p:nvPr>
         </p:nvSpPr>
         <p:spPr/>
         <p:txBody>
           <a:bodyPr/>
           <a:p>
-            <a:fld id="{6649703D-AB24-44BB-BB68-F2AB9F8FEF02}" type="slidenum">
+            <a:fld id="{668DDD65-106E-4D5B-9F6E-6B2BFD4E3652}" type="slidenum">
               <a:t>&lt;#&gt;</a:t>
             </a:fld>
           </a:p>
@@ -1551,7 +4014,7 @@
             <a:spLocks noGrp="1"/>
           </p:cNvSpPr>
           <p:nvPr>
-            <p:ph type="dt" idx="1"/>
+            <p:ph type="dt" idx="3"/>
           </p:nvPr>
         </p:nvSpPr>
         <p:spPr/>
@@ -1599,8 +4062,8 @@
         </p:nvSpPr>
         <p:spPr>
           <a:xfrm>
-            <a:off x="1523880" y="1122480"/>
-            <a:ext cx="9143640" cy="2387160"/>
+            <a:off x="609480" y="221040"/>
+            <a:ext cx="10972440" cy="1250280"/>
           </a:xfrm>
           <a:prstGeom prst="rect">
             <a:avLst/>
@@ -1615,14 +4078,14 @@
             <a:noAutofit/>
           </a:bodyPr>
           <a:p>
-            <a:pPr indent="0">
-              <a:buNone/>
-            </a:pPr>
-            <a:endParaRPr b="0" lang="en-US" sz="1800" spc="-1" strike="noStrike">
-              <a:solidFill>
-                <a:srgbClr val="000000"/>
-              </a:solidFill>
-              <a:latin typeface="Calibri"/>
+            <a:pPr indent="0" algn="ctr">
+              <a:buNone/>
+            </a:pPr>
+            <a:endParaRPr b="0" lang="ru-RU" sz="4400" spc="-1" strike="noStrike">
+              <a:solidFill>
+                <a:srgbClr val="000000"/>
+              </a:solidFill>
+              <a:latin typeface="Arial"/>
             </a:endParaRPr>
           </a:p>
         </p:txBody>
@@ -1634,7 +4097,7 @@
             <a:spLocks noGrp="1"/>
           </p:cNvSpPr>
           <p:nvPr>
-            <p:ph type="ftr" idx="2"/>
+            <p:ph type="ftr" idx="1"/>
           </p:nvPr>
         </p:nvSpPr>
         <p:spPr/>
@@ -1654,14 +4117,14 @@
             <a:spLocks noGrp="1"/>
           </p:cNvSpPr>
           <p:nvPr>
-            <p:ph type="sldNum" idx="3"/>
+            <p:ph type="sldNum" idx="2"/>
           </p:nvPr>
         </p:nvSpPr>
         <p:spPr/>
         <p:txBody>
           <a:bodyPr/>
           <a:p>
-            <a:fld id="{44CB7725-C431-4FFC-BF24-A00C83A052BA}" type="slidenum">
+            <a:fld id="{DA8C40A2-0979-4FC7-8237-CB968995FF84}" type="slidenum">
               <a:t>&lt;#&gt;</a:t>
             </a:fld>
           </a:p>
@@ -1674,7 +4137,7 @@
             <a:spLocks noGrp="1"/>
           </p:cNvSpPr>
           <p:nvPr>
-            <p:ph type="dt" idx="1"/>
+            <p:ph type="dt" idx="3"/>
           </p:nvPr>
         </p:nvSpPr>
         <p:spPr/>
@@ -1722,8 +4185,8 @@
         </p:nvSpPr>
         <p:spPr>
           <a:xfrm>
-            <a:off x="1523880" y="1122480"/>
-            <a:ext cx="9143640" cy="11066760"/>
+            <a:off x="609480" y="273600"/>
+            <a:ext cx="10972440" cy="5307840"/>
           </a:xfrm>
           <a:prstGeom prst="rect">
             <a:avLst/>
@@ -1755,7 +4218,7 @@
             <a:spLocks noGrp="1"/>
           </p:cNvSpPr>
           <p:nvPr>
-            <p:ph type="ftr" idx="2"/>
+            <p:ph type="ftr" idx="1"/>
           </p:nvPr>
         </p:nvSpPr>
         <p:spPr/>
@@ -1775,14 +4238,14 @@
             <a:spLocks noGrp="1"/>
           </p:cNvSpPr>
           <p:nvPr>
-            <p:ph type="sldNum" idx="3"/>
+            <p:ph type="sldNum" idx="2"/>
           </p:nvPr>
         </p:nvSpPr>
         <p:spPr/>
         <p:txBody>
           <a:bodyPr/>
           <a:p>
-            <a:fld id="{87B03824-EF64-4B66-9CA6-C63415B0788A}" type="slidenum">
+            <a:fld id="{2BC0FCB6-04EA-42D9-90D9-AD682E71ABFA}" type="slidenum">
               <a:t>&lt;#&gt;</a:t>
             </a:fld>
           </a:p>
@@ -1795,7 +4258,7 @@
             <a:spLocks noGrp="1"/>
           </p:cNvSpPr>
           <p:nvPr>
-            <p:ph type="dt" idx="1"/>
+            <p:ph type="dt" idx="3"/>
           </p:nvPr>
         </p:nvSpPr>
         <p:spPr/>
@@ -1843,8 +4306,8 @@
         </p:nvSpPr>
         <p:spPr>
           <a:xfrm>
-            <a:off x="1523880" y="1122480"/>
-            <a:ext cx="9143640" cy="2387160"/>
+            <a:off x="609480" y="221040"/>
+            <a:ext cx="10972440" cy="1250280"/>
           </a:xfrm>
           <a:prstGeom prst="rect">
             <a:avLst/>
@@ -1859,14 +4322,14 @@
             <a:noAutofit/>
           </a:bodyPr>
           <a:p>
-            <a:pPr indent="0">
-              <a:buNone/>
-            </a:pPr>
-            <a:endParaRPr b="0" lang="en-US" sz="1800" spc="-1" strike="noStrike">
-              <a:solidFill>
-                <a:srgbClr val="000000"/>
-              </a:solidFill>
-              <a:latin typeface="Calibri"/>
+            <a:pPr indent="0" algn="ctr">
+              <a:buNone/>
+            </a:pPr>
+            <a:endParaRPr b="0" lang="ru-RU" sz="4400" spc="-1" strike="noStrike">
+              <a:solidFill>
+                <a:srgbClr val="000000"/>
+              </a:solidFill>
+              <a:latin typeface="Arial"/>
             </a:endParaRPr>
           </a:p>
         </p:txBody>
@@ -1900,19 +4363,16 @@
           </a:bodyPr>
           <a:p>
             <a:pPr indent="0">
-              <a:lnSpc>
-                <a:spcPct val="90000"/>
-              </a:lnSpc>
               <a:spcBef>
                 <a:spcPts val="1417"/>
               </a:spcBef>
               <a:buNone/>
             </a:pPr>
-            <a:endParaRPr b="0" lang="en-US" sz="2800" spc="-1" strike="noStrike">
-              <a:solidFill>
-                <a:srgbClr val="000000"/>
-              </a:solidFill>
-              <a:latin typeface="Calibri"/>
+            <a:endParaRPr b="0" lang="ru-RU" sz="3200" spc="-1" strike="noStrike">
+              <a:solidFill>
+                <a:srgbClr val="000000"/>
+              </a:solidFill>
+              <a:latin typeface="Arial"/>
             </a:endParaRPr>
           </a:p>
         </p:txBody>
@@ -1946,19 +4406,16 @@
           </a:bodyPr>
           <a:p>
             <a:pPr indent="0">
-              <a:lnSpc>
-                <a:spcPct val="90000"/>
-              </a:lnSpc>
               <a:spcBef>
                 <a:spcPts val="1417"/>
               </a:spcBef>
               <a:buNone/>
             </a:pPr>
-            <a:endParaRPr b="0" lang="en-US" sz="2800" spc="-1" strike="noStrike">
-              <a:solidFill>
-                <a:srgbClr val="000000"/>
-              </a:solidFill>
-              <a:latin typeface="Calibri"/>
+            <a:endParaRPr b="0" lang="ru-RU" sz="3200" spc="-1" strike="noStrike">
+              <a:solidFill>
+                <a:srgbClr val="000000"/>
+              </a:solidFill>
+              <a:latin typeface="Arial"/>
             </a:endParaRPr>
           </a:p>
         </p:txBody>
@@ -1992,19 +4449,16 @@
           </a:bodyPr>
           <a:p>
             <a:pPr indent="0">
-              <a:lnSpc>
-                <a:spcPct val="90000"/>
-              </a:lnSpc>
               <a:spcBef>
                 <a:spcPts val="1417"/>
               </a:spcBef>
               <a:buNone/>
             </a:pPr>
-            <a:endParaRPr b="0" lang="en-US" sz="2800" spc="-1" strike="noStrike">
-              <a:solidFill>
-                <a:srgbClr val="000000"/>
-              </a:solidFill>
-              <a:latin typeface="Calibri"/>
+            <a:endParaRPr b="0" lang="ru-RU" sz="3200" spc="-1" strike="noStrike">
+              <a:solidFill>
+                <a:srgbClr val="000000"/>
+              </a:solidFill>
+              <a:latin typeface="Arial"/>
             </a:endParaRPr>
           </a:p>
         </p:txBody>
@@ -2016,7 +4470,7 @@
             <a:spLocks noGrp="1"/>
           </p:cNvSpPr>
           <p:nvPr>
-            <p:ph type="ftr" idx="2"/>
+            <p:ph type="ftr" idx="1"/>
           </p:nvPr>
         </p:nvSpPr>
         <p:spPr/>
@@ -2036,14 +4490,14 @@
             <a:spLocks noGrp="1"/>
           </p:cNvSpPr>
           <p:nvPr>
-            <p:ph type="sldNum" idx="3"/>
+            <p:ph type="sldNum" idx="2"/>
           </p:nvPr>
         </p:nvSpPr>
         <p:spPr/>
         <p:txBody>
           <a:bodyPr/>
           <a:p>
-            <a:fld id="{A364DB91-4CDF-452B-8EC6-B710170ACEEE}" type="slidenum">
+            <a:fld id="{1C8CB851-1279-4C77-809A-B0D0765C7FC2}" type="slidenum">
               <a:t>&lt;#&gt;</a:t>
             </a:fld>
           </a:p>
@@ -2056,7 +4510,7 @@
             <a:spLocks noGrp="1"/>
           </p:cNvSpPr>
           <p:nvPr>
-            <p:ph type="dt" idx="1"/>
+            <p:ph type="dt" idx="3"/>
           </p:nvPr>
         </p:nvSpPr>
         <p:spPr/>
@@ -2104,8 +4558,8 @@
         </p:nvSpPr>
         <p:spPr>
           <a:xfrm>
-            <a:off x="1523880" y="1122480"/>
-            <a:ext cx="9143640" cy="2387160"/>
+            <a:off x="609480" y="221040"/>
+            <a:ext cx="10972440" cy="1250280"/>
           </a:xfrm>
           <a:prstGeom prst="rect">
             <a:avLst/>
@@ -2120,14 +4574,14 @@
             <a:noAutofit/>
           </a:bodyPr>
           <a:p>
-            <a:pPr indent="0">
-              <a:buNone/>
-            </a:pPr>
-            <a:endParaRPr b="0" lang="en-US" sz="1800" spc="-1" strike="noStrike">
-              <a:solidFill>
-                <a:srgbClr val="000000"/>
-              </a:solidFill>
-              <a:latin typeface="Calibri"/>
+            <a:pPr indent="0" algn="ctr">
+              <a:buNone/>
+            </a:pPr>
+            <a:endParaRPr b="0" lang="ru-RU" sz="4400" spc="-1" strike="noStrike">
+              <a:solidFill>
+                <a:srgbClr val="000000"/>
+              </a:solidFill>
+              <a:latin typeface="Arial"/>
             </a:endParaRPr>
           </a:p>
         </p:txBody>
@@ -2161,19 +4615,16 @@
           </a:bodyPr>
           <a:p>
             <a:pPr indent="0">
-              <a:lnSpc>
-                <a:spcPct val="90000"/>
-              </a:lnSpc>
               <a:spcBef>
                 <a:spcPts val="1417"/>
               </a:spcBef>
               <a:buNone/>
             </a:pPr>
-            <a:endParaRPr b="0" lang="en-US" sz="2800" spc="-1" strike="noStrike">
-              <a:solidFill>
-                <a:srgbClr val="000000"/>
-              </a:solidFill>
-              <a:latin typeface="Calibri"/>
+            <a:endParaRPr b="0" lang="ru-RU" sz="3200" spc="-1" strike="noStrike">
+              <a:solidFill>
+                <a:srgbClr val="000000"/>
+              </a:solidFill>
+              <a:latin typeface="Arial"/>
             </a:endParaRPr>
           </a:p>
         </p:txBody>
@@ -2207,19 +4658,16 @@
           </a:bodyPr>
           <a:p>
             <a:pPr indent="0">
-              <a:lnSpc>
-                <a:spcPct val="90000"/>
-              </a:lnSpc>
               <a:spcBef>
                 <a:spcPts val="1417"/>
               </a:spcBef>
               <a:buNone/>
             </a:pPr>
-            <a:endParaRPr b="0" lang="en-US" sz="2800" spc="-1" strike="noStrike">
-              <a:solidFill>
-                <a:srgbClr val="000000"/>
-              </a:solidFill>
-              <a:latin typeface="Calibri"/>
+            <a:endParaRPr b="0" lang="ru-RU" sz="3200" spc="-1" strike="noStrike">
+              <a:solidFill>
+                <a:srgbClr val="000000"/>
+              </a:solidFill>
+              <a:latin typeface="Arial"/>
             </a:endParaRPr>
           </a:p>
         </p:txBody>
@@ -2253,19 +4701,16 @@
           </a:bodyPr>
           <a:p>
             <a:pPr indent="0">
-              <a:lnSpc>
-                <a:spcPct val="90000"/>
-              </a:lnSpc>
               <a:spcBef>
                 <a:spcPts val="1417"/>
               </a:spcBef>
               <a:buNone/>
             </a:pPr>
-            <a:endParaRPr b="0" lang="en-US" sz="2800" spc="-1" strike="noStrike">
-              <a:solidFill>
-                <a:srgbClr val="000000"/>
-              </a:solidFill>
-              <a:latin typeface="Calibri"/>
+            <a:endParaRPr b="0" lang="ru-RU" sz="3200" spc="-1" strike="noStrike">
+              <a:solidFill>
+                <a:srgbClr val="000000"/>
+              </a:solidFill>
+              <a:latin typeface="Arial"/>
             </a:endParaRPr>
           </a:p>
         </p:txBody>
@@ -2277,7 +4722,7 @@
             <a:spLocks noGrp="1"/>
           </p:cNvSpPr>
           <p:nvPr>
-            <p:ph type="ftr" idx="2"/>
+            <p:ph type="ftr" idx="1"/>
           </p:nvPr>
         </p:nvSpPr>
         <p:spPr/>
@@ -2297,14 +4742,14 @@
             <a:spLocks noGrp="1"/>
           </p:cNvSpPr>
           <p:nvPr>
-            <p:ph type="sldNum" idx="3"/>
+            <p:ph type="sldNum" idx="2"/>
           </p:nvPr>
         </p:nvSpPr>
         <p:spPr/>
         <p:txBody>
           <a:bodyPr/>
           <a:p>
-            <a:fld id="{2880517E-BBDC-4D45-ADEF-473D19E82D81}" type="slidenum">
+            <a:fld id="{39733DB7-10D7-4887-B540-245066BE4B23}" type="slidenum">
               <a:t>&lt;#&gt;</a:t>
             </a:fld>
           </a:p>
@@ -2317,7 +4762,7 @@
             <a:spLocks noGrp="1"/>
           </p:cNvSpPr>
           <p:nvPr>
-            <p:ph type="dt" idx="1"/>
+            <p:ph type="dt" idx="3"/>
           </p:nvPr>
         </p:nvSpPr>
         <p:spPr/>
@@ -2365,8 +4810,8 @@
         </p:nvSpPr>
         <p:spPr>
           <a:xfrm>
-            <a:off x="1523880" y="1122480"/>
-            <a:ext cx="9143640" cy="2387160"/>
+            <a:off x="609480" y="221040"/>
+            <a:ext cx="10972440" cy="1250280"/>
           </a:xfrm>
           <a:prstGeom prst="rect">
             <a:avLst/>
@@ -2381,14 +4826,14 @@
             <a:noAutofit/>
           </a:bodyPr>
           <a:p>
-            <a:pPr indent="0">
-              <a:buNone/>
-            </a:pPr>
-            <a:endParaRPr b="0" lang="en-US" sz="1800" spc="-1" strike="noStrike">
-              <a:solidFill>
-                <a:srgbClr val="000000"/>
-              </a:solidFill>
-              <a:latin typeface="Calibri"/>
+            <a:pPr indent="0" algn="ctr">
+              <a:buNone/>
+            </a:pPr>
+            <a:endParaRPr b="0" lang="ru-RU" sz="4400" spc="-1" strike="noStrike">
+              <a:solidFill>
+                <a:srgbClr val="000000"/>
+              </a:solidFill>
+              <a:latin typeface="Arial"/>
             </a:endParaRPr>
           </a:p>
         </p:txBody>
@@ -2422,19 +4867,16 @@
           </a:bodyPr>
           <a:p>
             <a:pPr indent="0">
-              <a:lnSpc>
-                <a:spcPct val="90000"/>
-              </a:lnSpc>
               <a:spcBef>
                 <a:spcPts val="1417"/>
               </a:spcBef>
               <a:buNone/>
             </a:pPr>
-            <a:endParaRPr b="0" lang="en-US" sz="2800" spc="-1" strike="noStrike">
-              <a:solidFill>
-                <a:srgbClr val="000000"/>
-              </a:solidFill>
-              <a:latin typeface="Calibri"/>
+            <a:endParaRPr b="0" lang="ru-RU" sz="3200" spc="-1" strike="noStrike">
+              <a:solidFill>
+                <a:srgbClr val="000000"/>
+              </a:solidFill>
+              <a:latin typeface="Arial"/>
             </a:endParaRPr>
           </a:p>
         </p:txBody>
@@ -2468,19 +4910,16 @@
           </a:bodyPr>
           <a:p>
             <a:pPr indent="0">
-              <a:lnSpc>
-                <a:spcPct val="90000"/>
-              </a:lnSpc>
               <a:spcBef>
                 <a:spcPts val="1417"/>
               </a:spcBef>
               <a:buNone/>
             </a:pPr>
-            <a:endParaRPr b="0" lang="en-US" sz="2800" spc="-1" strike="noStrike">
-              <a:solidFill>
-                <a:srgbClr val="000000"/>
-              </a:solidFill>
-              <a:latin typeface="Calibri"/>
+            <a:endParaRPr b="0" lang="ru-RU" sz="3200" spc="-1" strike="noStrike">
+              <a:solidFill>
+                <a:srgbClr val="000000"/>
+              </a:solidFill>
+              <a:latin typeface="Arial"/>
             </a:endParaRPr>
           </a:p>
         </p:txBody>
@@ -2514,19 +4953,16 @@
           </a:bodyPr>
           <a:p>
             <a:pPr indent="0">
-              <a:lnSpc>
-                <a:spcPct val="90000"/>
-              </a:lnSpc>
               <a:spcBef>
                 <a:spcPts val="1417"/>
               </a:spcBef>
               <a:buNone/>
             </a:pPr>
-            <a:endParaRPr b="0" lang="en-US" sz="2800" spc="-1" strike="noStrike">
-              <a:solidFill>
-                <a:srgbClr val="000000"/>
-              </a:solidFill>
-              <a:latin typeface="Calibri"/>
+            <a:endParaRPr b="0" lang="ru-RU" sz="3200" spc="-1" strike="noStrike">
+              <a:solidFill>
+                <a:srgbClr val="000000"/>
+              </a:solidFill>
+              <a:latin typeface="Arial"/>
             </a:endParaRPr>
           </a:p>
         </p:txBody>
@@ -2538,7 +4974,7 @@
             <a:spLocks noGrp="1"/>
           </p:cNvSpPr>
           <p:nvPr>
-            <p:ph type="ftr" idx="2"/>
+            <p:ph type="ftr" idx="1"/>
           </p:nvPr>
         </p:nvSpPr>
         <p:spPr/>
@@ -2558,14 +4994,14 @@
             <a:spLocks noGrp="1"/>
           </p:cNvSpPr>
           <p:nvPr>
-            <p:ph type="sldNum" idx="3"/>
+            <p:ph type="sldNum" idx="2"/>
           </p:nvPr>
         </p:nvSpPr>
         <p:spPr/>
         <p:txBody>
           <a:bodyPr/>
           <a:p>
-            <a:fld id="{D7E169D5-B843-4406-AEE9-049C75319614}" type="slidenum">
+            <a:fld id="{71015794-4CAD-4D0C-B382-A03F8EDB9601}" type="slidenum">
               <a:t>&lt;#&gt;</a:t>
             </a:fld>
           </a:p>
@@ -2578,7 +5014,7 @@
             <a:spLocks noGrp="1"/>
           </p:cNvSpPr>
           <p:nvPr>
-            <p:ph type="dt" idx="1"/>
+            <p:ph type="dt" idx="3"/>
           </p:nvPr>
         </p:nvSpPr>
         <p:spPr/>
@@ -2628,147 +5064,35 @@
             <a:spLocks noGrp="1"/>
           </p:cNvSpPr>
           <p:nvPr>
-            <p:ph type="title"/>
-          </p:nvPr>
-        </p:nvSpPr>
-        <p:spPr>
-          <a:xfrm>
-            <a:off x="1523880" y="1122480"/>
-            <a:ext cx="9143640" cy="2387160"/>
-          </a:xfrm>
-          <a:prstGeom prst="rect">
-            <a:avLst/>
-          </a:prstGeom>
-          <a:noFill/>
-          <a:ln w="0">
-            <a:noFill/>
-          </a:ln>
-        </p:spPr>
-        <p:txBody>
-          <a:bodyPr anchor="b">
+            <p:ph type="ftr" idx="1"/>
+          </p:nvPr>
+        </p:nvSpPr>
+        <p:spPr>
+          <a:xfrm>
+            <a:off x="4038480" y="6356520"/>
+            <a:ext cx="4113360" cy="363600"/>
+          </a:xfrm>
+          <a:prstGeom prst="rect">
+            <a:avLst/>
+          </a:prstGeom>
+          <a:noFill/>
+          <a:ln w="0">
+            <a:noFill/>
+          </a:ln>
+        </p:spPr>
+        <p:txBody>
+          <a:bodyPr lIns="90000" rIns="90000" tIns="45000" bIns="45000" anchor="ctr">
             <a:noAutofit/>
           </a:bodyPr>
-          <a:p>
-            <a:pPr indent="0" algn="ctr">
-              <a:lnSpc>
-                <a:spcPct val="90000"/>
-              </a:lnSpc>
-              <a:buNone/>
-            </a:pPr>
-            <a:r>
-              <a:rPr b="0" lang="en-US" sz="6000" spc="-1" strike="noStrike">
-                <a:solidFill>
-                  <a:srgbClr val="000000"/>
-                </a:solidFill>
-                <a:latin typeface="Calibri Light"/>
-              </a:rPr>
-              <a:t>Click to edit Master title style</a:t>
-            </a:r>
-            <a:endParaRPr b="0" lang="en-US" sz="6000" spc="-1" strike="noStrike">
-              <a:solidFill>
-                <a:srgbClr val="000000"/>
-              </a:solidFill>
-              <a:latin typeface="Calibri"/>
-            </a:endParaRPr>
-          </a:p>
-        </p:txBody>
-      </p:sp>
-      <p:sp>
-        <p:nvSpPr>
-          <p:cNvPr id="1" name="PlaceHolder 2"/>
-          <p:cNvSpPr>
-            <a:spLocks noGrp="1"/>
-          </p:cNvSpPr>
-          <p:nvPr>
-            <p:ph type="dt" idx="1"/>
-          </p:nvPr>
-        </p:nvSpPr>
-        <p:spPr>
-          <a:xfrm>
-            <a:off x="838080" y="6356520"/>
-            <a:ext cx="2742840" cy="364680"/>
-          </a:xfrm>
-          <a:prstGeom prst="rect">
-            <a:avLst/>
-          </a:prstGeom>
-          <a:noFill/>
-          <a:ln w="0">
-            <a:noFill/>
-          </a:ln>
-        </p:spPr>
-        <p:txBody>
-          <a:bodyPr anchor="ctr">
-            <a:noAutofit/>
-          </a:bodyPr>
           <a:lstStyle>
-            <a:lvl1pPr indent="0">
+            <a:lvl1pPr indent="0" algn="ctr">
               <a:lnSpc>
                 <a:spcPct val="100000"/>
               </a:lnSpc>
               <a:buNone/>
-              <a:defRPr b="0" lang="en-US" sz="1200" spc="-1" strike="noStrike">
-                <a:solidFill>
-                  <a:srgbClr val="8b8b8b"/>
-                </a:solidFill>
-                <a:latin typeface="Calibri"/>
-              </a:defRPr>
-            </a:lvl1pPr>
-          </a:lstStyle>
-          <a:p>
-            <a:pPr indent="0">
-              <a:lnSpc>
-                <a:spcPct val="100000"/>
-              </a:lnSpc>
-              <a:buNone/>
-            </a:pPr>
-            <a:r>
-              <a:rPr b="0" lang="en-US" sz="1200" spc="-1" strike="noStrike">
-                <a:solidFill>
-                  <a:srgbClr val="8b8b8b"/>
-                </a:solidFill>
-                <a:latin typeface="Calibri"/>
-              </a:rPr>
-              <a:t> </a:t>
-            </a:r>
-            <a:endParaRPr b="0" lang="ru-RU" sz="1200" spc="-1" strike="noStrike">
-              <a:solidFill>
-                <a:srgbClr val="000000"/>
-              </a:solidFill>
-              <a:latin typeface="Times New Roman"/>
-            </a:endParaRPr>
-          </a:p>
-        </p:txBody>
-      </p:sp>
-      <p:sp>
-        <p:nvSpPr>
-          <p:cNvPr id="2" name="PlaceHolder 3"/>
-          <p:cNvSpPr>
-            <a:spLocks noGrp="1"/>
-          </p:cNvSpPr>
-          <p:nvPr>
-            <p:ph type="ftr" idx="2"/>
-          </p:nvPr>
-        </p:nvSpPr>
-        <p:spPr>
-          <a:xfrm>
-            <a:off x="4038480" y="6356520"/>
-            <a:ext cx="4114440" cy="364680"/>
-          </a:xfrm>
-          <a:prstGeom prst="rect">
-            <a:avLst/>
-          </a:prstGeom>
-          <a:noFill/>
-          <a:ln w="0">
-            <a:noFill/>
-          </a:ln>
-        </p:spPr>
-        <p:txBody>
-          <a:bodyPr anchor="ctr">
-            <a:noAutofit/>
-          </a:bodyPr>
-          <a:lstStyle>
-            <a:lvl1pPr indent="0" algn="ctr">
-              <a:buNone/>
+              <a:tabLst>
+                <a:tab algn="l" pos="0"/>
+              </a:tabLst>
               <a:defRPr b="0" lang="ru-RU" sz="1400" spc="-1" strike="noStrike">
                 <a:solidFill>
                   <a:srgbClr val="000000"/>
@@ -2779,7 +5103,13 @@
           </a:lstStyle>
           <a:p>
             <a:pPr indent="0" algn="ctr">
-              <a:buNone/>
+              <a:lnSpc>
+                <a:spcPct val="100000"/>
+              </a:lnSpc>
+              <a:buNone/>
+              <a:tabLst>
+                <a:tab algn="l" pos="0"/>
+              </a:tabLst>
             </a:pPr>
             <a:r>
               <a:rPr b="0" lang="ru-RU" sz="1400" spc="-1" strike="noStrike">
@@ -2788,7 +5118,7 @@
                 </a:solidFill>
                 <a:latin typeface="Times New Roman"/>
               </a:rPr>
-              <a:t> </a:t>
+              <a:t>&lt;нижний колонтитул&gt;</a:t>
             </a:r>
             <a:endParaRPr b="0" lang="ru-RU" sz="1400" spc="-1" strike="noStrike">
               <a:solidFill>
@@ -2801,29 +5131,29 @@
       </p:sp>
       <p:sp>
         <p:nvSpPr>
-          <p:cNvPr id="3" name="PlaceHolder 4"/>
-          <p:cNvSpPr>
-            <a:spLocks noGrp="1"/>
-          </p:cNvSpPr>
-          <p:nvPr>
-            <p:ph type="sldNum" idx="3"/>
+          <p:cNvPr id="1" name="PlaceHolder 2"/>
+          <p:cNvSpPr>
+            <a:spLocks noGrp="1"/>
+          </p:cNvSpPr>
+          <p:nvPr>
+            <p:ph type="sldNum" idx="2"/>
           </p:nvPr>
         </p:nvSpPr>
         <p:spPr>
           <a:xfrm>
             <a:off x="8610480" y="6356520"/>
-            <a:ext cx="2742840" cy="364680"/>
-          </a:xfrm>
-          <a:prstGeom prst="rect">
-            <a:avLst/>
-          </a:prstGeom>
-          <a:noFill/>
-          <a:ln w="0">
-            <a:noFill/>
-          </a:ln>
-        </p:spPr>
-        <p:txBody>
-          <a:bodyPr anchor="ctr">
+            <a:ext cx="2741760" cy="363600"/>
+          </a:xfrm>
+          <a:prstGeom prst="rect">
+            <a:avLst/>
+          </a:prstGeom>
+          <a:noFill/>
+          <a:ln w="0">
+            <a:noFill/>
+          </a:ln>
+        </p:spPr>
+        <p:txBody>
+          <a:bodyPr lIns="90000" rIns="90000" tIns="45000" bIns="45000" anchor="ctr">
             <a:noAutofit/>
           </a:bodyPr>
           <a:lstStyle>
@@ -2832,6 +5162,9 @@
                 <a:spcPct val="100000"/>
               </a:lnSpc>
               <a:buNone/>
+              <a:tabLst>
+                <a:tab algn="l" pos="0"/>
+              </a:tabLst>
               <a:defRPr b="0" lang="en-US" sz="1200" spc="-1" strike="noStrike">
                 <a:solidFill>
                   <a:srgbClr val="8b8b8b"/>
@@ -2846,15 +5179,18 @@
                 <a:spcPct val="100000"/>
               </a:lnSpc>
               <a:buNone/>
-            </a:pPr>
-            <a:fld id="{B6E16BF6-DFB8-4671-A955-3813AEC266E7}" type="slidenum">
+              <a:tabLst>
+                <a:tab algn="l" pos="0"/>
+              </a:tabLst>
+            </a:pPr>
+            <a:fld id="{49A26ABD-2600-4970-8752-32A48D44142A}" type="slidenum">
               <a:rPr b="0" lang="en-US" sz="1200" spc="-1" strike="noStrike">
                 <a:solidFill>
                   <a:srgbClr val="8b8b8b"/>
                 </a:solidFill>
                 <a:latin typeface="Calibri"/>
               </a:rPr>
-              <a:t>1</a:t>
+              <a:t>&lt;номер&gt;</a:t>
             </a:fld>
             <a:endParaRPr b="0" lang="ru-RU" sz="1200" spc="-1" strike="noStrike">
               <a:solidFill>
@@ -2867,6 +5203,115 @@
       </p:sp>
       <p:sp>
         <p:nvSpPr>
+          <p:cNvPr id="2" name="PlaceHolder 3"/>
+          <p:cNvSpPr>
+            <a:spLocks noGrp="1"/>
+          </p:cNvSpPr>
+          <p:nvPr>
+            <p:ph type="dt" idx="3"/>
+          </p:nvPr>
+        </p:nvSpPr>
+        <p:spPr>
+          <a:xfrm>
+            <a:off x="838080" y="6356520"/>
+            <a:ext cx="2741760" cy="363600"/>
+          </a:xfrm>
+          <a:prstGeom prst="rect">
+            <a:avLst/>
+          </a:prstGeom>
+          <a:noFill/>
+          <a:ln w="0">
+            <a:noFill/>
+          </a:ln>
+        </p:spPr>
+        <p:txBody>
+          <a:bodyPr lIns="90000" rIns="90000" tIns="45000" bIns="45000" anchor="ctr">
+            <a:noAutofit/>
+          </a:bodyPr>
+          <a:lstStyle>
+            <a:lvl1pPr indent="0">
+              <a:buNone/>
+              <a:defRPr b="0" lang="ru-RU" sz="1400" spc="-1" strike="noStrike">
+                <a:solidFill>
+                  <a:srgbClr val="000000"/>
+                </a:solidFill>
+                <a:latin typeface="Times New Roman"/>
+              </a:defRPr>
+            </a:lvl1pPr>
+          </a:lstStyle>
+          <a:p>
+            <a:pPr indent="0">
+              <a:buNone/>
+            </a:pPr>
+            <a:r>
+              <a:rPr b="0" lang="ru-RU" sz="1400" spc="-1" strike="noStrike">
+                <a:solidFill>
+                  <a:srgbClr val="000000"/>
+                </a:solidFill>
+                <a:latin typeface="Times New Roman"/>
+              </a:rPr>
+              <a:t>&lt;дата/время&gt;</a:t>
+            </a:r>
+            <a:endParaRPr b="0" lang="ru-RU" sz="1400" spc="-1" strike="noStrike">
+              <a:solidFill>
+                <a:srgbClr val="000000"/>
+              </a:solidFill>
+              <a:latin typeface="Times New Roman"/>
+            </a:endParaRPr>
+          </a:p>
+        </p:txBody>
+      </p:sp>
+      <p:sp>
+        <p:nvSpPr>
+          <p:cNvPr id="3" name="PlaceHolder 4"/>
+          <p:cNvSpPr>
+            <a:spLocks noGrp="1"/>
+          </p:cNvSpPr>
+          <p:nvPr>
+            <p:ph type="title"/>
+          </p:nvPr>
+        </p:nvSpPr>
+        <p:spPr>
+          <a:xfrm>
+            <a:off x="609480" y="273600"/>
+            <a:ext cx="10972440" cy="1144800"/>
+          </a:xfrm>
+          <a:prstGeom prst="rect">
+            <a:avLst/>
+          </a:prstGeom>
+          <a:noFill/>
+          <a:ln w="0">
+            <a:noFill/>
+          </a:ln>
+        </p:spPr>
+        <p:txBody>
+          <a:bodyPr lIns="0" rIns="0" tIns="0" bIns="0" anchor="ctr">
+            <a:noAutofit/>
+          </a:bodyPr>
+          <a:p>
+            <a:pPr indent="0" algn="ctr">
+              <a:buNone/>
+            </a:pPr>
+            <a:r>
+              <a:rPr b="0" lang="ru-RU" sz="4400" spc="-1" strike="noStrike">
+                <a:solidFill>
+                  <a:srgbClr val="000000"/>
+                </a:solidFill>
+                <a:latin typeface="Arial"/>
+              </a:rPr>
+              <a:t>Для правки текста заглавия щёлкните мышью</a:t>
+            </a:r>
+            <a:endParaRPr b="0" lang="ru-RU" sz="4400" spc="-1" strike="noStrike">
+              <a:solidFill>
+                <a:srgbClr val="000000"/>
+              </a:solidFill>
+              <a:latin typeface="Arial"/>
+            </a:endParaRPr>
+          </a:p>
+        </p:txBody>
+      </p:sp>
+      <p:sp>
+        <p:nvSpPr>
           <p:cNvPr id="4" name="PlaceHolder 5"/>
           <p:cNvSpPr>
             <a:spLocks noGrp="1"/>
@@ -2894,9 +5339,6 @@
           </a:bodyPr>
           <a:p>
             <a:pPr marL="432000" indent="-324000">
-              <a:lnSpc>
-                <a:spcPct val="90000"/>
-              </a:lnSpc>
               <a:spcBef>
                 <a:spcPts val="1417"/>
               </a:spcBef>
@@ -2908,26 +5350,23 @@
               <a:buChar char=""/>
             </a:pPr>
             <a:r>
-              <a:rPr b="0" lang="en-US" sz="2800" spc="-1" strike="noStrike">
+              <a:rPr b="0" lang="ru-RU" sz="3200" spc="-1" strike="noStrike">
                 <a:solidFill>
                   <a:srgbClr val="000000"/>
                 </a:solidFill>
-                <a:latin typeface="Calibri"/>
+                <a:latin typeface="Arial"/>
               </a:rPr>
               <a:t>Для правки структуры щёлкните мышью</a:t>
             </a:r>
-            <a:endParaRPr b="0" lang="en-US" sz="2800" spc="-1" strike="noStrike">
-              <a:solidFill>
-                <a:srgbClr val="000000"/>
-              </a:solidFill>
-              <a:latin typeface="Calibri"/>
+            <a:endParaRPr b="0" lang="ru-RU" sz="3200" spc="-1" strike="noStrike">
+              <a:solidFill>
+                <a:srgbClr val="000000"/>
+              </a:solidFill>
+              <a:latin typeface="Arial"/>
             </a:endParaRPr>
           </a:p>
           <a:p>
             <a:pPr lvl="1" marL="864000" indent="-324000">
-              <a:lnSpc>
-                <a:spcPct val="90000"/>
-              </a:lnSpc>
               <a:spcBef>
                 <a:spcPts val="1134"/>
               </a:spcBef>
@@ -2939,26 +5378,23 @@
               <a:buChar char=""/>
             </a:pPr>
             <a:r>
-              <a:rPr b="0" lang="en-US" sz="2000" spc="-1" strike="noStrike">
+              <a:rPr b="0" lang="ru-RU" sz="2800" spc="-1" strike="noStrike">
                 <a:solidFill>
                   <a:srgbClr val="000000"/>
                 </a:solidFill>
-                <a:latin typeface="Calibri"/>
+                <a:latin typeface="Arial"/>
               </a:rPr>
               <a:t>Второй уровень структуры</a:t>
             </a:r>
-            <a:endParaRPr b="0" lang="en-US" sz="2000" spc="-1" strike="noStrike">
-              <a:solidFill>
-                <a:srgbClr val="000000"/>
-              </a:solidFill>
-              <a:latin typeface="Calibri"/>
+            <a:endParaRPr b="0" lang="ru-RU" sz="2800" spc="-1" strike="noStrike">
+              <a:solidFill>
+                <a:srgbClr val="000000"/>
+              </a:solidFill>
+              <a:latin typeface="Arial"/>
             </a:endParaRPr>
           </a:p>
           <a:p>
             <a:pPr lvl="2" marL="1296000" indent="-288000">
-              <a:lnSpc>
-                <a:spcPct val="90000"/>
-              </a:lnSpc>
               <a:spcBef>
                 <a:spcPts val="850"/>
               </a:spcBef>
@@ -2970,26 +5406,23 @@
               <a:buChar char=""/>
             </a:pPr>
             <a:r>
-              <a:rPr b="0" lang="en-US" sz="1800" spc="-1" strike="noStrike">
+              <a:rPr b="0" lang="ru-RU" sz="2400" spc="-1" strike="noStrike">
                 <a:solidFill>
                   <a:srgbClr val="000000"/>
                 </a:solidFill>
-                <a:latin typeface="Calibri"/>
+                <a:latin typeface="Arial"/>
               </a:rPr>
               <a:t>Третий уровень структуры</a:t>
             </a:r>
-            <a:endParaRPr b="0" lang="en-US" sz="1800" spc="-1" strike="noStrike">
-              <a:solidFill>
-                <a:srgbClr val="000000"/>
-              </a:solidFill>
-              <a:latin typeface="Calibri"/>
+            <a:endParaRPr b="0" lang="ru-RU" sz="2400" spc="-1" strike="noStrike">
+              <a:solidFill>
+                <a:srgbClr val="000000"/>
+              </a:solidFill>
+              <a:latin typeface="Arial"/>
             </a:endParaRPr>
           </a:p>
           <a:p>
             <a:pPr lvl="3" marL="1728000" indent="-216000">
-              <a:lnSpc>
-                <a:spcPct val="90000"/>
-              </a:lnSpc>
               <a:spcBef>
                 <a:spcPts val="567"/>
               </a:spcBef>
@@ -3001,26 +5434,23 @@
               <a:buChar char=""/>
             </a:pPr>
             <a:r>
-              <a:rPr b="0" lang="en-US" sz="1800" spc="-1" strike="noStrike">
+              <a:rPr b="0" lang="ru-RU" sz="2000" spc="-1" strike="noStrike">
                 <a:solidFill>
                   <a:srgbClr val="000000"/>
                 </a:solidFill>
-                <a:latin typeface="Calibri"/>
+                <a:latin typeface="Arial"/>
               </a:rPr>
               <a:t>Четвёртый уровень структуры</a:t>
             </a:r>
-            <a:endParaRPr b="0" lang="en-US" sz="1800" spc="-1" strike="noStrike">
-              <a:solidFill>
-                <a:srgbClr val="000000"/>
-              </a:solidFill>
-              <a:latin typeface="Calibri"/>
+            <a:endParaRPr b="0" lang="ru-RU" sz="2000" spc="-1" strike="noStrike">
+              <a:solidFill>
+                <a:srgbClr val="000000"/>
+              </a:solidFill>
+              <a:latin typeface="Arial"/>
             </a:endParaRPr>
           </a:p>
           <a:p>
             <a:pPr lvl="4" marL="2160000" indent="-216000">
-              <a:lnSpc>
-                <a:spcPct val="90000"/>
-              </a:lnSpc>
               <a:spcBef>
                 <a:spcPts val="283"/>
               </a:spcBef>
@@ -3032,26 +5462,23 @@
               <a:buChar char=""/>
             </a:pPr>
             <a:r>
-              <a:rPr b="0" lang="en-US" sz="2000" spc="-1" strike="noStrike">
+              <a:rPr b="0" lang="ru-RU" sz="2000" spc="-1" strike="noStrike">
                 <a:solidFill>
                   <a:srgbClr val="000000"/>
                 </a:solidFill>
-                <a:latin typeface="Calibri"/>
+                <a:latin typeface="Arial"/>
               </a:rPr>
               <a:t>Пятый уровень структуры</a:t>
             </a:r>
-            <a:endParaRPr b="0" lang="en-US" sz="2000" spc="-1" strike="noStrike">
-              <a:solidFill>
-                <a:srgbClr val="000000"/>
-              </a:solidFill>
-              <a:latin typeface="Calibri"/>
+            <a:endParaRPr b="0" lang="ru-RU" sz="2000" spc="-1" strike="noStrike">
+              <a:solidFill>
+                <a:srgbClr val="000000"/>
+              </a:solidFill>
+              <a:latin typeface="Arial"/>
             </a:endParaRPr>
           </a:p>
           <a:p>
             <a:pPr lvl="5" marL="2592000" indent="-216000">
-              <a:lnSpc>
-                <a:spcPct val="90000"/>
-              </a:lnSpc>
               <a:spcBef>
                 <a:spcPts val="283"/>
               </a:spcBef>
@@ -3063,26 +5490,23 @@
               <a:buChar char=""/>
             </a:pPr>
             <a:r>
-              <a:rPr b="0" lang="en-US" sz="2000" spc="-1" strike="noStrike">
+              <a:rPr b="0" lang="ru-RU" sz="2000" spc="-1" strike="noStrike">
                 <a:solidFill>
                   <a:srgbClr val="000000"/>
                 </a:solidFill>
-                <a:latin typeface="Calibri"/>
+                <a:latin typeface="Arial"/>
               </a:rPr>
               <a:t>Шестой уровень структуры</a:t>
             </a:r>
-            <a:endParaRPr b="0" lang="en-US" sz="2000" spc="-1" strike="noStrike">
-              <a:solidFill>
-                <a:srgbClr val="000000"/>
-              </a:solidFill>
-              <a:latin typeface="Calibri"/>
+            <a:endParaRPr b="0" lang="ru-RU" sz="2000" spc="-1" strike="noStrike">
+              <a:solidFill>
+                <a:srgbClr val="000000"/>
+              </a:solidFill>
+              <a:latin typeface="Arial"/>
             </a:endParaRPr>
           </a:p>
           <a:p>
             <a:pPr lvl="6" marL="3024000" indent="-216000">
-              <a:lnSpc>
-                <a:spcPct val="90000"/>
-              </a:lnSpc>
               <a:spcBef>
                 <a:spcPts val="283"/>
               </a:spcBef>
@@ -3094,19 +5518,19 @@
               <a:buChar char=""/>
             </a:pPr>
             <a:r>
-              <a:rPr b="0" lang="en-US" sz="2000" spc="-1" strike="noStrike">
+              <a:rPr b="0" lang="ru-RU" sz="2000" spc="-1" strike="noStrike">
                 <a:solidFill>
                   <a:srgbClr val="000000"/>
                 </a:solidFill>
-                <a:latin typeface="Calibri"/>
+                <a:latin typeface="Arial"/>
               </a:rPr>
               <a:t>Седьмой уровень структуры</a:t>
             </a:r>
-            <a:endParaRPr b="0" lang="en-US" sz="2000" spc="-1" strike="noStrike">
-              <a:solidFill>
-                <a:srgbClr val="000000"/>
-              </a:solidFill>
-              <a:latin typeface="Calibri"/>
+            <a:endParaRPr b="0" lang="ru-RU" sz="2000" spc="-1" strike="noStrike">
+              <a:solidFill>
+                <a:srgbClr val="000000"/>
+              </a:solidFill>
+              <a:latin typeface="Arial"/>
             </a:endParaRPr>
           </a:p>
         </p:txBody>
@@ -3131,9 +5555,16 @@
 </p:sldMaster>
 </file>
 
-<file path=ppt/slides/slide1.xml><?xml version="1.0" encoding="utf-8"?>
-<p:sld xmlns:a="http://schemas.openxmlformats.org/drawingml/2006/main" xmlns:p="http://schemas.openxmlformats.org/presentationml/2006/main" xmlns:r="http://schemas.openxmlformats.org/officeDocument/2006/relationships" xmlns:p14="http://schemas.microsoft.com/office/powerpoint/2010/main" xmlns:p15="http://schemas.microsoft.com/office/powerpoint/2012/main" xmlns:mc="http://schemas.openxmlformats.org/markup-compatibility/2006">
+<file path=ppt/slideMasters/slideMaster2.xml><?xml version="1.0" encoding="utf-8"?>
+<p:sldMaster xmlns:a="http://schemas.openxmlformats.org/drawingml/2006/main" xmlns:p="http://schemas.openxmlformats.org/presentationml/2006/main" xmlns:r="http://schemas.openxmlformats.org/officeDocument/2006/relationships" xmlns:p14="http://schemas.microsoft.com/office/powerpoint/2010/main" xmlns:p15="http://schemas.microsoft.com/office/powerpoint/2012/main" xmlns:mc="http://schemas.openxmlformats.org/markup-compatibility/2006">
   <p:cSld>
+    <p:bg>
+      <p:bgPr>
+        <a:solidFill>
+          <a:srgbClr val="ffffff"/>
+        </a:solidFill>
+      </p:bgPr>
+    </p:bg>
     <p:spTree>
       <p:nvGrpSpPr>
         <p:cNvPr id="1" name=""/>
@@ -3161,7 +5592,7 @@
         <p:spPr>
           <a:xfrm>
             <a:off x="1523880" y="1122480"/>
-            <a:ext cx="9143640" cy="2387160"/>
+            <a:ext cx="9142560" cy="2386080"/>
           </a:xfrm>
           <a:prstGeom prst="rect">
             <a:avLst/>
@@ -3179,11 +5610,20 @@
             <a:pPr indent="0">
               <a:buNone/>
             </a:pPr>
-            <a:endParaRPr b="0" lang="en-US" sz="1800" spc="-1" strike="noStrike">
-              <a:solidFill>
-                <a:srgbClr val="000000"/>
-              </a:solidFill>
-              <a:latin typeface="Calibri"/>
+            <a:r>
+              <a:rPr b="0" lang="ru-RU" sz="1800" spc="-1" strike="noStrike">
+                <a:solidFill>
+                  <a:srgbClr val="000000"/>
+                </a:solidFill>
+                <a:latin typeface="Arial"/>
+              </a:rPr>
+              <a:t>Для правки текста заглавия щёлкните мышью</a:t>
+            </a:r>
+            <a:endParaRPr b="0" lang="ru-RU" sz="1800" spc="-1" strike="noStrike">
+              <a:solidFill>
+                <a:srgbClr val="000000"/>
+              </a:solidFill>
+              <a:latin typeface="Arial"/>
             </a:endParaRPr>
           </a:p>
         </p:txBody>
@@ -3195,13 +5635,712 @@
             <a:spLocks noGrp="1"/>
           </p:cNvSpPr>
           <p:nvPr>
-            <p:ph type="subTitle"/>
+            <p:ph type="body"/>
           </p:nvPr>
         </p:nvSpPr>
         <p:spPr>
           <a:xfrm>
             <a:off x="609480" y="1604520"/>
-            <a:ext cx="10972440" cy="3977280"/>
+            <a:ext cx="1274040" cy="3976200"/>
+          </a:xfrm>
+          <a:prstGeom prst="rect">
+            <a:avLst/>
+          </a:prstGeom>
+          <a:noFill/>
+          <a:ln w="0">
+            <a:noFill/>
+          </a:ln>
+        </p:spPr>
+        <p:txBody>
+          <a:bodyPr lIns="0" rIns="0" tIns="0" bIns="0" anchor="t">
+            <a:normAutofit fontScale="32000"/>
+          </a:bodyPr>
+          <a:p>
+            <a:pPr marL="138240" indent="-103680">
+              <a:spcBef>
+                <a:spcPts val="1417"/>
+              </a:spcBef>
+              <a:buClr>
+                <a:srgbClr val="000000"/>
+              </a:buClr>
+              <a:buSzPct val="45000"/>
+              <a:buFont typeface="Wingdings" charset="2"/>
+              <a:buChar char=""/>
+            </a:pPr>
+            <a:r>
+              <a:rPr b="0" lang="ru-RU" sz="1800" spc="-1" strike="noStrike">
+                <a:solidFill>
+                  <a:srgbClr val="000000"/>
+                </a:solidFill>
+                <a:latin typeface="Arial"/>
+              </a:rPr>
+              <a:t>Для правки структуры щёлкните мышью</a:t>
+            </a:r>
+            <a:endParaRPr b="0" lang="ru-RU" sz="1800" spc="-1" strike="noStrike">
+              <a:solidFill>
+                <a:srgbClr val="000000"/>
+              </a:solidFill>
+              <a:latin typeface="Arial"/>
+            </a:endParaRPr>
+          </a:p>
+          <a:p>
+            <a:pPr lvl="1" marL="276480" indent="-103680">
+              <a:spcBef>
+                <a:spcPts val="1134"/>
+              </a:spcBef>
+              <a:buClr>
+                <a:srgbClr val="000000"/>
+              </a:buClr>
+              <a:buSzPct val="75000"/>
+              <a:buFont typeface="Symbol" charset="2"/>
+              <a:buChar char=""/>
+            </a:pPr>
+            <a:r>
+              <a:rPr b="0" lang="ru-RU" sz="1800" spc="-1" strike="noStrike">
+                <a:solidFill>
+                  <a:srgbClr val="000000"/>
+                </a:solidFill>
+                <a:latin typeface="Arial"/>
+              </a:rPr>
+              <a:t>Второй уровень структуры</a:t>
+            </a:r>
+            <a:endParaRPr b="0" lang="ru-RU" sz="1800" spc="-1" strike="noStrike">
+              <a:solidFill>
+                <a:srgbClr val="000000"/>
+              </a:solidFill>
+              <a:latin typeface="Arial"/>
+            </a:endParaRPr>
+          </a:p>
+          <a:p>
+            <a:pPr lvl="2" marL="414720" indent="-92160">
+              <a:spcBef>
+                <a:spcPts val="850"/>
+              </a:spcBef>
+              <a:buClr>
+                <a:srgbClr val="000000"/>
+              </a:buClr>
+              <a:buSzPct val="45000"/>
+              <a:buFont typeface="Wingdings" charset="2"/>
+              <a:buChar char=""/>
+            </a:pPr>
+            <a:r>
+              <a:rPr b="0" lang="ru-RU" sz="1800" spc="-1" strike="noStrike">
+                <a:solidFill>
+                  <a:srgbClr val="000000"/>
+                </a:solidFill>
+                <a:latin typeface="Arial"/>
+              </a:rPr>
+              <a:t>Третий уровень структуры</a:t>
+            </a:r>
+            <a:endParaRPr b="0" lang="ru-RU" sz="1800" spc="-1" strike="noStrike">
+              <a:solidFill>
+                <a:srgbClr val="000000"/>
+              </a:solidFill>
+              <a:latin typeface="Arial"/>
+            </a:endParaRPr>
+          </a:p>
+          <a:p>
+            <a:pPr lvl="3" marL="552960" indent="-69120">
+              <a:spcBef>
+                <a:spcPts val="567"/>
+              </a:spcBef>
+              <a:buClr>
+                <a:srgbClr val="000000"/>
+              </a:buClr>
+              <a:buSzPct val="75000"/>
+              <a:buFont typeface="Symbol" charset="2"/>
+              <a:buChar char=""/>
+            </a:pPr>
+            <a:r>
+              <a:rPr b="0" lang="ru-RU" sz="1800" spc="-1" strike="noStrike">
+                <a:solidFill>
+                  <a:srgbClr val="000000"/>
+                </a:solidFill>
+                <a:latin typeface="Arial"/>
+              </a:rPr>
+              <a:t>Четвёртый уровень структуры</a:t>
+            </a:r>
+            <a:endParaRPr b="0" lang="ru-RU" sz="1800" spc="-1" strike="noStrike">
+              <a:solidFill>
+                <a:srgbClr val="000000"/>
+              </a:solidFill>
+              <a:latin typeface="Arial"/>
+            </a:endParaRPr>
+          </a:p>
+          <a:p>
+            <a:pPr lvl="4" marL="691200" indent="-69120">
+              <a:spcBef>
+                <a:spcPts val="283"/>
+              </a:spcBef>
+              <a:buClr>
+                <a:srgbClr val="000000"/>
+              </a:buClr>
+              <a:buSzPct val="45000"/>
+              <a:buFont typeface="Wingdings" charset="2"/>
+              <a:buChar char=""/>
+            </a:pPr>
+            <a:r>
+              <a:rPr b="0" lang="ru-RU" sz="1800" spc="-1" strike="noStrike">
+                <a:solidFill>
+                  <a:srgbClr val="000000"/>
+                </a:solidFill>
+                <a:latin typeface="Arial"/>
+              </a:rPr>
+              <a:t>Пятый уровень структуры</a:t>
+            </a:r>
+            <a:endParaRPr b="0" lang="ru-RU" sz="1800" spc="-1" strike="noStrike">
+              <a:solidFill>
+                <a:srgbClr val="000000"/>
+              </a:solidFill>
+              <a:latin typeface="Arial"/>
+            </a:endParaRPr>
+          </a:p>
+          <a:p>
+            <a:pPr lvl="5" marL="829440" indent="-69120">
+              <a:spcBef>
+                <a:spcPts val="283"/>
+              </a:spcBef>
+              <a:buClr>
+                <a:srgbClr val="000000"/>
+              </a:buClr>
+              <a:buSzPct val="45000"/>
+              <a:buFont typeface="Wingdings" charset="2"/>
+              <a:buChar char=""/>
+            </a:pPr>
+            <a:r>
+              <a:rPr b="0" lang="ru-RU" sz="1800" spc="-1" strike="noStrike">
+                <a:solidFill>
+                  <a:srgbClr val="000000"/>
+                </a:solidFill>
+                <a:latin typeface="Arial"/>
+              </a:rPr>
+              <a:t>Шестой уровень структуры</a:t>
+            </a:r>
+            <a:endParaRPr b="0" lang="ru-RU" sz="1800" spc="-1" strike="noStrike">
+              <a:solidFill>
+                <a:srgbClr val="000000"/>
+              </a:solidFill>
+              <a:latin typeface="Arial"/>
+            </a:endParaRPr>
+          </a:p>
+          <a:p>
+            <a:pPr lvl="6" marL="967680" indent="-69120">
+              <a:spcBef>
+                <a:spcPts val="283"/>
+              </a:spcBef>
+              <a:buClr>
+                <a:srgbClr val="000000"/>
+              </a:buClr>
+              <a:buSzPct val="45000"/>
+              <a:buFont typeface="Wingdings" charset="2"/>
+              <a:buChar char=""/>
+            </a:pPr>
+            <a:r>
+              <a:rPr b="0" lang="ru-RU" sz="1800" spc="-1" strike="noStrike">
+                <a:solidFill>
+                  <a:srgbClr val="000000"/>
+                </a:solidFill>
+                <a:latin typeface="Arial"/>
+              </a:rPr>
+              <a:t>Седьмой уровень структуры</a:t>
+            </a:r>
+            <a:endParaRPr b="0" lang="ru-RU" sz="1800" spc="-1" strike="noStrike">
+              <a:solidFill>
+                <a:srgbClr val="000000"/>
+              </a:solidFill>
+              <a:latin typeface="Arial"/>
+            </a:endParaRPr>
+          </a:p>
+        </p:txBody>
+      </p:sp>
+      <p:sp>
+        <p:nvSpPr>
+          <p:cNvPr id="43" name="PlaceHolder 3"/>
+          <p:cNvSpPr>
+            <a:spLocks noGrp="1"/>
+          </p:cNvSpPr>
+          <p:nvPr>
+            <p:ph type="body"/>
+          </p:nvPr>
+        </p:nvSpPr>
+        <p:spPr>
+          <a:xfrm>
+            <a:off x="1947960" y="1604520"/>
+            <a:ext cx="1274040" cy="3976200"/>
+          </a:xfrm>
+          <a:prstGeom prst="rect">
+            <a:avLst/>
+          </a:prstGeom>
+          <a:noFill/>
+          <a:ln w="0">
+            <a:noFill/>
+          </a:ln>
+        </p:spPr>
+        <p:txBody>
+          <a:bodyPr lIns="0" rIns="0" tIns="0" bIns="0" anchor="t">
+            <a:normAutofit fontScale="32000"/>
+          </a:bodyPr>
+          <a:p>
+            <a:pPr marL="138240" indent="-103680">
+              <a:spcBef>
+                <a:spcPts val="1417"/>
+              </a:spcBef>
+              <a:buClr>
+                <a:srgbClr val="000000"/>
+              </a:buClr>
+              <a:buSzPct val="45000"/>
+              <a:buFont typeface="Wingdings" charset="2"/>
+              <a:buChar char=""/>
+            </a:pPr>
+            <a:r>
+              <a:rPr b="0" lang="ru-RU" sz="1800" spc="-1" strike="noStrike">
+                <a:solidFill>
+                  <a:srgbClr val="000000"/>
+                </a:solidFill>
+                <a:latin typeface="Arial"/>
+              </a:rPr>
+              <a:t>Для правки структуры щёлкните мышью</a:t>
+            </a:r>
+            <a:endParaRPr b="0" lang="ru-RU" sz="1800" spc="-1" strike="noStrike">
+              <a:solidFill>
+                <a:srgbClr val="000000"/>
+              </a:solidFill>
+              <a:latin typeface="Arial"/>
+            </a:endParaRPr>
+          </a:p>
+          <a:p>
+            <a:pPr lvl="1" marL="276480" indent="-103680">
+              <a:spcBef>
+                <a:spcPts val="1134"/>
+              </a:spcBef>
+              <a:buClr>
+                <a:srgbClr val="000000"/>
+              </a:buClr>
+              <a:buSzPct val="75000"/>
+              <a:buFont typeface="Symbol" charset="2"/>
+              <a:buChar char=""/>
+            </a:pPr>
+            <a:r>
+              <a:rPr b="0" lang="ru-RU" sz="1800" spc="-1" strike="noStrike">
+                <a:solidFill>
+                  <a:srgbClr val="000000"/>
+                </a:solidFill>
+                <a:latin typeface="Arial"/>
+              </a:rPr>
+              <a:t>Второй уровень структуры</a:t>
+            </a:r>
+            <a:endParaRPr b="0" lang="ru-RU" sz="1800" spc="-1" strike="noStrike">
+              <a:solidFill>
+                <a:srgbClr val="000000"/>
+              </a:solidFill>
+              <a:latin typeface="Arial"/>
+            </a:endParaRPr>
+          </a:p>
+          <a:p>
+            <a:pPr lvl="2" marL="414720" indent="-92160">
+              <a:spcBef>
+                <a:spcPts val="850"/>
+              </a:spcBef>
+              <a:buClr>
+                <a:srgbClr val="000000"/>
+              </a:buClr>
+              <a:buSzPct val="45000"/>
+              <a:buFont typeface="Wingdings" charset="2"/>
+              <a:buChar char=""/>
+            </a:pPr>
+            <a:r>
+              <a:rPr b="0" lang="ru-RU" sz="1800" spc="-1" strike="noStrike">
+                <a:solidFill>
+                  <a:srgbClr val="000000"/>
+                </a:solidFill>
+                <a:latin typeface="Arial"/>
+              </a:rPr>
+              <a:t>Третий уровень структуры</a:t>
+            </a:r>
+            <a:endParaRPr b="0" lang="ru-RU" sz="1800" spc="-1" strike="noStrike">
+              <a:solidFill>
+                <a:srgbClr val="000000"/>
+              </a:solidFill>
+              <a:latin typeface="Arial"/>
+            </a:endParaRPr>
+          </a:p>
+          <a:p>
+            <a:pPr lvl="3" marL="552960" indent="-69120">
+              <a:spcBef>
+                <a:spcPts val="567"/>
+              </a:spcBef>
+              <a:buClr>
+                <a:srgbClr val="000000"/>
+              </a:buClr>
+              <a:buSzPct val="75000"/>
+              <a:buFont typeface="Symbol" charset="2"/>
+              <a:buChar char=""/>
+            </a:pPr>
+            <a:r>
+              <a:rPr b="0" lang="ru-RU" sz="1800" spc="-1" strike="noStrike">
+                <a:solidFill>
+                  <a:srgbClr val="000000"/>
+                </a:solidFill>
+                <a:latin typeface="Arial"/>
+              </a:rPr>
+              <a:t>Четвёртый уровень структуры</a:t>
+            </a:r>
+            <a:endParaRPr b="0" lang="ru-RU" sz="1800" spc="-1" strike="noStrike">
+              <a:solidFill>
+                <a:srgbClr val="000000"/>
+              </a:solidFill>
+              <a:latin typeface="Arial"/>
+            </a:endParaRPr>
+          </a:p>
+          <a:p>
+            <a:pPr lvl="4" marL="691200" indent="-69120">
+              <a:spcBef>
+                <a:spcPts val="283"/>
+              </a:spcBef>
+              <a:buClr>
+                <a:srgbClr val="000000"/>
+              </a:buClr>
+              <a:buSzPct val="45000"/>
+              <a:buFont typeface="Wingdings" charset="2"/>
+              <a:buChar char=""/>
+            </a:pPr>
+            <a:r>
+              <a:rPr b="0" lang="ru-RU" sz="1800" spc="-1" strike="noStrike">
+                <a:solidFill>
+                  <a:srgbClr val="000000"/>
+                </a:solidFill>
+                <a:latin typeface="Arial"/>
+              </a:rPr>
+              <a:t>Пятый уровень структуры</a:t>
+            </a:r>
+            <a:endParaRPr b="0" lang="ru-RU" sz="1800" spc="-1" strike="noStrike">
+              <a:solidFill>
+                <a:srgbClr val="000000"/>
+              </a:solidFill>
+              <a:latin typeface="Arial"/>
+            </a:endParaRPr>
+          </a:p>
+          <a:p>
+            <a:pPr lvl="5" marL="829440" indent="-69120">
+              <a:spcBef>
+                <a:spcPts val="283"/>
+              </a:spcBef>
+              <a:buClr>
+                <a:srgbClr val="000000"/>
+              </a:buClr>
+              <a:buSzPct val="45000"/>
+              <a:buFont typeface="Wingdings" charset="2"/>
+              <a:buChar char=""/>
+            </a:pPr>
+            <a:r>
+              <a:rPr b="0" lang="ru-RU" sz="1800" spc="-1" strike="noStrike">
+                <a:solidFill>
+                  <a:srgbClr val="000000"/>
+                </a:solidFill>
+                <a:latin typeface="Arial"/>
+              </a:rPr>
+              <a:t>Шестой уровень структуры</a:t>
+            </a:r>
+            <a:endParaRPr b="0" lang="ru-RU" sz="1800" spc="-1" strike="noStrike">
+              <a:solidFill>
+                <a:srgbClr val="000000"/>
+              </a:solidFill>
+              <a:latin typeface="Arial"/>
+            </a:endParaRPr>
+          </a:p>
+          <a:p>
+            <a:pPr lvl="6" marL="967680" indent="-69120">
+              <a:spcBef>
+                <a:spcPts val="283"/>
+              </a:spcBef>
+              <a:buClr>
+                <a:srgbClr val="000000"/>
+              </a:buClr>
+              <a:buSzPct val="45000"/>
+              <a:buFont typeface="Wingdings" charset="2"/>
+              <a:buChar char=""/>
+            </a:pPr>
+            <a:r>
+              <a:rPr b="0" lang="ru-RU" sz="1800" spc="-1" strike="noStrike">
+                <a:solidFill>
+                  <a:srgbClr val="000000"/>
+                </a:solidFill>
+                <a:latin typeface="Arial"/>
+              </a:rPr>
+              <a:t>Седьмой уровень структуры</a:t>
+            </a:r>
+            <a:endParaRPr b="0" lang="ru-RU" sz="1800" spc="-1" strike="noStrike">
+              <a:solidFill>
+                <a:srgbClr val="000000"/>
+              </a:solidFill>
+              <a:latin typeface="Arial"/>
+            </a:endParaRPr>
+          </a:p>
+        </p:txBody>
+      </p:sp>
+      <p:sp>
+        <p:nvSpPr>
+          <p:cNvPr id="44" name="PlaceHolder 4"/>
+          <p:cNvSpPr>
+            <a:spLocks noGrp="1"/>
+          </p:cNvSpPr>
+          <p:nvPr>
+            <p:ph type="ftr" idx="4"/>
+          </p:nvPr>
+        </p:nvSpPr>
+        <p:spPr>
+          <a:xfrm>
+            <a:off x="4038480" y="6356520"/>
+            <a:ext cx="4113360" cy="363600"/>
+          </a:xfrm>
+          <a:prstGeom prst="rect">
+            <a:avLst/>
+          </a:prstGeom>
+          <a:noFill/>
+          <a:ln w="0">
+            <a:noFill/>
+          </a:ln>
+        </p:spPr>
+        <p:txBody>
+          <a:bodyPr lIns="90000" rIns="90000" tIns="45000" bIns="45000" anchor="ctr">
+            <a:noAutofit/>
+          </a:bodyPr>
+          <a:lstStyle>
+            <a:lvl1pPr indent="0" algn="ctr">
+              <a:lnSpc>
+                <a:spcPct val="100000"/>
+              </a:lnSpc>
+              <a:buNone/>
+              <a:tabLst>
+                <a:tab algn="l" pos="0"/>
+              </a:tabLst>
+              <a:defRPr b="0" lang="ru-RU" sz="1400" spc="-1" strike="noStrike">
+                <a:solidFill>
+                  <a:srgbClr val="000000"/>
+                </a:solidFill>
+                <a:latin typeface="Times New Roman"/>
+              </a:defRPr>
+            </a:lvl1pPr>
+          </a:lstStyle>
+          <a:p>
+            <a:pPr indent="0" algn="ctr">
+              <a:lnSpc>
+                <a:spcPct val="100000"/>
+              </a:lnSpc>
+              <a:buNone/>
+              <a:tabLst>
+                <a:tab algn="l" pos="0"/>
+              </a:tabLst>
+            </a:pPr>
+            <a:r>
+              <a:rPr b="0" lang="ru-RU" sz="1400" spc="-1" strike="noStrike">
+                <a:solidFill>
+                  <a:srgbClr val="000000"/>
+                </a:solidFill>
+                <a:latin typeface="Times New Roman"/>
+              </a:rPr>
+              <a:t>&lt;нижний колонтитул&gt;</a:t>
+            </a:r>
+            <a:endParaRPr b="0" lang="ru-RU" sz="1400" spc="-1" strike="noStrike">
+              <a:solidFill>
+                <a:srgbClr val="000000"/>
+              </a:solidFill>
+              <a:latin typeface="Times New Roman"/>
+            </a:endParaRPr>
+          </a:p>
+        </p:txBody>
+      </p:sp>
+      <p:sp>
+        <p:nvSpPr>
+          <p:cNvPr id="45" name="PlaceHolder 5"/>
+          <p:cNvSpPr>
+            <a:spLocks noGrp="1"/>
+          </p:cNvSpPr>
+          <p:nvPr>
+            <p:ph type="sldNum" idx="5"/>
+          </p:nvPr>
+        </p:nvSpPr>
+        <p:spPr>
+          <a:xfrm>
+            <a:off x="8610480" y="6356520"/>
+            <a:ext cx="2741760" cy="363600"/>
+          </a:xfrm>
+          <a:prstGeom prst="rect">
+            <a:avLst/>
+          </a:prstGeom>
+          <a:noFill/>
+          <a:ln w="0">
+            <a:noFill/>
+          </a:ln>
+        </p:spPr>
+        <p:txBody>
+          <a:bodyPr lIns="90000" rIns="90000" tIns="45000" bIns="45000" anchor="ctr">
+            <a:noAutofit/>
+          </a:bodyPr>
+          <a:lstStyle>
+            <a:lvl1pPr indent="0" algn="r">
+              <a:lnSpc>
+                <a:spcPct val="100000"/>
+              </a:lnSpc>
+              <a:buNone/>
+              <a:tabLst>
+                <a:tab algn="l" pos="0"/>
+              </a:tabLst>
+              <a:defRPr b="0" lang="en-US" sz="1200" spc="-1" strike="noStrike">
+                <a:solidFill>
+                  <a:srgbClr val="8b8b8b"/>
+                </a:solidFill>
+                <a:latin typeface="Calibri"/>
+              </a:defRPr>
+            </a:lvl1pPr>
+          </a:lstStyle>
+          <a:p>
+            <a:pPr indent="0" algn="r">
+              <a:lnSpc>
+                <a:spcPct val="100000"/>
+              </a:lnSpc>
+              <a:buNone/>
+              <a:tabLst>
+                <a:tab algn="l" pos="0"/>
+              </a:tabLst>
+            </a:pPr>
+            <a:fld id="{06F68EC9-A604-4A69-A360-4131C6512453}" type="slidenum">
+              <a:rPr b="0" lang="en-US" sz="1200" spc="-1" strike="noStrike">
+                <a:solidFill>
+                  <a:srgbClr val="8b8b8b"/>
+                </a:solidFill>
+                <a:latin typeface="Calibri"/>
+              </a:rPr>
+              <a:t>&lt;номер&gt;</a:t>
+            </a:fld>
+            <a:endParaRPr b="0" lang="ru-RU" sz="1200" spc="-1" strike="noStrike">
+              <a:solidFill>
+                <a:srgbClr val="000000"/>
+              </a:solidFill>
+              <a:latin typeface="Times New Roman"/>
+            </a:endParaRPr>
+          </a:p>
+        </p:txBody>
+      </p:sp>
+      <p:sp>
+        <p:nvSpPr>
+          <p:cNvPr id="46" name="PlaceHolder 6"/>
+          <p:cNvSpPr>
+            <a:spLocks noGrp="1"/>
+          </p:cNvSpPr>
+          <p:nvPr>
+            <p:ph type="dt" idx="6"/>
+          </p:nvPr>
+        </p:nvSpPr>
+        <p:spPr>
+          <a:xfrm>
+            <a:off x="838080" y="6356520"/>
+            <a:ext cx="2741760" cy="363600"/>
+          </a:xfrm>
+          <a:prstGeom prst="rect">
+            <a:avLst/>
+          </a:prstGeom>
+          <a:noFill/>
+          <a:ln w="0">
+            <a:noFill/>
+          </a:ln>
+        </p:spPr>
+        <p:txBody>
+          <a:bodyPr lIns="90000" rIns="90000" tIns="45000" bIns="45000" anchor="ctr">
+            <a:noAutofit/>
+          </a:bodyPr>
+          <a:lstStyle>
+            <a:lvl1pPr indent="0">
+              <a:buNone/>
+              <a:defRPr b="0" lang="ru-RU" sz="1400" spc="-1" strike="noStrike">
+                <a:solidFill>
+                  <a:srgbClr val="000000"/>
+                </a:solidFill>
+                <a:latin typeface="Times New Roman"/>
+              </a:defRPr>
+            </a:lvl1pPr>
+          </a:lstStyle>
+          <a:p>
+            <a:pPr indent="0">
+              <a:buNone/>
+            </a:pPr>
+            <a:r>
+              <a:rPr b="0" lang="ru-RU" sz="1400" spc="-1" strike="noStrike">
+                <a:solidFill>
+                  <a:srgbClr val="000000"/>
+                </a:solidFill>
+                <a:latin typeface="Times New Roman"/>
+              </a:rPr>
+              <a:t>&lt;дата/время&gt;</a:t>
+            </a:r>
+            <a:endParaRPr b="0" lang="ru-RU" sz="1400" spc="-1" strike="noStrike">
+              <a:solidFill>
+                <a:srgbClr val="000000"/>
+              </a:solidFill>
+              <a:latin typeface="Times New Roman"/>
+            </a:endParaRPr>
+          </a:p>
+        </p:txBody>
+      </p:sp>
+    </p:spTree>
+  </p:cSld>
+  <p:clrMap bg1="lt1" bg2="lt2" tx1="dk1" tx2="dk2" accent1="accent1" accent2="accent2" accent3="accent3" accent4="accent4" accent5="accent5" accent6="accent6" hlink="hlink" folHlink="folHlink"/>
+  <p:sldLayoutIdLst>
+    <p:sldLayoutId id="2147483662" r:id="rId2"/>
+    <p:sldLayoutId id="2147483663" r:id="rId3"/>
+    <p:sldLayoutId id="2147483664" r:id="rId4"/>
+    <p:sldLayoutId id="2147483665" r:id="rId5"/>
+    <p:sldLayoutId id="2147483666" r:id="rId6"/>
+    <p:sldLayoutId id="2147483667" r:id="rId7"/>
+    <p:sldLayoutId id="2147483668" r:id="rId8"/>
+    <p:sldLayoutId id="2147483669" r:id="rId9"/>
+    <p:sldLayoutId id="2147483670" r:id="rId10"/>
+    <p:sldLayoutId id="2147483671" r:id="rId11"/>
+    <p:sldLayoutId id="2147483672" r:id="rId12"/>
+    <p:sldLayoutId id="2147483673" r:id="rId13"/>
+  </p:sldLayoutIdLst>
+</p:sldMaster>
+</file>
+
+<file path=ppt/slides/slide1.xml><?xml version="1.0" encoding="utf-8"?>
+<p:sld xmlns:a="http://schemas.openxmlformats.org/drawingml/2006/main" xmlns:p="http://schemas.openxmlformats.org/presentationml/2006/main" xmlns:r="http://schemas.openxmlformats.org/officeDocument/2006/relationships" xmlns:p14="http://schemas.microsoft.com/office/powerpoint/2010/main" xmlns:p15="http://schemas.microsoft.com/office/powerpoint/2012/main" xmlns:mc="http://schemas.openxmlformats.org/markup-compatibility/2006">
+  <p:cSld>
+    <p:bg>
+      <p:bgPr>
+        <a:blipFill rotWithShape="0">
+          <a:blip r:embed="rId1"/>
+          <a:stretch/>
+        </a:blipFill>
+      </p:bgPr>
+    </p:bg>
+    <p:spTree>
+      <p:nvGrpSpPr>
+        <p:cNvPr id="1" name=""/>
+        <p:cNvGrpSpPr/>
+        <p:nvPr/>
+      </p:nvGrpSpPr>
+      <p:grpSpPr>
+        <a:xfrm>
+          <a:off x="0" y="0"/>
+          <a:ext cx="0" cy="0"/>
+          <a:chOff x="0" y="0"/>
+          <a:chExt cx="0" cy="0"/>
+        </a:xfrm>
+      </p:grpSpPr>
+      <p:sp>
+        <p:nvSpPr>
+          <p:cNvPr id="83" name="PlaceHolder 1"/>
+          <p:cNvSpPr>
+            <a:spLocks noGrp="1"/>
+          </p:cNvSpPr>
+          <p:nvPr>
+            <p:ph type="title"/>
+          </p:nvPr>
+        </p:nvSpPr>
+        <p:spPr>
+          <a:xfrm>
+            <a:off x="1523880" y="1122480"/>
+            <a:ext cx="9142560" cy="2386080"/>
           </a:xfrm>
           <a:prstGeom prst="rect">
             <a:avLst/>
@@ -3216,18 +6355,350 @@
             <a:noAutofit/>
           </a:bodyPr>
           <a:p>
-            <a:pPr indent="0" algn="ctr">
-              <a:buNone/>
-            </a:pPr>
-            <a:endParaRPr b="0" lang="ru-RU" sz="3200" spc="-1" strike="noStrike">
-              <a:solidFill>
-                <a:srgbClr val="000000"/>
-              </a:solidFill>
-              <a:latin typeface="Arial"/>
-            </a:endParaRPr>
-          </a:p>
-        </p:txBody>
-      </p:sp>
+            <a:pPr indent="0">
+              <a:lnSpc>
+                <a:spcPct val="100000"/>
+              </a:lnSpc>
+              <a:buNone/>
+              <a:tabLst>
+                <a:tab algn="l" pos="0"/>
+              </a:tabLst>
+            </a:pPr>
+            <a:r>
+              <a:rPr b="0" lang="ru-RU" sz="2000" spc="-1" strike="noStrike">
+                <a:solidFill>
+                  <a:srgbClr val="ffffff"/>
+                </a:solidFill>
+                <a:latin typeface="Cascadia Mono SemiBold"/>
+              </a:rPr>
+              <a:t>Android игра</a:t>
+            </a:r>
+            <a:br>
+              <a:rPr sz="6000"/>
+            </a:br>
+            <a:r>
+              <a:rPr b="1" lang="ru-RU" sz="6000" spc="-1" strike="noStrike">
+                <a:solidFill>
+                  <a:srgbClr val="ffffff"/>
+                </a:solidFill>
+                <a:latin typeface="Cascadia Mono SemiBold"/>
+              </a:rPr>
+              <a:t>GreedCity</a:t>
+            </a:r>
+            <a:endParaRPr b="0" lang="ru-RU" sz="6000" spc="-1" strike="noStrike">
+              <a:solidFill>
+                <a:srgbClr val="ffffff"/>
+              </a:solidFill>
+              <a:latin typeface="Arial"/>
+            </a:endParaRPr>
+          </a:p>
+        </p:txBody>
+      </p:sp>
+      <p:sp>
+        <p:nvSpPr>
+          <p:cNvPr id="84" name="PlaceHolder 2"/>
+          <p:cNvSpPr>
+            <a:spLocks noGrp="1"/>
+          </p:cNvSpPr>
+          <p:nvPr>
+            <p:ph type="subTitle"/>
+          </p:nvPr>
+        </p:nvSpPr>
+        <p:spPr>
+          <a:xfrm>
+            <a:off x="609480" y="2072520"/>
+            <a:ext cx="10971360" cy="3976200"/>
+          </a:xfrm>
+          <a:prstGeom prst="rect">
+            <a:avLst/>
+          </a:prstGeom>
+          <a:noFill/>
+          <a:ln w="0">
+            <a:noFill/>
+          </a:ln>
+        </p:spPr>
+        <p:txBody>
+          <a:bodyPr lIns="0" rIns="0" tIns="0" bIns="0" anchor="b">
+            <a:noAutofit/>
+          </a:bodyPr>
+          <a:p>
+            <a:pPr indent="0">
+              <a:lnSpc>
+                <a:spcPct val="100000"/>
+              </a:lnSpc>
+              <a:buNone/>
+              <a:tabLst>
+                <a:tab algn="l" pos="0"/>
+              </a:tabLst>
+            </a:pPr>
+            <a:r>
+              <a:rPr b="1" lang="ru-RU" sz="1800" spc="-1" strike="noStrike">
+                <a:solidFill>
+                  <a:srgbClr val="a5eeda"/>
+                </a:solidFill>
+                <a:latin typeface="Cascadia Mono SemiBold"/>
+              </a:rPr>
+              <a:t>Выполнил: </a:t>
+            </a:r>
+            <a:endParaRPr b="0" lang="ru-RU" sz="1800" spc="-1" strike="noStrike">
+              <a:solidFill>
+                <a:srgbClr val="ffffff"/>
+              </a:solidFill>
+              <a:latin typeface="Arial"/>
+            </a:endParaRPr>
+          </a:p>
+          <a:p>
+            <a:pPr indent="0">
+              <a:lnSpc>
+                <a:spcPct val="100000"/>
+              </a:lnSpc>
+              <a:buNone/>
+              <a:tabLst>
+                <a:tab algn="l" pos="0"/>
+              </a:tabLst>
+            </a:pPr>
+            <a:r>
+              <a:rPr b="0" lang="ru-RU" sz="1800" spc="-1" strike="noStrike">
+                <a:solidFill>
+                  <a:srgbClr val="a5eeda"/>
+                </a:solidFill>
+                <a:latin typeface="Cascadia Mono SemiBold"/>
+              </a:rPr>
+              <a:t>Иванов Михаил</a:t>
+            </a:r>
+            <a:endParaRPr b="0" lang="ru-RU" sz="1800" spc="-1" strike="noStrike">
+              <a:solidFill>
+                <a:srgbClr val="ffffff"/>
+              </a:solidFill>
+              <a:latin typeface="Arial"/>
+            </a:endParaRPr>
+          </a:p>
+          <a:p>
+            <a:pPr indent="0">
+              <a:lnSpc>
+                <a:spcPct val="100000"/>
+              </a:lnSpc>
+              <a:buNone/>
+              <a:tabLst>
+                <a:tab algn="l" pos="0"/>
+              </a:tabLst>
+            </a:pPr>
+            <a:endParaRPr b="0" lang="ru-RU" sz="1800" spc="-1" strike="noStrike">
+              <a:solidFill>
+                <a:srgbClr val="ffffff"/>
+              </a:solidFill>
+              <a:latin typeface="Arial"/>
+            </a:endParaRPr>
+          </a:p>
+          <a:p>
+            <a:pPr indent="0">
+              <a:lnSpc>
+                <a:spcPct val="100000"/>
+              </a:lnSpc>
+              <a:buNone/>
+              <a:tabLst>
+                <a:tab algn="l" pos="0"/>
+              </a:tabLst>
+            </a:pPr>
+            <a:r>
+              <a:rPr b="1" lang="ru-RU" sz="1800" spc="-1" strike="noStrike">
+                <a:solidFill>
+                  <a:srgbClr val="a5eeda"/>
+                </a:solidFill>
+                <a:latin typeface="Cascadia Mono SemiBold"/>
+              </a:rPr>
+              <a:t>   </a:t>
+            </a:r>
+            <a:r>
+              <a:rPr b="1" lang="ru-RU" sz="1800" spc="-1" strike="noStrike">
+                <a:solidFill>
+                  <a:srgbClr val="a5eeda"/>
+                </a:solidFill>
+                <a:latin typeface="Cascadia Mono SemiBold"/>
+              </a:rPr>
+              <a:t>Учитель: </a:t>
+            </a:r>
+            <a:endParaRPr b="0" lang="ru-RU" sz="1800" spc="-1" strike="noStrike">
+              <a:solidFill>
+                <a:srgbClr val="ffffff"/>
+              </a:solidFill>
+              <a:latin typeface="Arial"/>
+            </a:endParaRPr>
+          </a:p>
+          <a:p>
+            <a:pPr indent="0">
+              <a:lnSpc>
+                <a:spcPct val="100000"/>
+              </a:lnSpc>
+              <a:buNone/>
+              <a:tabLst>
+                <a:tab algn="l" pos="0"/>
+              </a:tabLst>
+            </a:pPr>
+            <a:r>
+              <a:rPr b="0" lang="ru-RU" sz="1800" spc="-1" strike="noStrike">
+                <a:solidFill>
+                  <a:srgbClr val="a5eeda"/>
+                </a:solidFill>
+                <a:latin typeface="Cascadia Mono SemiBold"/>
+              </a:rPr>
+              <a:t>   </a:t>
+            </a:r>
+            <a:r>
+              <a:rPr b="0" lang="ru-RU" sz="1800" spc="-1" strike="noStrike">
+                <a:solidFill>
+                  <a:srgbClr val="a5eeda"/>
+                </a:solidFill>
+                <a:latin typeface="Cascadia Mono SemiBold"/>
+              </a:rPr>
+              <a:t>Шперлинг Владимир</a:t>
+            </a:r>
+            <a:endParaRPr b="0" lang="ru-RU" sz="1800" spc="-1" strike="noStrike">
+              <a:solidFill>
+                <a:srgbClr val="ffffff"/>
+              </a:solidFill>
+              <a:latin typeface="Arial"/>
+            </a:endParaRPr>
+          </a:p>
+          <a:p>
+            <a:pPr indent="0">
+              <a:lnSpc>
+                <a:spcPct val="100000"/>
+              </a:lnSpc>
+              <a:buNone/>
+              <a:tabLst>
+                <a:tab algn="l" pos="0"/>
+              </a:tabLst>
+            </a:pPr>
+            <a:endParaRPr b="0" lang="ru-RU" sz="1800" spc="-1" strike="noStrike">
+              <a:solidFill>
+                <a:srgbClr val="ffffff"/>
+              </a:solidFill>
+              <a:latin typeface="Arial"/>
+            </a:endParaRPr>
+          </a:p>
+          <a:p>
+            <a:pPr indent="0">
+              <a:lnSpc>
+                <a:spcPct val="100000"/>
+              </a:lnSpc>
+              <a:buNone/>
+              <a:tabLst>
+                <a:tab algn="l" pos="0"/>
+              </a:tabLst>
+            </a:pPr>
+            <a:r>
+              <a:rPr b="0" lang="ru-RU" sz="1800" spc="-1" strike="noStrike">
+                <a:solidFill>
+                  <a:srgbClr val="a5eeda"/>
+                </a:solidFill>
+                <a:latin typeface="Cascadia Mono SemiBold"/>
+              </a:rPr>
+              <a:t>      </a:t>
+            </a:r>
+            <a:r>
+              <a:rPr b="0" lang="ru-RU" sz="1800" spc="-1" strike="noStrike">
+                <a:solidFill>
+                  <a:srgbClr val="a5eeda"/>
+                </a:solidFill>
+                <a:latin typeface="Cascadia Mono SemiBold"/>
+              </a:rPr>
+              <a:t>Площадка:</a:t>
+            </a:r>
+            <a:endParaRPr b="0" lang="ru-RU" sz="1800" spc="-1" strike="noStrike">
+              <a:solidFill>
+                <a:srgbClr val="ffffff"/>
+              </a:solidFill>
+              <a:latin typeface="Arial"/>
+            </a:endParaRPr>
+          </a:p>
+          <a:p>
+            <a:pPr indent="0">
+              <a:lnSpc>
+                <a:spcPct val="100000"/>
+              </a:lnSpc>
+              <a:buNone/>
+              <a:tabLst>
+                <a:tab algn="l" pos="0"/>
+              </a:tabLst>
+            </a:pPr>
+            <a:r>
+              <a:rPr b="0" lang="ru-RU" sz="1800" spc="-1" strike="noStrike">
+                <a:solidFill>
+                  <a:srgbClr val="a5eeda"/>
+                </a:solidFill>
+                <a:latin typeface="Cascadia Mono SemiBold"/>
+              </a:rPr>
+              <a:t>      </a:t>
+            </a:r>
+            <a:r>
+              <a:rPr b="0" lang="ru-RU" sz="1800" spc="-1" strike="noStrike">
+                <a:solidFill>
+                  <a:srgbClr val="a5eeda"/>
+                </a:solidFill>
+                <a:latin typeface="Cascadia Mono SemiBold"/>
+              </a:rPr>
+              <a:t>Новосибирск, Инженерный лицей НГТУ</a:t>
+            </a:r>
+            <a:endParaRPr b="0" lang="ru-RU" sz="1800" spc="-1" strike="noStrike">
+              <a:solidFill>
+                <a:srgbClr val="ffffff"/>
+              </a:solidFill>
+              <a:latin typeface="Arial"/>
+            </a:endParaRPr>
+          </a:p>
+        </p:txBody>
+      </p:sp>
+      <p:pic>
+        <p:nvPicPr>
+          <p:cNvPr id="85" name="" descr=""/>
+          <p:cNvPicPr/>
+          <p:nvPr/>
+        </p:nvPicPr>
+        <p:blipFill>
+          <a:blip r:embed="rId2">
+            <a:lum bright="70000" contrast="-70000"/>
+          </a:blip>
+          <a:stretch/>
+        </p:blipFill>
+        <p:spPr>
+          <a:xfrm>
+            <a:off x="7740000" y="2399040"/>
+            <a:ext cx="3900960" cy="3900960"/>
+          </a:xfrm>
+          <a:prstGeom prst="rect">
+            <a:avLst/>
+          </a:prstGeom>
+          <a:ln w="0">
+            <a:noFill/>
+          </a:ln>
+        </p:spPr>
+      </p:pic>
+      <p:pic>
+        <p:nvPicPr>
+          <p:cNvPr id="86" name="" descr=""/>
+          <p:cNvPicPr/>
+          <p:nvPr/>
+        </p:nvPicPr>
+        <p:blipFill>
+          <a:blip r:embed="rId3">
+            <a:lum bright="70000" contrast="-70000"/>
+          </a:blip>
+          <a:stretch/>
+        </p:blipFill>
+        <p:spPr>
+          <a:xfrm>
+            <a:off x="7740000" y="180000"/>
+            <a:ext cx="4335480" cy="1523520"/>
+          </a:xfrm>
+          <a:prstGeom prst="rect">
+            <a:avLst/>
+          </a:prstGeom>
+          <a:ln w="0">
+            <a:noFill/>
+          </a:ln>
+        </p:spPr>
+      </p:pic>
     </p:spTree>
   </p:cSld>
   <mc:AlternateContent>
@@ -3244,6 +6715,14 @@
 <file path=ppt/slides/slide2.xml><?xml version="1.0" encoding="utf-8"?>
 <p:sld xmlns:a="http://schemas.openxmlformats.org/drawingml/2006/main" xmlns:p="http://schemas.openxmlformats.org/presentationml/2006/main" xmlns:r="http://schemas.openxmlformats.org/officeDocument/2006/relationships" xmlns:p14="http://schemas.microsoft.com/office/powerpoint/2010/main" xmlns:p15="http://schemas.microsoft.com/office/powerpoint/2012/main" xmlns:mc="http://schemas.openxmlformats.org/markup-compatibility/2006">
   <p:cSld>
+    <p:bg>
+      <p:bgPr>
+        <a:blipFill rotWithShape="0">
+          <a:blip r:embed="rId1"/>
+          <a:stretch/>
+        </a:blipFill>
+      </p:bgPr>
+    </p:bg>
     <p:spTree>
       <p:nvGrpSpPr>
         <p:cNvPr id="1" name=""/>
@@ -3260,7 +6739,7 @@
       </p:grpSpPr>
       <p:sp>
         <p:nvSpPr>
-          <p:cNvPr id="43" name="PlaceHolder 1"/>
+          <p:cNvPr id="87" name="PlaceHolder 1"/>
           <p:cNvSpPr>
             <a:spLocks noGrp="1"/>
           </p:cNvSpPr>
@@ -3270,37 +6749,49 @@
         </p:nvSpPr>
         <p:spPr>
           <a:xfrm>
-            <a:off x="1523880" y="1122480"/>
-            <a:ext cx="9143640" cy="2387160"/>
-          </a:xfrm>
-          <a:prstGeom prst="rect">
-            <a:avLst/>
-          </a:prstGeom>
-          <a:noFill/>
-          <a:ln w="0">
-            <a:noFill/>
-          </a:ln>
-        </p:spPr>
-        <p:txBody>
-          <a:bodyPr lIns="0" rIns="0" tIns="0" bIns="0" anchor="ctr">
+            <a:off x="757440" y="720000"/>
+            <a:ext cx="9142560" cy="2386080"/>
+          </a:xfrm>
+          <a:prstGeom prst="rect">
+            <a:avLst/>
+          </a:prstGeom>
+          <a:noFill/>
+          <a:ln w="0">
+            <a:noFill/>
+          </a:ln>
+        </p:spPr>
+        <p:txBody>
+          <a:bodyPr lIns="0" rIns="0" tIns="0" bIns="0" anchor="t">
             <a:noAutofit/>
           </a:bodyPr>
           <a:p>
             <a:pPr indent="0">
-              <a:buNone/>
-            </a:pPr>
-            <a:endParaRPr b="0" lang="en-US" sz="1800" spc="-1" strike="noStrike">
-              <a:solidFill>
-                <a:srgbClr val="000000"/>
-              </a:solidFill>
-              <a:latin typeface="Calibri"/>
-            </a:endParaRPr>
-          </a:p>
-        </p:txBody>
-      </p:sp>
-      <p:sp>
-        <p:nvSpPr>
-          <p:cNvPr id="44" name="PlaceHolder 2"/>
+              <a:lnSpc>
+                <a:spcPct val="100000"/>
+              </a:lnSpc>
+              <a:buNone/>
+            </a:pPr>
+            <a:r>
+              <a:rPr b="0" lang="ru-RU" sz="4000" spc="-1" strike="noStrike">
+                <a:solidFill>
+                  <a:srgbClr val="ffffff"/>
+                </a:solidFill>
+                <a:latin typeface="Cascadia Mono SemiBold"/>
+              </a:rPr>
+              <a:t>Идея</a:t>
+            </a:r>
+            <a:endParaRPr b="0" lang="ru-RU" sz="4000" spc="-1" strike="noStrike">
+              <a:solidFill>
+                <a:srgbClr val="ffffff"/>
+              </a:solidFill>
+              <a:latin typeface="Arial"/>
+            </a:endParaRPr>
+          </a:p>
+        </p:txBody>
+      </p:sp>
+      <p:sp>
+        <p:nvSpPr>
+          <p:cNvPr id="88" name="PlaceHolder 2"/>
           <p:cNvSpPr>
             <a:spLocks noGrp="1"/>
           </p:cNvSpPr>
@@ -3310,8 +6801,8 @@
         </p:nvSpPr>
         <p:spPr>
           <a:xfrm>
-            <a:off x="609480" y="1604520"/>
-            <a:ext cx="5354280" cy="3977280"/>
+            <a:off x="609480" y="1980000"/>
+            <a:ext cx="5510520" cy="3600720"/>
           </a:xfrm>
           <a:prstGeom prst="rect">
             <a:avLst/>
@@ -3326,66 +6817,121 @@
             <a:normAutofit/>
           </a:bodyPr>
           <a:p>
-            <a:pPr indent="0">
-              <a:lnSpc>
-                <a:spcPct val="90000"/>
-              </a:lnSpc>
+            <a:pPr marL="432000" indent="0">
               <a:spcBef>
                 <a:spcPts val="1417"/>
               </a:spcBef>
               <a:buNone/>
             </a:pPr>
-            <a:endParaRPr b="0" lang="en-US" sz="2800" spc="-1" strike="noStrike">
-              <a:solidFill>
-                <a:srgbClr val="000000"/>
-              </a:solidFill>
-              <a:latin typeface="Calibri"/>
-            </a:endParaRPr>
-          </a:p>
-        </p:txBody>
-      </p:sp>
-      <p:sp>
-        <p:nvSpPr>
-          <p:cNvPr id="45" name="PlaceHolder 3"/>
-          <p:cNvSpPr>
-            <a:spLocks noGrp="1"/>
-          </p:cNvSpPr>
-          <p:nvPr>
-            <p:ph/>
-          </p:nvPr>
-        </p:nvSpPr>
-        <p:spPr>
-          <a:xfrm>
-            <a:off x="6231960" y="1604520"/>
-            <a:ext cx="5354280" cy="3977280"/>
-          </a:xfrm>
-          <a:prstGeom prst="rect">
-            <a:avLst/>
-          </a:prstGeom>
-          <a:noFill/>
-          <a:ln w="0">
-            <a:noFill/>
-          </a:ln>
-        </p:spPr>
-        <p:txBody>
-          <a:bodyPr lIns="0" rIns="0" tIns="0" bIns="0" anchor="t">
-            <a:normAutofit/>
-          </a:bodyPr>
-          <a:p>
-            <a:pPr indent="0">
-              <a:lnSpc>
-                <a:spcPct val="90000"/>
-              </a:lnSpc>
+            <a:r>
+              <a:rPr b="0" lang="ru-RU" sz="2000" spc="-1" strike="noStrike">
+                <a:solidFill>
+                  <a:srgbClr val="a5eeda"/>
+                </a:solidFill>
+                <a:latin typeface="Cascadia Mono SemiBold"/>
+              </a:rPr>
+              <a:t>Мне пришла идея сделать игру про управление и развитие города в стиле карточного квеста</a:t>
+            </a:r>
+            <a:endParaRPr b="0" lang="ru-RU" sz="2000" spc="-1" strike="noStrike">
+              <a:solidFill>
+                <a:srgbClr val="a5eeda"/>
+              </a:solidFill>
+              <a:latin typeface="Cascadia Mono SemiBold"/>
+            </a:endParaRPr>
+          </a:p>
+          <a:p>
+            <a:pPr marL="432000" indent="0">
               <a:spcBef>
                 <a:spcPts val="1417"/>
               </a:spcBef>
               <a:buNone/>
             </a:pPr>
-            <a:endParaRPr b="0" lang="en-US" sz="2800" spc="-1" strike="noStrike">
-              <a:solidFill>
-                <a:srgbClr val="000000"/>
-              </a:solidFill>
-              <a:latin typeface="Calibri"/>
+            <a:r>
+              <a:rPr b="0" lang="ru-RU" sz="2000" spc="-1" strike="noStrike">
+                <a:solidFill>
+                  <a:srgbClr val="a5eeda"/>
+                </a:solidFill>
+                <a:latin typeface="Cascadia Mono SemiBold"/>
+              </a:rPr>
+              <a:t>Каждый ход игроку даётся карточка с предложениями. Игрок должен выбрать одно из них. Каждое решение определенным образом влияет на развитие событий. Иногда в городе могут происходить события независящие от игрока: приезд голливудской звезды или ураган.</a:t>
+            </a:r>
+            <a:endParaRPr b="0" lang="ru-RU" sz="2000" spc="-1" strike="noStrike">
+              <a:solidFill>
+                <a:srgbClr val="a5eeda"/>
+              </a:solidFill>
+              <a:latin typeface="Cascadia Mono SemiBold"/>
+            </a:endParaRPr>
+          </a:p>
+        </p:txBody>
+      </p:sp>
+      <p:pic>
+        <p:nvPicPr>
+          <p:cNvPr id="89" name="" descr=""/>
+          <p:cNvPicPr/>
+          <p:nvPr/>
+        </p:nvPicPr>
+        <p:blipFill>
+          <a:blip r:embed="rId2">
+            <a:lum bright="70000" contrast="-70000"/>
+          </a:blip>
+          <a:stretch/>
+        </p:blipFill>
+        <p:spPr>
+          <a:xfrm>
+            <a:off x="10244520" y="5496480"/>
+            <a:ext cx="4335480" cy="1523520"/>
+          </a:xfrm>
+          <a:prstGeom prst="rect">
+            <a:avLst/>
+          </a:prstGeom>
+          <a:ln w="0">
+            <a:noFill/>
+          </a:ln>
+        </p:spPr>
+      </p:pic>
+      <p:sp>
+        <p:nvSpPr>
+          <p:cNvPr id="90" name="PlaceHolder 18"/>
+          <p:cNvSpPr txBox="1"/>
+          <p:nvPr/>
+        </p:nvSpPr>
+        <p:spPr>
+          <a:xfrm>
+            <a:off x="11160000" y="5940000"/>
+            <a:ext cx="682560" cy="720000"/>
+          </a:xfrm>
+          <a:prstGeom prst="rect">
+            <a:avLst/>
+          </a:prstGeom>
+          <a:noFill/>
+          <a:ln w="0">
+            <a:noFill/>
+          </a:ln>
+        </p:spPr>
+        <p:txBody>
+          <a:bodyPr lIns="0" rIns="0" tIns="0" bIns="0" anchor="t">
+            <a:noAutofit/>
+          </a:bodyPr>
+          <a:p>
+            <a:pPr algn="ctr">
+              <a:lnSpc>
+                <a:spcPct val="100000"/>
+              </a:lnSpc>
+            </a:pPr>
+            <a:r>
+              <a:rPr b="0" lang="ru-RU" sz="2400" spc="-1" strike="noStrike">
+                <a:solidFill>
+                  <a:srgbClr val="ffffff"/>
+                </a:solidFill>
+                <a:latin typeface="Cascadia Mono SemiBold"/>
+              </a:rPr>
+              <a:t>2</a:t>
+            </a:r>
+            <a:endParaRPr b="0" lang="ru-RU" sz="2400" spc="-1" strike="noStrike">
+              <a:solidFill>
+                <a:srgbClr val="ffffff"/>
+              </a:solidFill>
+              <a:latin typeface="Arial"/>
             </a:endParaRPr>
           </a:p>
         </p:txBody>
@@ -3406,6 +6952,14 @@
 <file path=ppt/slides/slide3.xml><?xml version="1.0" encoding="utf-8"?>
 <p:sld xmlns:a="http://schemas.openxmlformats.org/drawingml/2006/main" xmlns:p="http://schemas.openxmlformats.org/presentationml/2006/main" xmlns:r="http://schemas.openxmlformats.org/officeDocument/2006/relationships" xmlns:p14="http://schemas.microsoft.com/office/powerpoint/2010/main" xmlns:p15="http://schemas.microsoft.com/office/powerpoint/2012/main" xmlns:mc="http://schemas.openxmlformats.org/markup-compatibility/2006">
   <p:cSld>
+    <p:bg>
+      <p:bgPr>
+        <a:blipFill rotWithShape="0">
+          <a:blip r:embed="rId1"/>
+          <a:stretch/>
+        </a:blipFill>
+      </p:bgPr>
+    </p:bg>
     <p:spTree>
       <p:nvGrpSpPr>
         <p:cNvPr id="1" name=""/>
@@ -3420,60 +6974,111 @@
           <a:chExt cx="0" cy="0"/>
         </a:xfrm>
       </p:grpSpPr>
-      <p:sp>
-        <p:nvSpPr>
-          <p:cNvPr id="46" name="PlaceHolder 1"/>
-          <p:cNvSpPr>
-            <a:spLocks noGrp="1"/>
-          </p:cNvSpPr>
-          <p:nvPr>
-            <p:ph type="title"/>
-          </p:nvPr>
-        </p:nvSpPr>
-        <p:spPr>
-          <a:xfrm>
-            <a:off x="1523880" y="1122480"/>
-            <a:ext cx="9143640" cy="2387160"/>
-          </a:xfrm>
-          <a:prstGeom prst="rect">
-            <a:avLst/>
-          </a:prstGeom>
-          <a:noFill/>
-          <a:ln w="0">
-            <a:noFill/>
-          </a:ln>
-        </p:spPr>
-        <p:txBody>
-          <a:bodyPr lIns="0" rIns="0" tIns="0" bIns="0" anchor="ctr">
+      <p:pic>
+        <p:nvPicPr>
+          <p:cNvPr id="91" name="" descr=""/>
+          <p:cNvPicPr/>
+          <p:nvPr/>
+        </p:nvPicPr>
+        <p:blipFill>
+          <a:blip r:embed="rId2"/>
+          <a:stretch/>
+        </p:blipFill>
+        <p:spPr>
+          <a:xfrm>
+            <a:off x="4614840" y="232200"/>
+            <a:ext cx="3002040" cy="6423840"/>
+          </a:xfrm>
+          <a:prstGeom prst="rect">
+            <a:avLst/>
+          </a:prstGeom>
+          <a:ln w="0">
+            <a:noFill/>
+          </a:ln>
+        </p:spPr>
+      </p:pic>
+      <p:sp>
+        <p:nvSpPr>
+          <p:cNvPr id="92" name="PlaceHolder 4"/>
+          <p:cNvSpPr txBox="1"/>
+          <p:nvPr/>
+        </p:nvSpPr>
+        <p:spPr>
+          <a:xfrm>
+            <a:off x="397440" y="493920"/>
+            <a:ext cx="9142560" cy="2386080"/>
+          </a:xfrm>
+          <a:prstGeom prst="rect">
+            <a:avLst/>
+          </a:prstGeom>
+          <a:noFill/>
+          <a:ln w="0">
+            <a:noFill/>
+          </a:ln>
+        </p:spPr>
+        <p:txBody>
+          <a:bodyPr lIns="0" rIns="0" tIns="0" bIns="0" anchor="t">
             <a:noAutofit/>
           </a:bodyPr>
           <a:p>
-            <a:pPr indent="0">
-              <a:buNone/>
-            </a:pPr>
-            <a:endParaRPr b="0" lang="en-US" sz="1800" spc="-1" strike="noStrike">
-              <a:solidFill>
-                <a:srgbClr val="000000"/>
-              </a:solidFill>
-              <a:latin typeface="Calibri"/>
-            </a:endParaRPr>
-          </a:p>
-        </p:txBody>
-      </p:sp>
-      <p:sp>
-        <p:nvSpPr>
-          <p:cNvPr id="47" name="PlaceHolder 2"/>
-          <p:cNvSpPr>
-            <a:spLocks noGrp="1"/>
-          </p:cNvSpPr>
-          <p:nvPr>
-            <p:ph/>
-          </p:nvPr>
-        </p:nvSpPr>
-        <p:spPr>
-          <a:xfrm>
-            <a:off x="609480" y="1604520"/>
-            <a:ext cx="5354280" cy="3977280"/>
+            <a:pPr>
+              <a:lnSpc>
+                <a:spcPct val="100000"/>
+              </a:lnSpc>
+            </a:pPr>
+            <a:r>
+              <a:rPr b="0" lang="ru-RU" sz="4000" spc="-1" strike="noStrike">
+                <a:solidFill>
+                  <a:srgbClr val="ffffff"/>
+                </a:solidFill>
+                <a:latin typeface="Cascadia Mono SemiBold"/>
+              </a:rPr>
+              <a:t>Главное меню</a:t>
+            </a:r>
+            <a:endParaRPr b="0" lang="ru-RU" sz="4000" spc="-1" strike="noStrike">
+              <a:solidFill>
+                <a:srgbClr val="ffffff"/>
+              </a:solidFill>
+              <a:latin typeface="Arial"/>
+            </a:endParaRPr>
+          </a:p>
+        </p:txBody>
+      </p:sp>
+      <p:pic>
+        <p:nvPicPr>
+          <p:cNvPr id="93" name="" descr=""/>
+          <p:cNvPicPr/>
+          <p:nvPr/>
+        </p:nvPicPr>
+        <p:blipFill>
+          <a:blip r:embed="rId3">
+            <a:lum bright="70000" contrast="-70000"/>
+          </a:blip>
+          <a:stretch/>
+        </p:blipFill>
+        <p:spPr>
+          <a:xfrm>
+            <a:off x="10244880" y="5496480"/>
+            <a:ext cx="4335480" cy="1523520"/>
+          </a:xfrm>
+          <a:prstGeom prst="rect">
+            <a:avLst/>
+          </a:prstGeom>
+          <a:ln w="0">
+            <a:noFill/>
+          </a:ln>
+        </p:spPr>
+      </p:pic>
+      <p:sp>
+        <p:nvSpPr>
+          <p:cNvPr id="94" name="PlaceHolder 19"/>
+          <p:cNvSpPr txBox="1"/>
+          <p:nvPr/>
+        </p:nvSpPr>
+        <p:spPr>
+          <a:xfrm>
+            <a:off x="11160000" y="5940000"/>
+            <a:ext cx="682560" cy="720000"/>
           </a:xfrm>
           <a:prstGeom prst="rect">
             <a:avLst/>
@@ -3485,69 +7090,28 @@
         </p:spPr>
         <p:txBody>
           <a:bodyPr lIns="0" rIns="0" tIns="0" bIns="0" anchor="t">
-            <a:normAutofit/>
-          </a:bodyPr>
-          <a:p>
-            <a:pPr indent="0">
+            <a:noAutofit/>
+          </a:bodyPr>
+          <a:p>
+            <a:pPr algn="ctr">
               <a:lnSpc>
-                <a:spcPct val="90000"/>
+                <a:spcPct val="100000"/>
               </a:lnSpc>
-              <a:spcBef>
-                <a:spcPts val="1417"/>
-              </a:spcBef>
-              <a:buNone/>
-            </a:pPr>
-            <a:endParaRPr b="0" lang="en-US" sz="2800" spc="-1" strike="noStrike">
-              <a:solidFill>
-                <a:srgbClr val="000000"/>
-              </a:solidFill>
-              <a:latin typeface="Calibri"/>
-            </a:endParaRPr>
-          </a:p>
-        </p:txBody>
-      </p:sp>
-      <p:sp>
-        <p:nvSpPr>
-          <p:cNvPr id="48" name="PlaceHolder 3"/>
-          <p:cNvSpPr>
-            <a:spLocks noGrp="1"/>
-          </p:cNvSpPr>
-          <p:nvPr>
-            <p:ph/>
-          </p:nvPr>
-        </p:nvSpPr>
-        <p:spPr>
-          <a:xfrm>
-            <a:off x="6231960" y="1604520"/>
-            <a:ext cx="5354280" cy="3977280"/>
-          </a:xfrm>
-          <a:prstGeom prst="rect">
-            <a:avLst/>
-          </a:prstGeom>
-          <a:noFill/>
-          <a:ln w="0">
-            <a:noFill/>
-          </a:ln>
-        </p:spPr>
-        <p:txBody>
-          <a:bodyPr lIns="0" rIns="0" tIns="0" bIns="0" anchor="t">
-            <a:normAutofit/>
-          </a:bodyPr>
-          <a:p>
-            <a:pPr indent="0">
-              <a:lnSpc>
-                <a:spcPct val="90000"/>
-              </a:lnSpc>
-              <a:spcBef>
-                <a:spcPts val="1417"/>
-              </a:spcBef>
-              <a:buNone/>
-            </a:pPr>
-            <a:endParaRPr b="0" lang="en-US" sz="2800" spc="-1" strike="noStrike">
-              <a:solidFill>
-                <a:srgbClr val="000000"/>
-              </a:solidFill>
-              <a:latin typeface="Calibri"/>
+            </a:pPr>
+            <a:r>
+              <a:rPr b="0" lang="ru-RU" sz="2400" spc="-1" strike="noStrike">
+                <a:solidFill>
+                  <a:srgbClr val="ffffff"/>
+                </a:solidFill>
+                <a:latin typeface="Cascadia Mono SemiBold"/>
+              </a:rPr>
+              <a:t>3</a:t>
+            </a:r>
+            <a:endParaRPr b="0" lang="ru-RU" sz="2400" spc="-1" strike="noStrike">
+              <a:solidFill>
+                <a:srgbClr val="ffffff"/>
+              </a:solidFill>
+              <a:latin typeface="Arial"/>
             </a:endParaRPr>
           </a:p>
         </p:txBody>
@@ -3568,6 +7132,14 @@
 <file path=ppt/slides/slide4.xml><?xml version="1.0" encoding="utf-8"?>
 <p:sld xmlns:a="http://schemas.openxmlformats.org/drawingml/2006/main" xmlns:p="http://schemas.openxmlformats.org/presentationml/2006/main" xmlns:r="http://schemas.openxmlformats.org/officeDocument/2006/relationships" xmlns:p14="http://schemas.microsoft.com/office/powerpoint/2010/main" xmlns:p15="http://schemas.microsoft.com/office/powerpoint/2012/main" xmlns:mc="http://schemas.openxmlformats.org/markup-compatibility/2006">
   <p:cSld>
+    <p:bg>
+      <p:bgPr>
+        <a:blipFill rotWithShape="0">
+          <a:blip r:embed="rId1"/>
+          <a:stretch/>
+        </a:blipFill>
+      </p:bgPr>
+    </p:bg>
     <p:spTree>
       <p:nvGrpSpPr>
         <p:cNvPr id="1" name=""/>
@@ -3582,60 +7154,128 @@
           <a:chExt cx="0" cy="0"/>
         </a:xfrm>
       </p:grpSpPr>
-      <p:sp>
-        <p:nvSpPr>
-          <p:cNvPr id="49" name="PlaceHolder 1"/>
-          <p:cNvSpPr>
-            <a:spLocks noGrp="1"/>
-          </p:cNvSpPr>
-          <p:nvPr>
-            <p:ph type="title"/>
-          </p:nvPr>
-        </p:nvSpPr>
-        <p:spPr>
-          <a:xfrm>
-            <a:off x="1523880" y="1122480"/>
-            <a:ext cx="9143640" cy="2387160"/>
-          </a:xfrm>
-          <a:prstGeom prst="rect">
-            <a:avLst/>
-          </a:prstGeom>
-          <a:noFill/>
-          <a:ln w="0">
-            <a:noFill/>
-          </a:ln>
-        </p:spPr>
-        <p:txBody>
-          <a:bodyPr lIns="0" rIns="0" tIns="0" bIns="0" anchor="ctr">
+      <p:pic>
+        <p:nvPicPr>
+          <p:cNvPr id="95" name="" descr=""/>
+          <p:cNvPicPr/>
+          <p:nvPr/>
+        </p:nvPicPr>
+        <p:blipFill>
+          <a:blip r:embed="rId2"/>
+          <a:stretch/>
+        </p:blipFill>
+        <p:spPr>
+          <a:xfrm>
+            <a:off x="4622760" y="247680"/>
+            <a:ext cx="2986920" cy="6393240"/>
+          </a:xfrm>
+          <a:prstGeom prst="rect">
+            <a:avLst/>
+          </a:prstGeom>
+          <a:ln w="0">
+            <a:noFill/>
+          </a:ln>
+        </p:spPr>
+      </p:pic>
+      <p:sp>
+        <p:nvSpPr>
+          <p:cNvPr id="96" name="PlaceHolder 5"/>
+          <p:cNvSpPr txBox="1"/>
+          <p:nvPr/>
+        </p:nvSpPr>
+        <p:spPr>
+          <a:xfrm>
+            <a:off x="397440" y="493920"/>
+            <a:ext cx="9142560" cy="2386080"/>
+          </a:xfrm>
+          <a:prstGeom prst="rect">
+            <a:avLst/>
+          </a:prstGeom>
+          <a:noFill/>
+          <a:ln w="0">
+            <a:noFill/>
+          </a:ln>
+        </p:spPr>
+        <p:txBody>
+          <a:bodyPr lIns="0" rIns="0" tIns="0" bIns="0" anchor="t">
             <a:noAutofit/>
           </a:bodyPr>
           <a:p>
-            <a:pPr indent="0">
-              <a:buNone/>
-            </a:pPr>
-            <a:endParaRPr b="0" lang="en-US" sz="1800" spc="-1" strike="noStrike">
-              <a:solidFill>
-                <a:srgbClr val="000000"/>
-              </a:solidFill>
-              <a:latin typeface="Calibri"/>
-            </a:endParaRPr>
-          </a:p>
-        </p:txBody>
-      </p:sp>
-      <p:sp>
-        <p:nvSpPr>
-          <p:cNvPr id="50" name="PlaceHolder 2"/>
-          <p:cNvSpPr>
-            <a:spLocks noGrp="1"/>
-          </p:cNvSpPr>
-          <p:nvPr>
-            <p:ph/>
-          </p:nvPr>
-        </p:nvSpPr>
-        <p:spPr>
-          <a:xfrm>
-            <a:off x="609480" y="1604520"/>
-            <a:ext cx="5354280" cy="3977280"/>
+            <a:pPr>
+              <a:lnSpc>
+                <a:spcPct val="100000"/>
+              </a:lnSpc>
+            </a:pPr>
+            <a:r>
+              <a:rPr b="0" lang="ru-RU" sz="4000" spc="-1" strike="noStrike">
+                <a:solidFill>
+                  <a:srgbClr val="ffffff"/>
+                </a:solidFill>
+                <a:latin typeface="Cascadia Mono SemiBold"/>
+              </a:rPr>
+              <a:t>Игра</a:t>
+            </a:r>
+            <a:endParaRPr b="0" lang="ru-RU" sz="4000" spc="-1" strike="noStrike">
+              <a:solidFill>
+                <a:srgbClr val="ffffff"/>
+              </a:solidFill>
+              <a:latin typeface="Arial"/>
+            </a:endParaRPr>
+          </a:p>
+        </p:txBody>
+      </p:sp>
+      <p:sp>
+        <p:nvSpPr>
+          <p:cNvPr id="97" name=""/>
+          <p:cNvSpPr/>
+          <p:nvPr/>
+        </p:nvSpPr>
+        <p:spPr>
+          <a:xfrm flipH="1" flipV="1">
+            <a:off x="6840000" y="1620000"/>
+            <a:ext cx="1800000" cy="360000"/>
+          </a:xfrm>
+          <a:prstGeom prst="line">
+            <a:avLst/>
+          </a:prstGeom>
+          <a:ln w="57240">
+            <a:solidFill>
+              <a:srgbClr val="ff6d6d"/>
+            </a:solidFill>
+            <a:round/>
+            <a:tailEnd len="med" type="triangle" w="med"/>
+          </a:ln>
+        </p:spPr>
+        <p:style>
+          <a:lnRef idx="0"/>
+          <a:fillRef idx="0"/>
+          <a:effectRef idx="0"/>
+          <a:fontRef idx="minor"/>
+        </p:style>
+        <p:txBody>
+          <a:bodyPr lIns="118440" rIns="118440" tIns="73440" bIns="73440" anchor="ctr">
+            <a:noAutofit/>
+          </a:bodyPr>
+          <a:p>
+            <a:endParaRPr b="0" lang="ru-RU" sz="1800" spc="-1" strike="noStrike">
+              <a:solidFill>
+                <a:srgbClr val="ffffff"/>
+              </a:solidFill>
+              <a:latin typeface="Arial"/>
+            </a:endParaRPr>
+          </a:p>
+        </p:txBody>
+      </p:sp>
+      <p:sp>
+        <p:nvSpPr>
+          <p:cNvPr id="98" name="PlaceHolder 6"/>
+          <p:cNvSpPr txBox="1"/>
+          <p:nvPr/>
+        </p:nvSpPr>
+        <p:spPr>
+          <a:xfrm>
+            <a:off x="9180000" y="3060000"/>
+            <a:ext cx="9142560" cy="2386080"/>
           </a:xfrm>
           <a:prstGeom prst="rect">
             <a:avLst/>
@@ -3647,41 +7287,84 @@
         </p:spPr>
         <p:txBody>
           <a:bodyPr lIns="0" rIns="0" tIns="0" bIns="0" anchor="t">
-            <a:normAutofit/>
-          </a:bodyPr>
-          <a:p>
-            <a:pPr indent="0">
+            <a:noAutofit/>
+          </a:bodyPr>
+          <a:p>
+            <a:pPr>
               <a:lnSpc>
-                <a:spcPct val="90000"/>
+                <a:spcPct val="100000"/>
               </a:lnSpc>
-              <a:spcBef>
-                <a:spcPts val="1417"/>
-              </a:spcBef>
-              <a:buNone/>
-            </a:pPr>
-            <a:endParaRPr b="0" lang="en-US" sz="2800" spc="-1" strike="noStrike">
-              <a:solidFill>
-                <a:srgbClr val="000000"/>
-              </a:solidFill>
-              <a:latin typeface="Calibri"/>
-            </a:endParaRPr>
-          </a:p>
-        </p:txBody>
-      </p:sp>
-      <p:sp>
-        <p:nvSpPr>
-          <p:cNvPr id="51" name="PlaceHolder 3"/>
-          <p:cNvSpPr>
-            <a:spLocks noGrp="1"/>
-          </p:cNvSpPr>
-          <p:nvPr>
-            <p:ph/>
-          </p:nvPr>
-        </p:nvSpPr>
-        <p:spPr>
-          <a:xfrm>
-            <a:off x="6231960" y="1604520"/>
-            <a:ext cx="5354280" cy="3977280"/>
+            </a:pPr>
+            <a:r>
+              <a:rPr b="0" lang="ru-RU" sz="2400" spc="-1" strike="noStrike">
+                <a:solidFill>
+                  <a:srgbClr val="ffd7d7"/>
+                </a:solidFill>
+                <a:latin typeface="Cascadia Mono SemiBold"/>
+              </a:rPr>
+              <a:t>Вопрос</a:t>
+            </a:r>
+            <a:endParaRPr b="0" lang="ru-RU" sz="2400" spc="-1" strike="noStrike">
+              <a:solidFill>
+                <a:srgbClr val="ffd7d7"/>
+              </a:solidFill>
+              <a:latin typeface="Arial"/>
+            </a:endParaRPr>
+          </a:p>
+        </p:txBody>
+      </p:sp>
+      <p:sp>
+        <p:nvSpPr>
+          <p:cNvPr id="99" name=""/>
+          <p:cNvSpPr/>
+          <p:nvPr/>
+        </p:nvSpPr>
+        <p:spPr>
+          <a:xfrm flipH="1" flipV="1">
+            <a:off x="7200000" y="2880000"/>
+            <a:ext cx="1800000" cy="360000"/>
+          </a:xfrm>
+          <a:prstGeom prst="line">
+            <a:avLst/>
+          </a:prstGeom>
+          <a:ln w="57240">
+            <a:solidFill>
+              <a:srgbClr val="ff6d6d"/>
+            </a:solidFill>
+            <a:round/>
+            <a:tailEnd len="med" type="triangle" w="med"/>
+          </a:ln>
+        </p:spPr>
+        <p:style>
+          <a:lnRef idx="0"/>
+          <a:fillRef idx="0"/>
+          <a:effectRef idx="0"/>
+          <a:fontRef idx="minor"/>
+        </p:style>
+        <p:txBody>
+          <a:bodyPr lIns="118440" rIns="118440" tIns="73440" bIns="73440" anchor="ctr">
+            <a:noAutofit/>
+          </a:bodyPr>
+          <a:p>
+            <a:endParaRPr b="0" lang="ru-RU" sz="1800" spc="-1" strike="noStrike">
+              <a:solidFill>
+                <a:srgbClr val="ffffff"/>
+              </a:solidFill>
+              <a:latin typeface="Arial"/>
+            </a:endParaRPr>
+          </a:p>
+        </p:txBody>
+      </p:sp>
+      <p:sp>
+        <p:nvSpPr>
+          <p:cNvPr id="100" name="PlaceHolder 7"/>
+          <p:cNvSpPr txBox="1"/>
+          <p:nvPr/>
+        </p:nvSpPr>
+        <p:spPr>
+          <a:xfrm>
+            <a:off x="8820000" y="1800000"/>
+            <a:ext cx="9142560" cy="2386080"/>
           </a:xfrm>
           <a:prstGeom prst="rect">
             <a:avLst/>
@@ -3693,23 +7376,189 @@
         </p:spPr>
         <p:txBody>
           <a:bodyPr lIns="0" rIns="0" tIns="0" bIns="0" anchor="t">
-            <a:normAutofit/>
-          </a:bodyPr>
-          <a:p>
-            <a:pPr indent="0">
+            <a:noAutofit/>
+          </a:bodyPr>
+          <a:p>
+            <a:pPr>
               <a:lnSpc>
-                <a:spcPct val="90000"/>
+                <a:spcPct val="100000"/>
               </a:lnSpc>
-              <a:spcBef>
-                <a:spcPts val="1417"/>
-              </a:spcBef>
-              <a:buNone/>
-            </a:pPr>
-            <a:endParaRPr b="0" lang="en-US" sz="2800" spc="-1" strike="noStrike">
-              <a:solidFill>
-                <a:srgbClr val="000000"/>
-              </a:solidFill>
-              <a:latin typeface="Calibri"/>
+            </a:pPr>
+            <a:r>
+              <a:rPr b="0" lang="ru-RU" sz="2400" spc="-1" strike="noStrike">
+                <a:solidFill>
+                  <a:srgbClr val="ffd7d7"/>
+                </a:solidFill>
+                <a:latin typeface="Cascadia Mono SemiBold"/>
+              </a:rPr>
+              <a:t>Показатели города</a:t>
+            </a:r>
+            <a:endParaRPr b="0" lang="ru-RU" sz="2400" spc="-1" strike="noStrike">
+              <a:solidFill>
+                <a:srgbClr val="ffd7d7"/>
+              </a:solidFill>
+              <a:latin typeface="Arial"/>
+            </a:endParaRPr>
+          </a:p>
+        </p:txBody>
+      </p:sp>
+      <p:sp>
+        <p:nvSpPr>
+          <p:cNvPr id="101" name=""/>
+          <p:cNvSpPr/>
+          <p:nvPr/>
+        </p:nvSpPr>
+        <p:spPr>
+          <a:xfrm flipH="1">
+            <a:off x="7200000" y="5400000"/>
+            <a:ext cx="1800000" cy="360000"/>
+          </a:xfrm>
+          <a:prstGeom prst="line">
+            <a:avLst/>
+          </a:prstGeom>
+          <a:ln w="57240">
+            <a:solidFill>
+              <a:srgbClr val="ff6d6d"/>
+            </a:solidFill>
+            <a:round/>
+            <a:tailEnd len="med" type="triangle" w="med"/>
+          </a:ln>
+        </p:spPr>
+        <p:style>
+          <a:lnRef idx="0"/>
+          <a:fillRef idx="0"/>
+          <a:effectRef idx="0"/>
+          <a:fontRef idx="minor"/>
+        </p:style>
+        <p:txBody>
+          <a:bodyPr lIns="118440" rIns="118440" tIns="73440" bIns="73440" anchor="ctr">
+            <a:noAutofit/>
+          </a:bodyPr>
+          <a:p>
+            <a:endParaRPr b="0" lang="ru-RU" sz="1800" spc="-1" strike="noStrike">
+              <a:solidFill>
+                <a:srgbClr val="ffffff"/>
+              </a:solidFill>
+              <a:latin typeface="Arial"/>
+            </a:endParaRPr>
+          </a:p>
+        </p:txBody>
+      </p:sp>
+      <p:sp>
+        <p:nvSpPr>
+          <p:cNvPr id="102" name="PlaceHolder 8"/>
+          <p:cNvSpPr txBox="1"/>
+          <p:nvPr/>
+        </p:nvSpPr>
+        <p:spPr>
+          <a:xfrm>
+            <a:off x="9180000" y="5173920"/>
+            <a:ext cx="9142560" cy="2386080"/>
+          </a:xfrm>
+          <a:prstGeom prst="rect">
+            <a:avLst/>
+          </a:prstGeom>
+          <a:noFill/>
+          <a:ln w="0">
+            <a:noFill/>
+          </a:ln>
+        </p:spPr>
+        <p:txBody>
+          <a:bodyPr lIns="0" rIns="0" tIns="0" bIns="0" anchor="t">
+            <a:noAutofit/>
+          </a:bodyPr>
+          <a:p>
+            <a:pPr>
+              <a:lnSpc>
+                <a:spcPct val="100000"/>
+              </a:lnSpc>
+            </a:pPr>
+            <a:r>
+              <a:rPr b="0" lang="ru-RU" sz="2400" spc="-1" strike="noStrike">
+                <a:solidFill>
+                  <a:srgbClr val="ffd7d7"/>
+                </a:solidFill>
+                <a:latin typeface="Cascadia Mono SemiBold"/>
+              </a:rPr>
+              <a:t>Варианты ответов</a:t>
+            </a:r>
+            <a:endParaRPr b="0" lang="ru-RU" sz="2400" spc="-1" strike="noStrike">
+              <a:solidFill>
+                <a:srgbClr val="ffd7d7"/>
+              </a:solidFill>
+              <a:latin typeface="Arial"/>
+            </a:endParaRPr>
+          </a:p>
+        </p:txBody>
+      </p:sp>
+      <p:pic>
+        <p:nvPicPr>
+          <p:cNvPr id="103" name="" descr=""/>
+          <p:cNvPicPr/>
+          <p:nvPr/>
+        </p:nvPicPr>
+        <p:blipFill>
+          <a:blip r:embed="rId3">
+            <a:lum bright="70000" contrast="-70000"/>
+          </a:blip>
+          <a:stretch/>
+        </p:blipFill>
+        <p:spPr>
+          <a:xfrm>
+            <a:off x="10244880" y="5496480"/>
+            <a:ext cx="4335480" cy="1523520"/>
+          </a:xfrm>
+          <a:prstGeom prst="rect">
+            <a:avLst/>
+          </a:prstGeom>
+          <a:ln w="0">
+            <a:noFill/>
+          </a:ln>
+        </p:spPr>
+      </p:pic>
+      <p:sp>
+        <p:nvSpPr>
+          <p:cNvPr id="104" name="PlaceHolder 20"/>
+          <p:cNvSpPr txBox="1"/>
+          <p:nvPr/>
+        </p:nvSpPr>
+        <p:spPr>
+          <a:xfrm>
+            <a:off x="11160000" y="5940000"/>
+            <a:ext cx="682560" cy="720000"/>
+          </a:xfrm>
+          <a:prstGeom prst="rect">
+            <a:avLst/>
+          </a:prstGeom>
+          <a:noFill/>
+          <a:ln w="0">
+            <a:noFill/>
+          </a:ln>
+        </p:spPr>
+        <p:txBody>
+          <a:bodyPr lIns="0" rIns="0" tIns="0" bIns="0" anchor="t">
+            <a:noAutofit/>
+          </a:bodyPr>
+          <a:p>
+            <a:pPr algn="ctr">
+              <a:lnSpc>
+                <a:spcPct val="100000"/>
+              </a:lnSpc>
+            </a:pPr>
+            <a:r>
+              <a:rPr b="0" lang="ru-RU" sz="2400" spc="-1" strike="noStrike">
+                <a:solidFill>
+                  <a:srgbClr val="ffffff"/>
+                </a:solidFill>
+                <a:latin typeface="Cascadia Mono SemiBold"/>
+              </a:rPr>
+              <a:t>4</a:t>
+            </a:r>
+            <a:endParaRPr b="0" lang="ru-RU" sz="2400" spc="-1" strike="noStrike">
+              <a:solidFill>
+                <a:srgbClr val="ffffff"/>
+              </a:solidFill>
+              <a:latin typeface="Arial"/>
             </a:endParaRPr>
           </a:p>
         </p:txBody>
@@ -3730,6 +7579,14 @@
 <file path=ppt/slides/slide5.xml><?xml version="1.0" encoding="utf-8"?>
 <p:sld xmlns:a="http://schemas.openxmlformats.org/drawingml/2006/main" xmlns:p="http://schemas.openxmlformats.org/presentationml/2006/main" xmlns:r="http://schemas.openxmlformats.org/officeDocument/2006/relationships" xmlns:p14="http://schemas.microsoft.com/office/powerpoint/2010/main" xmlns:p15="http://schemas.microsoft.com/office/powerpoint/2012/main" xmlns:mc="http://schemas.openxmlformats.org/markup-compatibility/2006">
   <p:cSld>
+    <p:bg>
+      <p:bgPr>
+        <a:blipFill rotWithShape="0">
+          <a:blip r:embed="rId1"/>
+          <a:stretch/>
+        </a:blipFill>
+      </p:bgPr>
+    </p:bg>
     <p:spTree>
       <p:nvGrpSpPr>
         <p:cNvPr id="1" name=""/>
@@ -3744,60 +7601,111 @@
           <a:chExt cx="0" cy="0"/>
         </a:xfrm>
       </p:grpSpPr>
-      <p:sp>
-        <p:nvSpPr>
-          <p:cNvPr id="52" name="PlaceHolder 1"/>
-          <p:cNvSpPr>
-            <a:spLocks noGrp="1"/>
-          </p:cNvSpPr>
-          <p:nvPr>
-            <p:ph type="title"/>
-          </p:nvPr>
-        </p:nvSpPr>
-        <p:spPr>
-          <a:xfrm>
-            <a:off x="1523880" y="1122480"/>
-            <a:ext cx="9143640" cy="2387160"/>
-          </a:xfrm>
-          <a:prstGeom prst="rect">
-            <a:avLst/>
-          </a:prstGeom>
-          <a:noFill/>
-          <a:ln w="0">
-            <a:noFill/>
-          </a:ln>
-        </p:spPr>
-        <p:txBody>
-          <a:bodyPr lIns="0" rIns="0" tIns="0" bIns="0" anchor="ctr">
+      <p:pic>
+        <p:nvPicPr>
+          <p:cNvPr id="105" name="" descr=""/>
+          <p:cNvPicPr/>
+          <p:nvPr/>
+        </p:nvPicPr>
+        <p:blipFill>
+          <a:blip r:embed="rId2"/>
+          <a:stretch/>
+        </p:blipFill>
+        <p:spPr>
+          <a:xfrm>
+            <a:off x="4645440" y="239760"/>
+            <a:ext cx="2941200" cy="6408360"/>
+          </a:xfrm>
+          <a:prstGeom prst="rect">
+            <a:avLst/>
+          </a:prstGeom>
+          <a:ln w="0">
+            <a:noFill/>
+          </a:ln>
+        </p:spPr>
+      </p:pic>
+      <p:sp>
+        <p:nvSpPr>
+          <p:cNvPr id="106" name="PlaceHolder 9"/>
+          <p:cNvSpPr txBox="1"/>
+          <p:nvPr/>
+        </p:nvSpPr>
+        <p:spPr>
+          <a:xfrm>
+            <a:off x="397440" y="493920"/>
+            <a:ext cx="9142560" cy="2386080"/>
+          </a:xfrm>
+          <a:prstGeom prst="rect">
+            <a:avLst/>
+          </a:prstGeom>
+          <a:noFill/>
+          <a:ln w="0">
+            <a:noFill/>
+          </a:ln>
+        </p:spPr>
+        <p:txBody>
+          <a:bodyPr lIns="0" rIns="0" tIns="0" bIns="0" anchor="t">
             <a:noAutofit/>
           </a:bodyPr>
           <a:p>
-            <a:pPr indent="0">
-              <a:buNone/>
-            </a:pPr>
-            <a:endParaRPr b="0" lang="en-US" sz="1800" spc="-1" strike="noStrike">
-              <a:solidFill>
-                <a:srgbClr val="000000"/>
-              </a:solidFill>
-              <a:latin typeface="Calibri"/>
-            </a:endParaRPr>
-          </a:p>
-        </p:txBody>
-      </p:sp>
-      <p:sp>
-        <p:nvSpPr>
-          <p:cNvPr id="53" name="PlaceHolder 2"/>
-          <p:cNvSpPr>
-            <a:spLocks noGrp="1"/>
-          </p:cNvSpPr>
-          <p:nvPr>
-            <p:ph/>
-          </p:nvPr>
-        </p:nvSpPr>
-        <p:spPr>
-          <a:xfrm>
-            <a:off x="609480" y="1604520"/>
-            <a:ext cx="5354280" cy="3977280"/>
+            <a:pPr>
+              <a:lnSpc>
+                <a:spcPct val="100000"/>
+              </a:lnSpc>
+            </a:pPr>
+            <a:r>
+              <a:rPr b="0" lang="ru-RU" sz="4000" spc="-1" strike="noStrike">
+                <a:solidFill>
+                  <a:srgbClr val="ffffff"/>
+                </a:solidFill>
+                <a:latin typeface="Cascadia Mono SemiBold"/>
+              </a:rPr>
+              <a:t>Конец игры</a:t>
+            </a:r>
+            <a:endParaRPr b="0" lang="ru-RU" sz="4000" spc="-1" strike="noStrike">
+              <a:solidFill>
+                <a:srgbClr val="ffffff"/>
+              </a:solidFill>
+              <a:latin typeface="Arial"/>
+            </a:endParaRPr>
+          </a:p>
+        </p:txBody>
+      </p:sp>
+      <p:pic>
+        <p:nvPicPr>
+          <p:cNvPr id="107" name="" descr=""/>
+          <p:cNvPicPr/>
+          <p:nvPr/>
+        </p:nvPicPr>
+        <p:blipFill>
+          <a:blip r:embed="rId3">
+            <a:lum bright="70000" contrast="-70000"/>
+          </a:blip>
+          <a:stretch/>
+        </p:blipFill>
+        <p:spPr>
+          <a:xfrm>
+            <a:off x="10244880" y="5496480"/>
+            <a:ext cx="4335480" cy="1523520"/>
+          </a:xfrm>
+          <a:prstGeom prst="rect">
+            <a:avLst/>
+          </a:prstGeom>
+          <a:ln w="0">
+            <a:noFill/>
+          </a:ln>
+        </p:spPr>
+      </p:pic>
+      <p:sp>
+        <p:nvSpPr>
+          <p:cNvPr id="108" name="PlaceHolder 21"/>
+          <p:cNvSpPr txBox="1"/>
+          <p:nvPr/>
+        </p:nvSpPr>
+        <p:spPr>
+          <a:xfrm>
+            <a:off x="11160000" y="5940000"/>
+            <a:ext cx="682560" cy="720000"/>
           </a:xfrm>
           <a:prstGeom prst="rect">
             <a:avLst/>
@@ -3809,69 +7717,28 @@
         </p:spPr>
         <p:txBody>
           <a:bodyPr lIns="0" rIns="0" tIns="0" bIns="0" anchor="t">
-            <a:normAutofit/>
-          </a:bodyPr>
-          <a:p>
-            <a:pPr indent="0">
+            <a:noAutofit/>
+          </a:bodyPr>
+          <a:p>
+            <a:pPr algn="ctr">
               <a:lnSpc>
-                <a:spcPct val="90000"/>
+                <a:spcPct val="100000"/>
               </a:lnSpc>
-              <a:spcBef>
-                <a:spcPts val="1417"/>
-              </a:spcBef>
-              <a:buNone/>
-            </a:pPr>
-            <a:endParaRPr b="0" lang="en-US" sz="2800" spc="-1" strike="noStrike">
-              <a:solidFill>
-                <a:srgbClr val="000000"/>
-              </a:solidFill>
-              <a:latin typeface="Calibri"/>
-            </a:endParaRPr>
-          </a:p>
-        </p:txBody>
-      </p:sp>
-      <p:sp>
-        <p:nvSpPr>
-          <p:cNvPr id="54" name="PlaceHolder 3"/>
-          <p:cNvSpPr>
-            <a:spLocks noGrp="1"/>
-          </p:cNvSpPr>
-          <p:nvPr>
-            <p:ph/>
-          </p:nvPr>
-        </p:nvSpPr>
-        <p:spPr>
-          <a:xfrm>
-            <a:off x="6231960" y="1604520"/>
-            <a:ext cx="5354280" cy="3977280"/>
-          </a:xfrm>
-          <a:prstGeom prst="rect">
-            <a:avLst/>
-          </a:prstGeom>
-          <a:noFill/>
-          <a:ln w="0">
-            <a:noFill/>
-          </a:ln>
-        </p:spPr>
-        <p:txBody>
-          <a:bodyPr lIns="0" rIns="0" tIns="0" bIns="0" anchor="t">
-            <a:normAutofit/>
-          </a:bodyPr>
-          <a:p>
-            <a:pPr indent="0">
-              <a:lnSpc>
-                <a:spcPct val="90000"/>
-              </a:lnSpc>
-              <a:spcBef>
-                <a:spcPts val="1417"/>
-              </a:spcBef>
-              <a:buNone/>
-            </a:pPr>
-            <a:endParaRPr b="0" lang="en-US" sz="2800" spc="-1" strike="noStrike">
-              <a:solidFill>
-                <a:srgbClr val="000000"/>
-              </a:solidFill>
-              <a:latin typeface="Calibri"/>
+            </a:pPr>
+            <a:r>
+              <a:rPr b="0" lang="ru-RU" sz="2400" spc="-1" strike="noStrike">
+                <a:solidFill>
+                  <a:srgbClr val="ffffff"/>
+                </a:solidFill>
+                <a:latin typeface="Cascadia Mono SemiBold"/>
+              </a:rPr>
+              <a:t>5</a:t>
+            </a:r>
+            <a:endParaRPr b="0" lang="ru-RU" sz="2400" spc="-1" strike="noStrike">
+              <a:solidFill>
+                <a:srgbClr val="ffffff"/>
+              </a:solidFill>
+              <a:latin typeface="Arial"/>
             </a:endParaRPr>
           </a:p>
         </p:txBody>
@@ -3892,6 +7759,14 @@
 <file path=ppt/slides/slide6.xml><?xml version="1.0" encoding="utf-8"?>
 <p:sld xmlns:a="http://schemas.openxmlformats.org/drawingml/2006/main" xmlns:p="http://schemas.openxmlformats.org/presentationml/2006/main" xmlns:r="http://schemas.openxmlformats.org/officeDocument/2006/relationships" xmlns:p14="http://schemas.microsoft.com/office/powerpoint/2010/main" xmlns:p15="http://schemas.microsoft.com/office/powerpoint/2012/main" xmlns:mc="http://schemas.openxmlformats.org/markup-compatibility/2006">
   <p:cSld>
+    <p:bg>
+      <p:bgPr>
+        <a:blipFill rotWithShape="0">
+          <a:blip r:embed="rId1"/>
+          <a:stretch/>
+        </a:blipFill>
+      </p:bgPr>
+    </p:bg>
     <p:spTree>
       <p:nvGrpSpPr>
         <p:cNvPr id="1" name=""/>
@@ -3906,60 +7781,88 @@
           <a:chExt cx="0" cy="0"/>
         </a:xfrm>
       </p:grpSpPr>
-      <p:sp>
-        <p:nvSpPr>
-          <p:cNvPr id="55" name="PlaceHolder 1"/>
-          <p:cNvSpPr>
-            <a:spLocks noGrp="1"/>
-          </p:cNvSpPr>
-          <p:nvPr>
-            <p:ph type="title"/>
-          </p:nvPr>
-        </p:nvSpPr>
-        <p:spPr>
-          <a:xfrm>
-            <a:off x="1523880" y="1122480"/>
-            <a:ext cx="9143640" cy="2387160"/>
-          </a:xfrm>
-          <a:prstGeom prst="rect">
-            <a:avLst/>
-          </a:prstGeom>
-          <a:noFill/>
-          <a:ln w="0">
-            <a:noFill/>
-          </a:ln>
-        </p:spPr>
-        <p:txBody>
-          <a:bodyPr lIns="0" rIns="0" tIns="0" bIns="0" anchor="ctr">
+      <p:pic>
+        <p:nvPicPr>
+          <p:cNvPr id="109" name="" descr=""/>
+          <p:cNvPicPr/>
+          <p:nvPr/>
+        </p:nvPicPr>
+        <p:blipFill>
+          <a:blip r:embed="rId2">
+            <a:lum bright="70000" contrast="-70000"/>
+          </a:blip>
+          <a:stretch/>
+        </p:blipFill>
+        <p:spPr>
+          <a:xfrm>
+            <a:off x="10244880" y="5496480"/>
+            <a:ext cx="4335480" cy="1523520"/>
+          </a:xfrm>
+          <a:prstGeom prst="rect">
+            <a:avLst/>
+          </a:prstGeom>
+          <a:ln w="0">
+            <a:noFill/>
+          </a:ln>
+        </p:spPr>
+      </p:pic>
+      <p:sp>
+        <p:nvSpPr>
+          <p:cNvPr id="110" name="PlaceHolder 10"/>
+          <p:cNvSpPr txBox="1"/>
+          <p:nvPr/>
+        </p:nvSpPr>
+        <p:spPr>
+          <a:xfrm>
+            <a:off x="397440" y="493920"/>
+            <a:ext cx="9142560" cy="2386080"/>
+          </a:xfrm>
+          <a:prstGeom prst="rect">
+            <a:avLst/>
+          </a:prstGeom>
+          <a:noFill/>
+          <a:ln w="0">
+            <a:noFill/>
+          </a:ln>
+        </p:spPr>
+        <p:txBody>
+          <a:bodyPr lIns="0" rIns="0" tIns="0" bIns="0" anchor="t">
             <a:noAutofit/>
           </a:bodyPr>
           <a:p>
-            <a:pPr indent="0">
-              <a:buNone/>
-            </a:pPr>
-            <a:endParaRPr b="0" lang="en-US" sz="1800" spc="-1" strike="noStrike">
-              <a:solidFill>
-                <a:srgbClr val="000000"/>
-              </a:solidFill>
-              <a:latin typeface="Calibri"/>
-            </a:endParaRPr>
-          </a:p>
-        </p:txBody>
-      </p:sp>
-      <p:sp>
-        <p:nvSpPr>
-          <p:cNvPr id="56" name="PlaceHolder 2"/>
-          <p:cNvSpPr>
-            <a:spLocks noGrp="1"/>
-          </p:cNvSpPr>
-          <p:nvPr>
-            <p:ph/>
-          </p:nvPr>
-        </p:nvSpPr>
-        <p:spPr>
-          <a:xfrm>
-            <a:off x="609480" y="1604520"/>
-            <a:ext cx="5354280" cy="3977280"/>
+            <a:pPr>
+              <a:lnSpc>
+                <a:spcPct val="100000"/>
+              </a:lnSpc>
+            </a:pPr>
+            <a:r>
+              <a:rPr b="0" lang="ru-RU" sz="4000" spc="-1" strike="noStrike">
+                <a:solidFill>
+                  <a:srgbClr val="ffffff"/>
+                </a:solidFill>
+                <a:latin typeface="Cascadia Mono SemiBold"/>
+              </a:rPr>
+              <a:t>Показатели города</a:t>
+            </a:r>
+            <a:endParaRPr b="0" lang="ru-RU" sz="4000" spc="-1" strike="noStrike">
+              <a:solidFill>
+                <a:srgbClr val="ffffff"/>
+              </a:solidFill>
+              <a:latin typeface="Arial"/>
+            </a:endParaRPr>
+          </a:p>
+        </p:txBody>
+      </p:sp>
+      <p:sp>
+        <p:nvSpPr>
+          <p:cNvPr id="111" name="PlaceHolder 11"/>
+          <p:cNvSpPr txBox="1"/>
+          <p:nvPr/>
+        </p:nvSpPr>
+        <p:spPr>
+          <a:xfrm>
+            <a:off x="609840" y="1764000"/>
+            <a:ext cx="5510520" cy="4680000"/>
           </a:xfrm>
           <a:prstGeom prst="rect">
             <a:avLst/>
@@ -3974,66 +7877,292 @@
             <a:normAutofit/>
           </a:bodyPr>
           <a:p>
-            <a:pPr indent="0">
-              <a:lnSpc>
-                <a:spcPct val="90000"/>
-              </a:lnSpc>
+            <a:pPr marL="432000" indent="-324000">
               <a:spcBef>
                 <a:spcPts val="1417"/>
               </a:spcBef>
-              <a:buNone/>
-            </a:pPr>
-            <a:endParaRPr b="0" lang="en-US" sz="2800" spc="-1" strike="noStrike">
-              <a:solidFill>
-                <a:srgbClr val="000000"/>
-              </a:solidFill>
-              <a:latin typeface="Calibri"/>
-            </a:endParaRPr>
-          </a:p>
-        </p:txBody>
-      </p:sp>
-      <p:sp>
-        <p:nvSpPr>
-          <p:cNvPr id="57" name="PlaceHolder 3"/>
-          <p:cNvSpPr>
-            <a:spLocks noGrp="1"/>
-          </p:cNvSpPr>
-          <p:nvPr>
-            <p:ph/>
-          </p:nvPr>
-        </p:nvSpPr>
-        <p:spPr>
-          <a:xfrm>
-            <a:off x="6231960" y="1604520"/>
-            <a:ext cx="5354280" cy="3977280"/>
-          </a:xfrm>
-          <a:prstGeom prst="rect">
-            <a:avLst/>
-          </a:prstGeom>
-          <a:noFill/>
-          <a:ln w="0">
-            <a:noFill/>
-          </a:ln>
-        </p:spPr>
-        <p:txBody>
-          <a:bodyPr lIns="0" rIns="0" tIns="0" bIns="0" anchor="t">
-            <a:normAutofit/>
-          </a:bodyPr>
-          <a:p>
-            <a:pPr indent="0">
-              <a:lnSpc>
-                <a:spcPct val="90000"/>
-              </a:lnSpc>
+              <a:buClr>
+                <a:srgbClr val="ffffff"/>
+              </a:buClr>
+              <a:buSzPct val="45000"/>
+              <a:buFont typeface="Wingdings" charset="2"/>
+              <a:buChar char=""/>
+            </a:pPr>
+            <a:r>
+              <a:rPr b="0" lang="ru-RU" sz="2000" spc="-1" strike="noStrike">
+                <a:solidFill>
+                  <a:srgbClr val="a5eeda"/>
+                </a:solidFill>
+                <a:latin typeface="Cascadia Mono SemiBold"/>
+              </a:rPr>
+              <a:t>👤  </a:t>
+            </a:r>
+            <a:r>
+              <a:rPr b="0" lang="ru-RU" sz="2000" spc="-1" strike="noStrike">
+                <a:solidFill>
+                  <a:srgbClr val="a5eeda"/>
+                </a:solidFill>
+                <a:latin typeface="Cascadia Mono SemiBold"/>
+              </a:rPr>
+              <a:t>Население — Количество людей проживающих в городе. Можно увеличить за счет строительства новых кварталов.</a:t>
+            </a:r>
+            <a:endParaRPr b="0" lang="ru-RU" sz="2000" spc="-1" strike="noStrike">
+              <a:solidFill>
+                <a:srgbClr val="a5eeda"/>
+              </a:solidFill>
+              <a:latin typeface="Cascadia Mono SemiBold"/>
+            </a:endParaRPr>
+          </a:p>
+          <a:p>
+            <a:pPr marL="432000" indent="-324000">
               <a:spcBef>
                 <a:spcPts val="1417"/>
               </a:spcBef>
-              <a:buNone/>
-            </a:pPr>
-            <a:endParaRPr b="0" lang="en-US" sz="2800" spc="-1" strike="noStrike">
-              <a:solidFill>
-                <a:srgbClr val="000000"/>
-              </a:solidFill>
-              <a:latin typeface="Calibri"/>
+              <a:buClr>
+                <a:srgbClr val="ffffff"/>
+              </a:buClr>
+              <a:buSzPct val="45000"/>
+              <a:buFont typeface="Wingdings" charset="2"/>
+              <a:buChar char=""/>
+            </a:pPr>
+            <a:r>
+              <a:rPr b="0" lang="ru-RU" sz="2000" spc="-1" strike="noStrike">
+                <a:solidFill>
+                  <a:srgbClr val="a5eeda"/>
+                </a:solidFill>
+                <a:latin typeface="Cascadia Mono SemiBold"/>
+              </a:rPr>
+              <a:t>😀  </a:t>
+            </a:r>
+            <a:r>
+              <a:rPr b="0" lang="ru-RU" sz="2000" spc="-1" strike="noStrike">
+                <a:solidFill>
+                  <a:srgbClr val="a5eeda"/>
+                </a:solidFill>
+                <a:latin typeface="Cascadia Mono SemiBold"/>
+              </a:rPr>
+              <a:t>Счастье — Довольство жителей ситуацией в городе. Растет при строительстве социальных объектов. Если опускается до нуля, жители свергают мэра (вас).</a:t>
+            </a:r>
+            <a:endParaRPr b="0" lang="ru-RU" sz="2000" spc="-1" strike="noStrike">
+              <a:solidFill>
+                <a:srgbClr val="a5eeda"/>
+              </a:solidFill>
+              <a:latin typeface="Cascadia Mono SemiBold"/>
+            </a:endParaRPr>
+          </a:p>
+          <a:p>
+            <a:pPr marL="432000" indent="-324000">
+              <a:spcBef>
+                <a:spcPts val="1417"/>
+              </a:spcBef>
+              <a:buClr>
+                <a:srgbClr val="ffffff"/>
+              </a:buClr>
+              <a:buSzPct val="45000"/>
+              <a:buFont typeface="Wingdings" charset="2"/>
+              <a:buChar char=""/>
+            </a:pPr>
+            <a:r>
+              <a:rPr b="0" lang="ru-RU" sz="2000" spc="-1" strike="noStrike">
+                <a:solidFill>
+                  <a:srgbClr val="a5eeda"/>
+                </a:solidFill>
+                <a:latin typeface="Cascadia Mono SemiBold"/>
+              </a:rPr>
+              <a:t>🌿  </a:t>
+            </a:r>
+            <a:r>
+              <a:rPr b="0" lang="ru-RU" sz="2000" spc="-1" strike="noStrike">
+                <a:solidFill>
+                  <a:srgbClr val="a5eeda"/>
+                </a:solidFill>
+                <a:latin typeface="Cascadia Mono SemiBold"/>
+              </a:rPr>
+              <a:t>Экология — Чистота города и кол-во зелени. Повышается за счет парков и тесно связан с траффиком. Если все плохо — город утонет в грязи и пыли.</a:t>
+            </a:r>
+            <a:endParaRPr b="0" lang="ru-RU" sz="2000" spc="-1" strike="noStrike">
+              <a:solidFill>
+                <a:srgbClr val="a5eeda"/>
+              </a:solidFill>
+              <a:latin typeface="Cascadia Mono SemiBold"/>
+            </a:endParaRPr>
+          </a:p>
+        </p:txBody>
+      </p:sp>
+      <p:sp>
+        <p:nvSpPr>
+          <p:cNvPr id="112" name="PlaceHolder 12"/>
+          <p:cNvSpPr txBox="1"/>
+          <p:nvPr/>
+        </p:nvSpPr>
+        <p:spPr>
+          <a:xfrm>
+            <a:off x="6189480" y="1751760"/>
+            <a:ext cx="5510520" cy="3600720"/>
+          </a:xfrm>
+          <a:prstGeom prst="rect">
+            <a:avLst/>
+          </a:prstGeom>
+          <a:noFill/>
+          <a:ln w="0">
+            <a:noFill/>
+          </a:ln>
+        </p:spPr>
+        <p:txBody>
+          <a:bodyPr lIns="0" rIns="0" tIns="0" bIns="0" anchor="t">
+            <a:normAutofit/>
+          </a:bodyPr>
+          <a:p>
+            <a:pPr marL="432000" indent="-324000">
+              <a:spcBef>
+                <a:spcPts val="1417"/>
+              </a:spcBef>
+              <a:buClr>
+                <a:srgbClr val="ffffff"/>
+              </a:buClr>
+              <a:buSzPct val="45000"/>
+              <a:buFont typeface="Wingdings" charset="2"/>
+              <a:buChar char=""/>
+            </a:pPr>
+            <a:r>
+              <a:rPr b="0" lang="ru-RU" sz="2000" spc="-1" strike="noStrike">
+                <a:solidFill>
+                  <a:srgbClr val="a5eeda"/>
+                </a:solidFill>
+                <a:latin typeface="Cascadia Mono SemiBold"/>
+                <a:ea typeface="Microsoft YaHei"/>
+              </a:rPr>
+              <a:t>🛣️  </a:t>
+            </a:r>
+            <a:r>
+              <a:rPr b="0" lang="ru-RU" sz="2000" spc="-1" strike="noStrike">
+                <a:solidFill>
+                  <a:srgbClr val="a5eeda"/>
+                </a:solidFill>
+                <a:latin typeface="Cascadia Mono SemiBold"/>
+                <a:ea typeface="Microsoft YaHei"/>
+              </a:rPr>
+              <a:t>Траффик — Ситауция на дороге. Улучшается при </a:t>
+            </a:r>
+            <a:r>
+              <a:rPr b="0" lang="ru-RU" sz="2000" spc="-1" strike="noStrike">
+                <a:solidFill>
+                  <a:srgbClr val="a5eeda"/>
+                </a:solidFill>
+                <a:latin typeface="Cascadia Mono SemiBold"/>
+              </a:rPr>
+              <a:t>прокладке метро и трамвая, </a:t>
+            </a:r>
+            <a:r>
+              <a:rPr b="0" lang="ru-RU" sz="2000" spc="-1" strike="noStrike">
+                <a:solidFill>
+                  <a:srgbClr val="a5eeda"/>
+                </a:solidFill>
+                <a:latin typeface="Cascadia Mono SemiBold"/>
+              </a:rPr>
+              <a:t>новых дорог. Когда траффик доходит до нуля, город встает в бесконечную пробку.</a:t>
+            </a:r>
+            <a:endParaRPr b="0" lang="ru-RU" sz="2000" spc="-1" strike="noStrike">
+              <a:solidFill>
+                <a:srgbClr val="a5eeda"/>
+              </a:solidFill>
+              <a:latin typeface="Cascadia Mono SemiBold"/>
+            </a:endParaRPr>
+          </a:p>
+          <a:p>
+            <a:pPr marL="432000" indent="-324000">
+              <a:spcBef>
+                <a:spcPts val="1417"/>
+              </a:spcBef>
+              <a:buClr>
+                <a:srgbClr val="ffffff"/>
+              </a:buClr>
+              <a:buSzPct val="45000"/>
+              <a:buFont typeface="Wingdings" charset="2"/>
+              <a:buChar char=""/>
+            </a:pPr>
+            <a:r>
+              <a:rPr b="0" lang="ru-RU" sz="2000" spc="-1" strike="noStrike">
+                <a:solidFill>
+                  <a:srgbClr val="a5eeda"/>
+                </a:solidFill>
+                <a:latin typeface="Cascadia Mono SemiBold"/>
+              </a:rPr>
+              <a:t>💰  </a:t>
+            </a:r>
+            <a:r>
+              <a:rPr b="0" lang="ru-RU" sz="2000" spc="-1" strike="noStrike">
+                <a:solidFill>
+                  <a:srgbClr val="a5eeda"/>
+                </a:solidFill>
+                <a:latin typeface="Cascadia Mono SemiBold"/>
+              </a:rPr>
+              <a:t>Бюджет — Кол-во средств в казне города. Иногда пополняется из федерального бюджета или при экономии на чем либо.</a:t>
+            </a:r>
+            <a:br>
+              <a:rPr sz="2000"/>
+            </a:br>
+            <a:r>
+              <a:rPr b="0" lang="ru-RU" sz="2000" spc="-1" strike="noStrike">
+                <a:solidFill>
+                  <a:srgbClr val="a5eeda"/>
+                </a:solidFill>
+                <a:latin typeface="Cascadia Mono SemiBold"/>
+              </a:rPr>
+              <a:t>Нет денег — игра заканчивается</a:t>
+            </a:r>
+            <a:endParaRPr b="0" lang="ru-RU" sz="2000" spc="-1" strike="noStrike">
+              <a:solidFill>
+                <a:srgbClr val="a5eeda"/>
+              </a:solidFill>
+              <a:latin typeface="Cascadia Mono SemiBold"/>
+            </a:endParaRPr>
+          </a:p>
+        </p:txBody>
+      </p:sp>
+      <p:sp>
+        <p:nvSpPr>
+          <p:cNvPr id="113" name="PlaceHolder 22"/>
+          <p:cNvSpPr txBox="1"/>
+          <p:nvPr/>
+        </p:nvSpPr>
+        <p:spPr>
+          <a:xfrm>
+            <a:off x="11160000" y="5940000"/>
+            <a:ext cx="682560" cy="720000"/>
+          </a:xfrm>
+          <a:prstGeom prst="rect">
+            <a:avLst/>
+          </a:prstGeom>
+          <a:noFill/>
+          <a:ln w="0">
+            <a:noFill/>
+          </a:ln>
+        </p:spPr>
+        <p:txBody>
+          <a:bodyPr lIns="0" rIns="0" tIns="0" bIns="0" anchor="t">
+            <a:noAutofit/>
+          </a:bodyPr>
+          <a:p>
+            <a:pPr algn="ctr">
+              <a:lnSpc>
+                <a:spcPct val="100000"/>
+              </a:lnSpc>
+            </a:pPr>
+            <a:r>
+              <a:rPr b="0" lang="ru-RU" sz="2400" spc="-1" strike="noStrike">
+                <a:solidFill>
+                  <a:srgbClr val="ffffff"/>
+                </a:solidFill>
+                <a:latin typeface="Cascadia Mono SemiBold"/>
+              </a:rPr>
+              <a:t>6</a:t>
+            </a:r>
+            <a:endParaRPr b="0" lang="ru-RU" sz="2400" spc="-1" strike="noStrike">
+              <a:solidFill>
+                <a:srgbClr val="ffffff"/>
+              </a:solidFill>
+              <a:latin typeface="Arial"/>
             </a:endParaRPr>
           </a:p>
         </p:txBody>
@@ -4054,6 +8183,14 @@
 <file path=ppt/slides/slide7.xml><?xml version="1.0" encoding="utf-8"?>
 <p:sld xmlns:a="http://schemas.openxmlformats.org/drawingml/2006/main" xmlns:p="http://schemas.openxmlformats.org/presentationml/2006/main" xmlns:r="http://schemas.openxmlformats.org/officeDocument/2006/relationships" xmlns:p14="http://schemas.microsoft.com/office/powerpoint/2010/main" xmlns:p15="http://schemas.microsoft.com/office/powerpoint/2012/main" xmlns:mc="http://schemas.openxmlformats.org/markup-compatibility/2006">
   <p:cSld>
+    <p:bg>
+      <p:bgPr>
+        <a:blipFill rotWithShape="0">
+          <a:blip r:embed="rId1"/>
+          <a:stretch/>
+        </a:blipFill>
+      </p:bgPr>
+    </p:bg>
     <p:spTree>
       <p:nvGrpSpPr>
         <p:cNvPr id="1" name=""/>
@@ -4068,60 +8205,88 @@
           <a:chExt cx="0" cy="0"/>
         </a:xfrm>
       </p:grpSpPr>
-      <p:sp>
-        <p:nvSpPr>
-          <p:cNvPr id="58" name="PlaceHolder 1"/>
-          <p:cNvSpPr>
-            <a:spLocks noGrp="1"/>
-          </p:cNvSpPr>
-          <p:nvPr>
-            <p:ph type="title"/>
-          </p:nvPr>
-        </p:nvSpPr>
-        <p:spPr>
-          <a:xfrm>
-            <a:off x="1523880" y="1122480"/>
-            <a:ext cx="9143640" cy="2387160"/>
-          </a:xfrm>
-          <a:prstGeom prst="rect">
-            <a:avLst/>
-          </a:prstGeom>
-          <a:noFill/>
-          <a:ln w="0">
-            <a:noFill/>
-          </a:ln>
-        </p:spPr>
-        <p:txBody>
-          <a:bodyPr lIns="0" rIns="0" tIns="0" bIns="0" anchor="ctr">
+      <p:pic>
+        <p:nvPicPr>
+          <p:cNvPr id="114" name="" descr=""/>
+          <p:cNvPicPr/>
+          <p:nvPr/>
+        </p:nvPicPr>
+        <p:blipFill>
+          <a:blip r:embed="rId2">
+            <a:lum bright="70000" contrast="-70000"/>
+          </a:blip>
+          <a:stretch/>
+        </p:blipFill>
+        <p:spPr>
+          <a:xfrm>
+            <a:off x="10244880" y="5496480"/>
+            <a:ext cx="4335480" cy="1523520"/>
+          </a:xfrm>
+          <a:prstGeom prst="rect">
+            <a:avLst/>
+          </a:prstGeom>
+          <a:ln w="0">
+            <a:noFill/>
+          </a:ln>
+        </p:spPr>
+      </p:pic>
+      <p:sp>
+        <p:nvSpPr>
+          <p:cNvPr id="115" name="PlaceHolder 13"/>
+          <p:cNvSpPr txBox="1"/>
+          <p:nvPr/>
+        </p:nvSpPr>
+        <p:spPr>
+          <a:xfrm>
+            <a:off x="397440" y="493920"/>
+            <a:ext cx="9142560" cy="2386080"/>
+          </a:xfrm>
+          <a:prstGeom prst="rect">
+            <a:avLst/>
+          </a:prstGeom>
+          <a:noFill/>
+          <a:ln w="0">
+            <a:noFill/>
+          </a:ln>
+        </p:spPr>
+        <p:txBody>
+          <a:bodyPr lIns="0" rIns="0" tIns="0" bIns="0" anchor="t">
             <a:noAutofit/>
           </a:bodyPr>
           <a:p>
-            <a:pPr indent="0">
-              <a:buNone/>
-            </a:pPr>
-            <a:endParaRPr b="0" lang="en-US" sz="1800" spc="-1" strike="noStrike">
-              <a:solidFill>
-                <a:srgbClr val="000000"/>
-              </a:solidFill>
-              <a:latin typeface="Calibri"/>
-            </a:endParaRPr>
-          </a:p>
-        </p:txBody>
-      </p:sp>
-      <p:sp>
-        <p:nvSpPr>
-          <p:cNvPr id="59" name="PlaceHolder 2"/>
-          <p:cNvSpPr>
-            <a:spLocks noGrp="1"/>
-          </p:cNvSpPr>
-          <p:nvPr>
-            <p:ph/>
-          </p:nvPr>
-        </p:nvSpPr>
-        <p:spPr>
-          <a:xfrm>
-            <a:off x="609480" y="1604520"/>
-            <a:ext cx="5354280" cy="3977280"/>
+            <a:pPr>
+              <a:lnSpc>
+                <a:spcPct val="100000"/>
+              </a:lnSpc>
+            </a:pPr>
+            <a:r>
+              <a:rPr b="0" lang="ru-RU" sz="4000" spc="-1" strike="noStrike">
+                <a:solidFill>
+                  <a:srgbClr val="ffffff"/>
+                </a:solidFill>
+                <a:latin typeface="Cascadia Mono SemiBold"/>
+              </a:rPr>
+              <a:t>Реализация</a:t>
+            </a:r>
+            <a:endParaRPr b="0" lang="ru-RU" sz="4000" spc="-1" strike="noStrike">
+              <a:solidFill>
+                <a:srgbClr val="ffffff"/>
+              </a:solidFill>
+              <a:latin typeface="Arial"/>
+            </a:endParaRPr>
+          </a:p>
+        </p:txBody>
+      </p:sp>
+      <p:sp>
+        <p:nvSpPr>
+          <p:cNvPr id="116" name="PlaceHolder 14"/>
+          <p:cNvSpPr txBox="1"/>
+          <p:nvPr/>
+        </p:nvSpPr>
+        <p:spPr>
+          <a:xfrm>
+            <a:off x="613800" y="1440000"/>
+            <a:ext cx="5510520" cy="4680000"/>
           </a:xfrm>
           <a:prstGeom prst="rect">
             <a:avLst/>
@@ -4136,66 +8301,228 @@
             <a:normAutofit/>
           </a:bodyPr>
           <a:p>
-            <a:pPr indent="0">
-              <a:lnSpc>
-                <a:spcPct val="90000"/>
-              </a:lnSpc>
+            <a:pPr marL="432000" indent="-324000">
               <a:spcBef>
                 <a:spcPts val="1417"/>
               </a:spcBef>
-              <a:buNone/>
-            </a:pPr>
-            <a:endParaRPr b="0" lang="en-US" sz="2800" spc="-1" strike="noStrike">
-              <a:solidFill>
-                <a:srgbClr val="000000"/>
-              </a:solidFill>
-              <a:latin typeface="Calibri"/>
-            </a:endParaRPr>
-          </a:p>
-        </p:txBody>
-      </p:sp>
-      <p:sp>
-        <p:nvSpPr>
-          <p:cNvPr id="60" name="PlaceHolder 3"/>
-          <p:cNvSpPr>
-            <a:spLocks noGrp="1"/>
-          </p:cNvSpPr>
-          <p:nvPr>
-            <p:ph/>
-          </p:nvPr>
-        </p:nvSpPr>
-        <p:spPr>
-          <a:xfrm>
-            <a:off x="6231960" y="1604520"/>
-            <a:ext cx="5354280" cy="3977280"/>
-          </a:xfrm>
-          <a:prstGeom prst="rect">
-            <a:avLst/>
-          </a:prstGeom>
-          <a:noFill/>
-          <a:ln w="0">
-            <a:noFill/>
-          </a:ln>
-        </p:spPr>
-        <p:txBody>
-          <a:bodyPr lIns="0" rIns="0" tIns="0" bIns="0" anchor="t">
-            <a:normAutofit/>
-          </a:bodyPr>
-          <a:p>
-            <a:pPr indent="0">
-              <a:lnSpc>
-                <a:spcPct val="90000"/>
-              </a:lnSpc>
+              <a:buClr>
+                <a:srgbClr val="ffffff"/>
+              </a:buClr>
+              <a:buSzPct val="45000"/>
+              <a:buFont typeface="Wingdings" charset="2"/>
+              <a:buChar char=""/>
+            </a:pPr>
+            <a:endParaRPr b="0" lang="ru-RU" sz="2000" spc="-1" strike="noStrike">
+              <a:solidFill>
+                <a:srgbClr val="a5eeda"/>
+              </a:solidFill>
+              <a:latin typeface="Cascadia Mono SemiBold"/>
+            </a:endParaRPr>
+          </a:p>
+          <a:p>
+            <a:pPr marL="432000" indent="-324000">
               <a:spcBef>
                 <a:spcPts val="1417"/>
               </a:spcBef>
-              <a:buNone/>
-            </a:pPr>
-            <a:endParaRPr b="0" lang="en-US" sz="2800" spc="-1" strike="noStrike">
-              <a:solidFill>
-                <a:srgbClr val="000000"/>
-              </a:solidFill>
-              <a:latin typeface="Calibri"/>
+              <a:buClr>
+                <a:srgbClr val="ffffff"/>
+              </a:buClr>
+              <a:buSzPct val="45000"/>
+              <a:buFont typeface="Wingdings" charset="2"/>
+              <a:buChar char=""/>
+            </a:pPr>
+            <a:r>
+              <a:rPr b="0" lang="ru-RU" sz="2000" spc="-1" strike="noStrike">
+                <a:solidFill>
+                  <a:srgbClr val="a5eeda"/>
+                </a:solidFill>
+                <a:latin typeface="Cascadia Mono SemiBold"/>
+              </a:rPr>
+              <a:t>SharedPreferences</a:t>
+            </a:r>
+            <a:endParaRPr b="0" lang="ru-RU" sz="2000" spc="-1" strike="noStrike">
+              <a:solidFill>
+                <a:srgbClr val="a5eeda"/>
+              </a:solidFill>
+              <a:latin typeface="Cascadia Mono SemiBold"/>
+            </a:endParaRPr>
+          </a:p>
+          <a:p>
+            <a:pPr marL="432000" indent="-324000">
+              <a:spcBef>
+                <a:spcPts val="1417"/>
+              </a:spcBef>
+              <a:buClr>
+                <a:srgbClr val="ffffff"/>
+              </a:buClr>
+              <a:buSzPct val="45000"/>
+              <a:buFont typeface="Wingdings" charset="2"/>
+              <a:buChar char=""/>
+            </a:pPr>
+            <a:r>
+              <a:rPr b="0" lang="ru-RU" sz="2000" spc="-1" strike="noStrike">
+                <a:solidFill>
+                  <a:srgbClr val="a5eeda"/>
+                </a:solidFill>
+                <a:latin typeface="Cascadia Mono SemiBold"/>
+              </a:rPr>
+              <a:t>Базы данных</a:t>
+            </a:r>
+            <a:endParaRPr b="0" lang="ru-RU" sz="2000" spc="-1" strike="noStrike">
+              <a:solidFill>
+                <a:srgbClr val="a5eeda"/>
+              </a:solidFill>
+              <a:latin typeface="Cascadia Mono SemiBold"/>
+            </a:endParaRPr>
+          </a:p>
+          <a:p>
+            <a:pPr marL="432000" indent="-324000">
+              <a:spcBef>
+                <a:spcPts val="1417"/>
+              </a:spcBef>
+              <a:buClr>
+                <a:srgbClr val="ffffff"/>
+              </a:buClr>
+              <a:buSzPct val="45000"/>
+              <a:buFont typeface="Wingdings" charset="2"/>
+              <a:buChar char=""/>
+            </a:pPr>
+            <a:r>
+              <a:rPr b="0" lang="ru-RU" sz="2000" spc="-1" strike="noStrike">
+                <a:solidFill>
+                  <a:srgbClr val="a5eeda"/>
+                </a:solidFill>
+                <a:latin typeface="Cascadia Mono SemiBold"/>
+              </a:rPr>
+              <a:t>FragmentView</a:t>
+            </a:r>
+            <a:endParaRPr b="0" lang="ru-RU" sz="2000" spc="-1" strike="noStrike">
+              <a:solidFill>
+                <a:srgbClr val="a5eeda"/>
+              </a:solidFill>
+              <a:latin typeface="Cascadia Mono SemiBold"/>
+            </a:endParaRPr>
+          </a:p>
+          <a:p>
+            <a:pPr marL="432000" indent="-324000">
+              <a:spcBef>
+                <a:spcPts val="1417"/>
+              </a:spcBef>
+              <a:buClr>
+                <a:srgbClr val="ffffff"/>
+              </a:buClr>
+              <a:buSzPct val="45000"/>
+              <a:buFont typeface="Wingdings" charset="2"/>
+              <a:buChar char=""/>
+            </a:pPr>
+            <a:r>
+              <a:rPr b="0" lang="ru-RU" sz="2000" spc="-1" strike="noStrike">
+                <a:solidFill>
+                  <a:srgbClr val="a5eeda"/>
+                </a:solidFill>
+                <a:latin typeface="Cascadia Mono SemiBold"/>
+              </a:rPr>
+              <a:t>MotionLayout</a:t>
+            </a:r>
+            <a:endParaRPr b="0" lang="ru-RU" sz="2000" spc="-1" strike="noStrike">
+              <a:solidFill>
+                <a:srgbClr val="a5eeda"/>
+              </a:solidFill>
+              <a:latin typeface="Cascadia Mono SemiBold"/>
+            </a:endParaRPr>
+          </a:p>
+          <a:p>
+            <a:pPr marL="432000" indent="-324000">
+              <a:spcBef>
+                <a:spcPts val="1417"/>
+              </a:spcBef>
+              <a:buClr>
+                <a:srgbClr val="ffffff"/>
+              </a:buClr>
+              <a:buSzPct val="45000"/>
+              <a:buFont typeface="Wingdings" charset="2"/>
+              <a:buChar char=""/>
+            </a:pPr>
+            <a:endParaRPr b="0" lang="ru-RU" sz="2000" spc="-1" strike="noStrike">
+              <a:solidFill>
+                <a:srgbClr val="a5eeda"/>
+              </a:solidFill>
+              <a:latin typeface="Cascadia Mono SemiBold"/>
+            </a:endParaRPr>
+          </a:p>
+          <a:p>
+            <a:pPr marL="432000" indent="-324000">
+              <a:spcBef>
+                <a:spcPts val="1417"/>
+              </a:spcBef>
+              <a:buClr>
+                <a:srgbClr val="ffffff"/>
+              </a:buClr>
+              <a:buSzPct val="45000"/>
+              <a:buFont typeface="Wingdings" charset="2"/>
+              <a:buChar char=""/>
+            </a:pPr>
+            <a:r>
+              <a:rPr b="0" lang="ru-RU" sz="2000" spc="-1" strike="noStrike">
+                <a:solidFill>
+                  <a:srgbClr val="a5eeda"/>
+                </a:solidFill>
+                <a:latin typeface="Cascadia Mono SemiBold"/>
+              </a:rPr>
+              <a:t>P.S. Часть из этого не успел реализовать.</a:t>
+            </a:r>
+            <a:endParaRPr b="0" lang="ru-RU" sz="2000" spc="-1" strike="noStrike">
+              <a:solidFill>
+                <a:srgbClr val="a5eeda"/>
+              </a:solidFill>
+              <a:latin typeface="Cascadia Mono SemiBold"/>
+            </a:endParaRPr>
+          </a:p>
+        </p:txBody>
+      </p:sp>
+      <p:sp>
+        <p:nvSpPr>
+          <p:cNvPr id="117" name="PlaceHolder 23"/>
+          <p:cNvSpPr txBox="1"/>
+          <p:nvPr/>
+        </p:nvSpPr>
+        <p:spPr>
+          <a:xfrm>
+            <a:off x="11160000" y="5940000"/>
+            <a:ext cx="682560" cy="720000"/>
+          </a:xfrm>
+          <a:prstGeom prst="rect">
+            <a:avLst/>
+          </a:prstGeom>
+          <a:noFill/>
+          <a:ln w="0">
+            <a:noFill/>
+          </a:ln>
+        </p:spPr>
+        <p:txBody>
+          <a:bodyPr lIns="0" rIns="0" tIns="0" bIns="0" anchor="t">
+            <a:noAutofit/>
+          </a:bodyPr>
+          <a:p>
+            <a:pPr algn="ctr">
+              <a:lnSpc>
+                <a:spcPct val="100000"/>
+              </a:lnSpc>
+            </a:pPr>
+            <a:r>
+              <a:rPr b="0" lang="ru-RU" sz="2400" spc="-1" strike="noStrike">
+                <a:solidFill>
+                  <a:srgbClr val="ffffff"/>
+                </a:solidFill>
+                <a:latin typeface="Cascadia Mono SemiBold"/>
+              </a:rPr>
+              <a:t>7</a:t>
+            </a:r>
+            <a:endParaRPr b="0" lang="ru-RU" sz="2400" spc="-1" strike="noStrike">
+              <a:solidFill>
+                <a:srgbClr val="ffffff"/>
+              </a:solidFill>
+              <a:latin typeface="Arial"/>
             </a:endParaRPr>
           </a:p>
         </p:txBody>
@@ -4216,6 +8543,14 @@
 <file path=ppt/slides/slide8.xml><?xml version="1.0" encoding="utf-8"?>
 <p:sld xmlns:a="http://schemas.openxmlformats.org/drawingml/2006/main" xmlns:p="http://schemas.openxmlformats.org/presentationml/2006/main" xmlns:r="http://schemas.openxmlformats.org/officeDocument/2006/relationships" xmlns:p14="http://schemas.microsoft.com/office/powerpoint/2010/main" xmlns:p15="http://schemas.microsoft.com/office/powerpoint/2012/main" xmlns:mc="http://schemas.openxmlformats.org/markup-compatibility/2006">
   <p:cSld>
+    <p:bg>
+      <p:bgPr>
+        <a:blipFill rotWithShape="0">
+          <a:blip r:embed="rId1"/>
+          <a:stretch/>
+        </a:blipFill>
+      </p:bgPr>
+    </p:bg>
     <p:spTree>
       <p:nvGrpSpPr>
         <p:cNvPr id="1" name=""/>
@@ -4230,60 +8565,88 @@
           <a:chExt cx="0" cy="0"/>
         </a:xfrm>
       </p:grpSpPr>
-      <p:sp>
-        <p:nvSpPr>
-          <p:cNvPr id="61" name="PlaceHolder 1"/>
-          <p:cNvSpPr>
-            <a:spLocks noGrp="1"/>
-          </p:cNvSpPr>
-          <p:nvPr>
-            <p:ph type="title"/>
-          </p:nvPr>
-        </p:nvSpPr>
-        <p:spPr>
-          <a:xfrm>
-            <a:off x="1523880" y="1122480"/>
-            <a:ext cx="9143640" cy="2387160"/>
-          </a:xfrm>
-          <a:prstGeom prst="rect">
-            <a:avLst/>
-          </a:prstGeom>
-          <a:noFill/>
-          <a:ln w="0">
-            <a:noFill/>
-          </a:ln>
-        </p:spPr>
-        <p:txBody>
-          <a:bodyPr lIns="0" rIns="0" tIns="0" bIns="0" anchor="ctr">
+      <p:pic>
+        <p:nvPicPr>
+          <p:cNvPr id="118" name="" descr=""/>
+          <p:cNvPicPr/>
+          <p:nvPr/>
+        </p:nvPicPr>
+        <p:blipFill>
+          <a:blip r:embed="rId2">
+            <a:lum bright="70000" contrast="-70000"/>
+          </a:blip>
+          <a:stretch/>
+        </p:blipFill>
+        <p:spPr>
+          <a:xfrm>
+            <a:off x="10244880" y="5496480"/>
+            <a:ext cx="4335480" cy="1523520"/>
+          </a:xfrm>
+          <a:prstGeom prst="rect">
+            <a:avLst/>
+          </a:prstGeom>
+          <a:ln w="0">
+            <a:noFill/>
+          </a:ln>
+        </p:spPr>
+      </p:pic>
+      <p:sp>
+        <p:nvSpPr>
+          <p:cNvPr id="119" name="PlaceHolder 15"/>
+          <p:cNvSpPr txBox="1"/>
+          <p:nvPr/>
+        </p:nvSpPr>
+        <p:spPr>
+          <a:xfrm>
+            <a:off x="397440" y="493920"/>
+            <a:ext cx="9142560" cy="2386080"/>
+          </a:xfrm>
+          <a:prstGeom prst="rect">
+            <a:avLst/>
+          </a:prstGeom>
+          <a:noFill/>
+          <a:ln w="0">
+            <a:noFill/>
+          </a:ln>
+        </p:spPr>
+        <p:txBody>
+          <a:bodyPr lIns="0" rIns="0" tIns="0" bIns="0" anchor="t">
             <a:noAutofit/>
           </a:bodyPr>
           <a:p>
-            <a:pPr indent="0">
-              <a:buNone/>
-            </a:pPr>
-            <a:endParaRPr b="0" lang="en-US" sz="1800" spc="-1" strike="noStrike">
-              <a:solidFill>
-                <a:srgbClr val="000000"/>
-              </a:solidFill>
-              <a:latin typeface="Calibri"/>
-            </a:endParaRPr>
-          </a:p>
-        </p:txBody>
-      </p:sp>
-      <p:sp>
-        <p:nvSpPr>
-          <p:cNvPr id="62" name="PlaceHolder 2"/>
-          <p:cNvSpPr>
-            <a:spLocks noGrp="1"/>
-          </p:cNvSpPr>
-          <p:nvPr>
-            <p:ph/>
-          </p:nvPr>
-        </p:nvSpPr>
-        <p:spPr>
-          <a:xfrm>
-            <a:off x="609480" y="1604520"/>
-            <a:ext cx="5354280" cy="3977280"/>
+            <a:pPr>
+              <a:lnSpc>
+                <a:spcPct val="100000"/>
+              </a:lnSpc>
+            </a:pPr>
+            <a:r>
+              <a:rPr b="0" lang="ru-RU" sz="4000" spc="-1" strike="noStrike">
+                <a:solidFill>
+                  <a:srgbClr val="ffffff"/>
+                </a:solidFill>
+                <a:latin typeface="Cascadia Mono SemiBold"/>
+              </a:rPr>
+              <a:t>Структура приложения</a:t>
+            </a:r>
+            <a:endParaRPr b="0" lang="ru-RU" sz="4000" spc="-1" strike="noStrike">
+              <a:solidFill>
+                <a:srgbClr val="ffffff"/>
+              </a:solidFill>
+              <a:latin typeface="Arial"/>
+            </a:endParaRPr>
+          </a:p>
+        </p:txBody>
+      </p:sp>
+      <p:sp>
+        <p:nvSpPr>
+          <p:cNvPr id="120" name="PlaceHolder 3"/>
+          <p:cNvSpPr txBox="1"/>
+          <p:nvPr/>
+        </p:nvSpPr>
+        <p:spPr>
+          <a:xfrm>
+            <a:off x="614160" y="1440000"/>
+            <a:ext cx="5510520" cy="4680000"/>
           </a:xfrm>
           <a:prstGeom prst="rect">
             <a:avLst/>
@@ -4298,70 +8661,633 @@
             <a:normAutofit/>
           </a:bodyPr>
           <a:p>
-            <a:pPr indent="0">
-              <a:lnSpc>
-                <a:spcPct val="90000"/>
-              </a:lnSpc>
+            <a:pPr marL="432000" indent="-324000">
               <a:spcBef>
                 <a:spcPts val="1417"/>
               </a:spcBef>
-              <a:buNone/>
-            </a:pPr>
-            <a:endParaRPr b="0" lang="en-US" sz="2800" spc="-1" strike="noStrike">
-              <a:solidFill>
-                <a:srgbClr val="000000"/>
-              </a:solidFill>
-              <a:latin typeface="Calibri"/>
-            </a:endParaRPr>
-          </a:p>
-        </p:txBody>
-      </p:sp>
-      <p:sp>
-        <p:nvSpPr>
-          <p:cNvPr id="63" name="PlaceHolder 3"/>
-          <p:cNvSpPr>
-            <a:spLocks noGrp="1"/>
-          </p:cNvSpPr>
-          <p:nvPr>
-            <p:ph/>
-          </p:nvPr>
-        </p:nvSpPr>
-        <p:spPr>
-          <a:xfrm>
-            <a:off x="6231960" y="1604520"/>
-            <a:ext cx="5354280" cy="3977280"/>
-          </a:xfrm>
-          <a:prstGeom prst="rect">
-            <a:avLst/>
-          </a:prstGeom>
-          <a:noFill/>
-          <a:ln w="0">
-            <a:noFill/>
-          </a:ln>
-        </p:spPr>
-        <p:txBody>
-          <a:bodyPr lIns="0" rIns="0" tIns="0" bIns="0" anchor="t">
-            <a:normAutofit/>
-          </a:bodyPr>
-          <a:p>
-            <a:pPr indent="0">
-              <a:lnSpc>
-                <a:spcPct val="90000"/>
-              </a:lnSpc>
+              <a:buClr>
+                <a:srgbClr val="ffffff"/>
+              </a:buClr>
+              <a:buSzPct val="45000"/>
+              <a:buFont typeface="Wingdings" charset="2"/>
+              <a:buChar char=""/>
+            </a:pPr>
+            <a:endParaRPr b="0" lang="ru-RU" sz="2000" spc="-1" strike="noStrike">
+              <a:solidFill>
+                <a:srgbClr val="a5eeda"/>
+              </a:solidFill>
+              <a:latin typeface="Cascadia Mono SemiBold"/>
+            </a:endParaRPr>
+          </a:p>
+          <a:p>
+            <a:pPr marL="432000" indent="-324000">
               <a:spcBef>
                 <a:spcPts val="1417"/>
               </a:spcBef>
-              <a:buNone/>
-            </a:pPr>
-            <a:endParaRPr b="0" lang="en-US" sz="2800" spc="-1" strike="noStrike">
-              <a:solidFill>
-                <a:srgbClr val="000000"/>
-              </a:solidFill>
-              <a:latin typeface="Calibri"/>
-            </a:endParaRPr>
-          </a:p>
-        </p:txBody>
-      </p:sp>
+              <a:buClr>
+                <a:srgbClr val="ffffff"/>
+              </a:buClr>
+              <a:buSzPct val="45000"/>
+              <a:buFont typeface="Wingdings" charset="2"/>
+              <a:buChar char=""/>
+            </a:pPr>
+            <a:r>
+              <a:rPr b="0" lang="ru-RU" sz="2000" spc="-1" strike="noStrike">
+                <a:solidFill>
+                  <a:srgbClr val="a5eeda"/>
+                </a:solidFill>
+                <a:latin typeface="Cascadia Mono SemiBold"/>
+              </a:rPr>
+              <a:t>MenuActivity</a:t>
+            </a:r>
+            <a:endParaRPr b="0" lang="ru-RU" sz="2000" spc="-1" strike="noStrike">
+              <a:solidFill>
+                <a:srgbClr val="a5eeda"/>
+              </a:solidFill>
+              <a:latin typeface="Cascadia Mono SemiBold"/>
+            </a:endParaRPr>
+          </a:p>
+          <a:p>
+            <a:pPr marL="432000" indent="-324000">
+              <a:spcBef>
+                <a:spcPts val="1417"/>
+              </a:spcBef>
+              <a:buClr>
+                <a:srgbClr val="ffffff"/>
+              </a:buClr>
+              <a:buSzPct val="45000"/>
+              <a:buFont typeface="Wingdings" charset="2"/>
+              <a:buChar char=""/>
+            </a:pPr>
+            <a:r>
+              <a:rPr b="0" lang="ru-RU" sz="2000" spc="-1" strike="noStrike">
+                <a:solidFill>
+                  <a:srgbClr val="a5eeda"/>
+                </a:solidFill>
+                <a:latin typeface="Cascadia Mono SemiBold"/>
+              </a:rPr>
+              <a:t>GameActivity</a:t>
+            </a:r>
+            <a:endParaRPr b="0" lang="ru-RU" sz="2000" spc="-1" strike="noStrike">
+              <a:solidFill>
+                <a:srgbClr val="a5eeda"/>
+              </a:solidFill>
+              <a:latin typeface="Cascadia Mono SemiBold"/>
+            </a:endParaRPr>
+          </a:p>
+          <a:p>
+            <a:pPr lvl="1" marL="864000" indent="-324000">
+              <a:spcBef>
+                <a:spcPts val="1134"/>
+              </a:spcBef>
+              <a:buClr>
+                <a:srgbClr val="ffffff"/>
+              </a:buClr>
+              <a:buSzPct val="75000"/>
+              <a:buFont typeface="Symbol" charset="2"/>
+              <a:buChar char=""/>
+            </a:pPr>
+            <a:r>
+              <a:rPr b="0" lang="ru-RU" sz="2000" spc="-1" strike="noStrike">
+                <a:solidFill>
+                  <a:srgbClr val="a5eeda"/>
+                </a:solidFill>
+                <a:latin typeface="Cascadia Mono SemiBold"/>
+              </a:rPr>
+              <a:t>Game</a:t>
+            </a:r>
+            <a:endParaRPr b="0" lang="ru-RU" sz="2000" spc="-1" strike="noStrike">
+              <a:solidFill>
+                <a:srgbClr val="ffffff"/>
+              </a:solidFill>
+              <a:latin typeface="Arial"/>
+            </a:endParaRPr>
+          </a:p>
+          <a:p>
+            <a:pPr marL="432000" indent="-324000">
+              <a:spcBef>
+                <a:spcPts val="1417"/>
+              </a:spcBef>
+              <a:buClr>
+                <a:srgbClr val="ffffff"/>
+              </a:buClr>
+              <a:buSzPct val="45000"/>
+              <a:buFont typeface="Wingdings" charset="2"/>
+              <a:buChar char=""/>
+            </a:pPr>
+            <a:r>
+              <a:rPr b="0" lang="ru-RU" sz="2000" spc="-1" strike="noStrike">
+                <a:solidFill>
+                  <a:srgbClr val="a5eeda"/>
+                </a:solidFill>
+                <a:latin typeface="Cascadia Mono SemiBold"/>
+              </a:rPr>
+              <a:t>RecordManager</a:t>
+            </a:r>
+            <a:endParaRPr b="0" lang="ru-RU" sz="2000" spc="-1" strike="noStrike">
+              <a:solidFill>
+                <a:srgbClr val="a5eeda"/>
+              </a:solidFill>
+              <a:latin typeface="Cascadia Mono SemiBold"/>
+            </a:endParaRPr>
+          </a:p>
+          <a:p>
+            <a:pPr marL="432000" indent="-324000">
+              <a:spcBef>
+                <a:spcPts val="1417"/>
+              </a:spcBef>
+              <a:buClr>
+                <a:srgbClr val="ffffff"/>
+              </a:buClr>
+              <a:buSzPct val="45000"/>
+              <a:buFont typeface="Wingdings" charset="2"/>
+              <a:buChar char=""/>
+            </a:pPr>
+            <a:endParaRPr b="0" lang="ru-RU" sz="2000" spc="-1" strike="noStrike">
+              <a:solidFill>
+                <a:srgbClr val="a5eeda"/>
+              </a:solidFill>
+              <a:latin typeface="Cascadia Mono SemiBold"/>
+            </a:endParaRPr>
+          </a:p>
+          <a:p>
+            <a:pPr marL="432000" indent="-324000">
+              <a:spcBef>
+                <a:spcPts val="1417"/>
+              </a:spcBef>
+              <a:buClr>
+                <a:srgbClr val="ffffff"/>
+              </a:buClr>
+              <a:buSzPct val="45000"/>
+              <a:buFont typeface="Wingdings" charset="2"/>
+              <a:buChar char=""/>
+            </a:pPr>
+            <a:endParaRPr b="0" lang="ru-RU" sz="2000" spc="-1" strike="noStrike">
+              <a:solidFill>
+                <a:srgbClr val="a5eeda"/>
+              </a:solidFill>
+              <a:latin typeface="Cascadia Mono SemiBold"/>
+            </a:endParaRPr>
+          </a:p>
+        </p:txBody>
+      </p:sp>
+      <p:sp>
+        <p:nvSpPr>
+          <p:cNvPr id="121" name="PlaceHolder 24"/>
+          <p:cNvSpPr txBox="1"/>
+          <p:nvPr/>
+        </p:nvSpPr>
+        <p:spPr>
+          <a:xfrm>
+            <a:off x="11160000" y="5940000"/>
+            <a:ext cx="682560" cy="720000"/>
+          </a:xfrm>
+          <a:prstGeom prst="rect">
+            <a:avLst/>
+          </a:prstGeom>
+          <a:noFill/>
+          <a:ln w="0">
+            <a:noFill/>
+          </a:ln>
+        </p:spPr>
+        <p:txBody>
+          <a:bodyPr lIns="0" rIns="0" tIns="0" bIns="0" anchor="t">
+            <a:noAutofit/>
+          </a:bodyPr>
+          <a:p>
+            <a:pPr algn="ctr">
+              <a:lnSpc>
+                <a:spcPct val="100000"/>
+              </a:lnSpc>
+            </a:pPr>
+            <a:r>
+              <a:rPr b="0" lang="ru-RU" sz="2400" spc="-1" strike="noStrike">
+                <a:solidFill>
+                  <a:srgbClr val="ffffff"/>
+                </a:solidFill>
+                <a:latin typeface="Cascadia Mono SemiBold"/>
+              </a:rPr>
+              <a:t>8</a:t>
+            </a:r>
+            <a:endParaRPr b="0" lang="ru-RU" sz="2400" spc="-1" strike="noStrike">
+              <a:solidFill>
+                <a:srgbClr val="ffffff"/>
+              </a:solidFill>
+              <a:latin typeface="Arial"/>
+            </a:endParaRPr>
+          </a:p>
+        </p:txBody>
+      </p:sp>
+    </p:spTree>
+  </p:cSld>
+  <mc:AlternateContent>
+    <mc:Choice Requires="p14">
+      <p:transition spd="slow" p14:dur="2000"/>
+    </mc:Choice>
+    <mc:Fallback>
+      <p:transition spd="slow"/>
+    </mc:Fallback>
+  </mc:AlternateContent>
+</p:sld>
+</file>
+
+<file path=ppt/slides/slide9.xml><?xml version="1.0" encoding="utf-8"?>
+<p:sld xmlns:a="http://schemas.openxmlformats.org/drawingml/2006/main" xmlns:p="http://schemas.openxmlformats.org/presentationml/2006/main" xmlns:r="http://schemas.openxmlformats.org/officeDocument/2006/relationships" xmlns:p14="http://schemas.microsoft.com/office/powerpoint/2010/main" xmlns:p15="http://schemas.microsoft.com/office/powerpoint/2012/main" xmlns:mc="http://schemas.openxmlformats.org/markup-compatibility/2006">
+  <p:cSld>
+    <p:bg>
+      <p:bgPr>
+        <a:blipFill rotWithShape="0">
+          <a:blip r:embed="rId1"/>
+          <a:stretch/>
+        </a:blipFill>
+      </p:bgPr>
+    </p:bg>
+    <p:spTree>
+      <p:nvGrpSpPr>
+        <p:cNvPr id="1" name=""/>
+        <p:cNvGrpSpPr/>
+        <p:nvPr/>
+      </p:nvGrpSpPr>
+      <p:grpSpPr>
+        <a:xfrm>
+          <a:off x="0" y="0"/>
+          <a:ext cx="0" cy="0"/>
+          <a:chOff x="0" y="0"/>
+          <a:chExt cx="0" cy="0"/>
+        </a:xfrm>
+      </p:grpSpPr>
+      <p:sp>
+        <p:nvSpPr>
+          <p:cNvPr id="122" name="PlaceHolder 1"/>
+          <p:cNvSpPr>
+            <a:spLocks noGrp="1"/>
+          </p:cNvSpPr>
+          <p:nvPr>
+            <p:ph type="title"/>
+          </p:nvPr>
+        </p:nvSpPr>
+        <p:spPr>
+          <a:xfrm>
+            <a:off x="1523880" y="1122480"/>
+            <a:ext cx="9142560" cy="2386080"/>
+          </a:xfrm>
+          <a:prstGeom prst="rect">
+            <a:avLst/>
+          </a:prstGeom>
+          <a:noFill/>
+          <a:ln w="0">
+            <a:noFill/>
+          </a:ln>
+        </p:spPr>
+        <p:txBody>
+          <a:bodyPr lIns="0" rIns="0" tIns="0" bIns="0" anchor="ctr">
+            <a:noAutofit/>
+          </a:bodyPr>
+          <a:p>
+            <a:pPr indent="0">
+              <a:lnSpc>
+                <a:spcPct val="100000"/>
+              </a:lnSpc>
+              <a:buNone/>
+              <a:tabLst>
+                <a:tab algn="l" pos="0"/>
+              </a:tabLst>
+            </a:pPr>
+            <a:r>
+              <a:rPr b="0" lang="ru-RU" sz="2000" spc="-1" strike="noStrike">
+                <a:solidFill>
+                  <a:srgbClr val="ffffff"/>
+                </a:solidFill>
+                <a:latin typeface="Cascadia Mono SemiBold"/>
+              </a:rPr>
+              <a:t>Android игра</a:t>
+            </a:r>
+            <a:br>
+              <a:rPr sz="6000"/>
+            </a:br>
+            <a:r>
+              <a:rPr b="1" lang="ru-RU" sz="6000" spc="-1" strike="noStrike">
+                <a:solidFill>
+                  <a:srgbClr val="ffffff"/>
+                </a:solidFill>
+                <a:latin typeface="Cascadia Mono SemiBold"/>
+              </a:rPr>
+              <a:t>GreedCity</a:t>
+            </a:r>
+            <a:endParaRPr b="0" lang="ru-RU" sz="6000" spc="-1" strike="noStrike">
+              <a:solidFill>
+                <a:srgbClr val="ffffff"/>
+              </a:solidFill>
+              <a:latin typeface="Arial"/>
+            </a:endParaRPr>
+          </a:p>
+        </p:txBody>
+      </p:sp>
+      <p:sp>
+        <p:nvSpPr>
+          <p:cNvPr id="123" name="PlaceHolder 2"/>
+          <p:cNvSpPr>
+            <a:spLocks noGrp="1"/>
+          </p:cNvSpPr>
+          <p:nvPr>
+            <p:ph type="subTitle"/>
+          </p:nvPr>
+        </p:nvSpPr>
+        <p:spPr>
+          <a:xfrm>
+            <a:off x="609480" y="2072520"/>
+            <a:ext cx="10971360" cy="3976200"/>
+          </a:xfrm>
+          <a:prstGeom prst="rect">
+            <a:avLst/>
+          </a:prstGeom>
+          <a:noFill/>
+          <a:ln w="0">
+            <a:noFill/>
+          </a:ln>
+        </p:spPr>
+        <p:txBody>
+          <a:bodyPr lIns="0" rIns="0" tIns="0" bIns="0" anchor="b">
+            <a:noAutofit/>
+          </a:bodyPr>
+          <a:p>
+            <a:pPr indent="0">
+              <a:lnSpc>
+                <a:spcPct val="100000"/>
+              </a:lnSpc>
+              <a:buNone/>
+              <a:tabLst>
+                <a:tab algn="l" pos="0"/>
+              </a:tabLst>
+            </a:pPr>
+            <a:r>
+              <a:rPr b="1" lang="ru-RU" sz="1800" spc="-1" strike="noStrike">
+                <a:solidFill>
+                  <a:srgbClr val="a5eeda"/>
+                </a:solidFill>
+                <a:latin typeface="Cascadia Mono SemiBold"/>
+              </a:rPr>
+              <a:t>Выполнил: </a:t>
+            </a:r>
+            <a:endParaRPr b="0" lang="ru-RU" sz="1800" spc="-1" strike="noStrike">
+              <a:solidFill>
+                <a:srgbClr val="ffffff"/>
+              </a:solidFill>
+              <a:latin typeface="Arial"/>
+            </a:endParaRPr>
+          </a:p>
+          <a:p>
+            <a:pPr indent="0">
+              <a:lnSpc>
+                <a:spcPct val="100000"/>
+              </a:lnSpc>
+              <a:buNone/>
+              <a:tabLst>
+                <a:tab algn="l" pos="0"/>
+              </a:tabLst>
+            </a:pPr>
+            <a:r>
+              <a:rPr b="0" lang="ru-RU" sz="1800" spc="-1" strike="noStrike">
+                <a:solidFill>
+                  <a:srgbClr val="a5eeda"/>
+                </a:solidFill>
+                <a:latin typeface="Cascadia Mono SemiBold"/>
+              </a:rPr>
+              <a:t>Иванов Михаил</a:t>
+            </a:r>
+            <a:endParaRPr b="0" lang="ru-RU" sz="1800" spc="-1" strike="noStrike">
+              <a:solidFill>
+                <a:srgbClr val="ffffff"/>
+              </a:solidFill>
+              <a:latin typeface="Arial"/>
+            </a:endParaRPr>
+          </a:p>
+          <a:p>
+            <a:pPr indent="0">
+              <a:lnSpc>
+                <a:spcPct val="100000"/>
+              </a:lnSpc>
+              <a:buNone/>
+              <a:tabLst>
+                <a:tab algn="l" pos="0"/>
+              </a:tabLst>
+            </a:pPr>
+            <a:endParaRPr b="0" lang="ru-RU" sz="1800" spc="-1" strike="noStrike">
+              <a:solidFill>
+                <a:srgbClr val="ffffff"/>
+              </a:solidFill>
+              <a:latin typeface="Arial"/>
+            </a:endParaRPr>
+          </a:p>
+          <a:p>
+            <a:pPr indent="0">
+              <a:lnSpc>
+                <a:spcPct val="100000"/>
+              </a:lnSpc>
+              <a:buNone/>
+              <a:tabLst>
+                <a:tab algn="l" pos="0"/>
+              </a:tabLst>
+            </a:pPr>
+            <a:r>
+              <a:rPr b="1" lang="ru-RU" sz="1800" spc="-1" strike="noStrike">
+                <a:solidFill>
+                  <a:srgbClr val="a5eeda"/>
+                </a:solidFill>
+                <a:latin typeface="Cascadia Mono SemiBold"/>
+              </a:rPr>
+              <a:t>   </a:t>
+            </a:r>
+            <a:r>
+              <a:rPr b="1" lang="ru-RU" sz="1800" spc="-1" strike="noStrike">
+                <a:solidFill>
+                  <a:srgbClr val="a5eeda"/>
+                </a:solidFill>
+                <a:latin typeface="Cascadia Mono SemiBold"/>
+              </a:rPr>
+              <a:t>Учитель: </a:t>
+            </a:r>
+            <a:endParaRPr b="0" lang="ru-RU" sz="1800" spc="-1" strike="noStrike">
+              <a:solidFill>
+                <a:srgbClr val="ffffff"/>
+              </a:solidFill>
+              <a:latin typeface="Arial"/>
+            </a:endParaRPr>
+          </a:p>
+          <a:p>
+            <a:pPr indent="0">
+              <a:lnSpc>
+                <a:spcPct val="100000"/>
+              </a:lnSpc>
+              <a:buNone/>
+              <a:tabLst>
+                <a:tab algn="l" pos="0"/>
+              </a:tabLst>
+            </a:pPr>
+            <a:r>
+              <a:rPr b="0" lang="ru-RU" sz="1800" spc="-1" strike="noStrike">
+                <a:solidFill>
+                  <a:srgbClr val="a5eeda"/>
+                </a:solidFill>
+                <a:latin typeface="Cascadia Mono SemiBold"/>
+              </a:rPr>
+              <a:t>   </a:t>
+            </a:r>
+            <a:r>
+              <a:rPr b="0" lang="ru-RU" sz="1800" spc="-1" strike="noStrike">
+                <a:solidFill>
+                  <a:srgbClr val="a5eeda"/>
+                </a:solidFill>
+                <a:latin typeface="Cascadia Mono SemiBold"/>
+              </a:rPr>
+              <a:t>Шперлинг Владимир</a:t>
+            </a:r>
+            <a:endParaRPr b="0" lang="ru-RU" sz="1800" spc="-1" strike="noStrike">
+              <a:solidFill>
+                <a:srgbClr val="ffffff"/>
+              </a:solidFill>
+              <a:latin typeface="Arial"/>
+            </a:endParaRPr>
+          </a:p>
+          <a:p>
+            <a:pPr indent="0">
+              <a:lnSpc>
+                <a:spcPct val="100000"/>
+              </a:lnSpc>
+              <a:buNone/>
+              <a:tabLst>
+                <a:tab algn="l" pos="0"/>
+              </a:tabLst>
+            </a:pPr>
+            <a:endParaRPr b="0" lang="ru-RU" sz="1800" spc="-1" strike="noStrike">
+              <a:solidFill>
+                <a:srgbClr val="ffffff"/>
+              </a:solidFill>
+              <a:latin typeface="Arial"/>
+            </a:endParaRPr>
+          </a:p>
+          <a:p>
+            <a:pPr indent="0">
+              <a:lnSpc>
+                <a:spcPct val="100000"/>
+              </a:lnSpc>
+              <a:buNone/>
+              <a:tabLst>
+                <a:tab algn="l" pos="0"/>
+              </a:tabLst>
+            </a:pPr>
+            <a:r>
+              <a:rPr b="0" lang="ru-RU" sz="1800" spc="-1" strike="noStrike">
+                <a:solidFill>
+                  <a:srgbClr val="a5eeda"/>
+                </a:solidFill>
+                <a:latin typeface="Cascadia Mono SemiBold"/>
+              </a:rPr>
+              <a:t>      </a:t>
+            </a:r>
+            <a:r>
+              <a:rPr b="0" lang="ru-RU" sz="1800" spc="-1" strike="noStrike">
+                <a:solidFill>
+                  <a:srgbClr val="a5eeda"/>
+                </a:solidFill>
+                <a:latin typeface="Cascadia Mono SemiBold"/>
+              </a:rPr>
+              <a:t>Площадка:</a:t>
+            </a:r>
+            <a:endParaRPr b="0" lang="ru-RU" sz="1800" spc="-1" strike="noStrike">
+              <a:solidFill>
+                <a:srgbClr val="ffffff"/>
+              </a:solidFill>
+              <a:latin typeface="Arial"/>
+            </a:endParaRPr>
+          </a:p>
+          <a:p>
+            <a:pPr indent="0">
+              <a:lnSpc>
+                <a:spcPct val="100000"/>
+              </a:lnSpc>
+              <a:buNone/>
+              <a:tabLst>
+                <a:tab algn="l" pos="0"/>
+              </a:tabLst>
+            </a:pPr>
+            <a:r>
+              <a:rPr b="0" lang="ru-RU" sz="1800" spc="-1" strike="noStrike">
+                <a:solidFill>
+                  <a:srgbClr val="a5eeda"/>
+                </a:solidFill>
+                <a:latin typeface="Cascadia Mono SemiBold"/>
+              </a:rPr>
+              <a:t>      </a:t>
+            </a:r>
+            <a:r>
+              <a:rPr b="0" lang="ru-RU" sz="1800" spc="-1" strike="noStrike">
+                <a:solidFill>
+                  <a:srgbClr val="a5eeda"/>
+                </a:solidFill>
+                <a:latin typeface="Cascadia Mono SemiBold"/>
+              </a:rPr>
+              <a:t>Новосибирск, Инженерный лицей НГТУ</a:t>
+            </a:r>
+            <a:endParaRPr b="0" lang="ru-RU" sz="1800" spc="-1" strike="noStrike">
+              <a:solidFill>
+                <a:srgbClr val="ffffff"/>
+              </a:solidFill>
+              <a:latin typeface="Arial"/>
+            </a:endParaRPr>
+          </a:p>
+        </p:txBody>
+      </p:sp>
+      <p:pic>
+        <p:nvPicPr>
+          <p:cNvPr id="124" name="" descr=""/>
+          <p:cNvPicPr/>
+          <p:nvPr/>
+        </p:nvPicPr>
+        <p:blipFill>
+          <a:blip r:embed="rId2">
+            <a:lum bright="70000" contrast="-70000"/>
+          </a:blip>
+          <a:stretch/>
+        </p:blipFill>
+        <p:spPr>
+          <a:xfrm>
+            <a:off x="7740000" y="2399040"/>
+            <a:ext cx="3900960" cy="3900960"/>
+          </a:xfrm>
+          <a:prstGeom prst="rect">
+            <a:avLst/>
+          </a:prstGeom>
+          <a:ln w="0">
+            <a:noFill/>
+          </a:ln>
+        </p:spPr>
+      </p:pic>
+      <p:pic>
+        <p:nvPicPr>
+          <p:cNvPr id="125" name="" descr=""/>
+          <p:cNvPicPr/>
+          <p:nvPr/>
+        </p:nvPicPr>
+        <p:blipFill>
+          <a:blip r:embed="rId3">
+            <a:lum bright="70000" contrast="-70000"/>
+          </a:blip>
+          <a:stretch/>
+        </p:blipFill>
+        <p:spPr>
+          <a:xfrm>
+            <a:off x="7740000" y="180000"/>
+            <a:ext cx="4335480" cy="1523520"/>
+          </a:xfrm>
+          <a:prstGeom prst="rect">
+            <a:avLst/>
+          </a:prstGeom>
+          <a:ln w="0">
+            <a:noFill/>
+          </a:ln>
+        </p:spPr>
+      </p:pic>
     </p:spTree>
   </p:cSld>
   <mc:AlternateContent>
@@ -4576,4 +9502,207 @@
     </a:fmtScheme>
   </a:themeElements>
 </a:theme>
+</file>
+
+<file path=ppt/theme/theme2.xml><?xml version="1.0" encoding="utf-8"?>
+<a:theme xmlns:a="http://schemas.openxmlformats.org/drawingml/2006/main" name="Default">
+  <a:themeElements>
+    <a:clrScheme name="Office">
+      <a:dk1>
+        <a:srgbClr val="000000"/>
+      </a:dk1>
+      <a:lt1>
+        <a:srgbClr val="ffffff"/>
+      </a:lt1>
+      <a:dk2>
+        <a:srgbClr val="44546a"/>
+      </a:dk2>
+      <a:lt2>
+        <a:srgbClr val="e7e6e6"/>
+      </a:lt2>
+      <a:accent1>
+        <a:srgbClr val="4472c4"/>
+      </a:accent1>
+      <a:accent2>
+        <a:srgbClr val="ed7d31"/>
+      </a:accent2>
+      <a:accent3>
+        <a:srgbClr val="a5a5a5"/>
+      </a:accent3>
+      <a:accent4>
+        <a:srgbClr val="ffc000"/>
+      </a:accent4>
+      <a:accent5>
+        <a:srgbClr val="5b9bd5"/>
+      </a:accent5>
+      <a:accent6>
+        <a:srgbClr val="70ad47"/>
+      </a:accent6>
+      <a:hlink>
+        <a:srgbClr val="0563c1"/>
+      </a:hlink>
+      <a:folHlink>
+        <a:srgbClr val="954f72"/>
+      </a:folHlink>
+    </a:clrScheme>
+    <a:fontScheme name="Office">
+      <a:majorFont>
+        <a:latin typeface="Arial"/>
+        <a:ea typeface="DejaVu Sans"/>
+        <a:cs typeface="DejaVu Sans"/>
+      </a:majorFont>
+      <a:minorFont>
+        <a:latin typeface="Arial"/>
+        <a:ea typeface="DejaVu Sans"/>
+        <a:cs typeface="DejaVu Sans"/>
+      </a:minorFont>
+    </a:fontScheme>
+    <a:fmtScheme name="Office">
+      <a:fillStyleLst>
+        <a:solidFill>
+          <a:schemeClr val="phClr"/>
+        </a:solidFill>
+        <a:gradFill rotWithShape="1">
+          <a:gsLst>
+            <a:gs pos="0">
+              <a:schemeClr val="phClr">
+                <a:tint val="50000"/>
+                <a:satMod val="300000"/>
+              </a:schemeClr>
+            </a:gs>
+            <a:gs pos="35000">
+              <a:schemeClr val="phClr">
+                <a:tint val="37000"/>
+                <a:satMod val="300000"/>
+              </a:schemeClr>
+            </a:gs>
+            <a:gs pos="100000">
+              <a:schemeClr val="phClr">
+                <a:tint val="15000"/>
+                <a:satMod val="350000"/>
+              </a:schemeClr>
+            </a:gs>
+          </a:gsLst>
+          <a:lin ang="16200000" scaled="1"/>
+        </a:gradFill>
+        <a:gradFill rotWithShape="1">
+          <a:gsLst>
+            <a:gs pos="0">
+              <a:schemeClr val="phClr">
+                <a:shade val="51000"/>
+                <a:satMod val="130000"/>
+              </a:schemeClr>
+            </a:gs>
+            <a:gs pos="80000">
+              <a:schemeClr val="phClr">
+                <a:shade val="93000"/>
+                <a:satMod val="130000"/>
+              </a:schemeClr>
+            </a:gs>
+            <a:gs pos="100000">
+              <a:schemeClr val="phClr">
+                <a:shade val="94000"/>
+                <a:satMod val="135000"/>
+              </a:schemeClr>
+            </a:gs>
+          </a:gsLst>
+          <a:lin ang="16200000" scaled="0"/>
+        </a:gradFill>
+      </a:fillStyleLst>
+      <a:lnStyleLst>
+        <a:ln w="6350" cap="flat" cmpd="sng" algn="ctr">
+          <a:solidFill>
+            <a:schemeClr val="phClr">
+              <a:shade val="95000"/>
+              <a:satMod val="105000"/>
+            </a:schemeClr>
+          </a:solidFill>
+          <a:prstDash val="solid"/>
+          <a:miter/>
+        </a:ln>
+        <a:ln w="12700" cap="flat" cmpd="sng" algn="ctr">
+          <a:solidFill>
+            <a:schemeClr val="phClr"/>
+          </a:solidFill>
+          <a:prstDash val="solid"/>
+          <a:miter/>
+        </a:ln>
+        <a:ln w="19050" cap="flat" cmpd="sng" algn="ctr">
+          <a:solidFill>
+            <a:schemeClr val="phClr"/>
+          </a:solidFill>
+          <a:prstDash val="solid"/>
+          <a:miter/>
+        </a:ln>
+      </a:lnStyleLst>
+      <a:effectStyleLst>
+        <a:effectStyle>
+          <a:effectLst/>
+        </a:effectStyle>
+        <a:effectStyle>
+          <a:effectLst/>
+        </a:effectStyle>
+        <a:effectStyle>
+          <a:effectLst>
+            <a:outerShdw blurRad="40000" dist="23000" dir="5400000" rotWithShape="0">
+              <a:srgbClr val="000000">
+                <a:alpha val="35000"/>
+              </a:srgbClr>
+            </a:outerShdw>
+          </a:effectLst>
+        </a:effectStyle>
+      </a:effectStyleLst>
+      <a:bgFillStyleLst>
+        <a:solidFill>
+          <a:schemeClr val="phClr"/>
+        </a:solidFill>
+        <a:gradFill rotWithShape="1">
+          <a:gsLst>
+            <a:gs pos="0">
+              <a:schemeClr val="phClr">
+                <a:tint val="40000"/>
+                <a:satMod val="350000"/>
+              </a:schemeClr>
+            </a:gs>
+            <a:gs pos="40000">
+              <a:schemeClr val="phClr">
+                <a:tint val="45000"/>
+                <a:shade val="99000"/>
+                <a:satMod val="350000"/>
+              </a:schemeClr>
+            </a:gs>
+            <a:gs pos="100000">
+              <a:schemeClr val="phClr">
+                <a:shade val="20000"/>
+                <a:satMod val="255000"/>
+              </a:schemeClr>
+            </a:gs>
+          </a:gsLst>
+          <a:path path="circle">
+            <a:fillToRect l="50000" t="-80000" r="50000" b="180000"/>
+          </a:path>
+        </a:gradFill>
+        <a:gradFill rotWithShape="1">
+          <a:gsLst>
+            <a:gs pos="0">
+              <a:schemeClr val="phClr">
+                <a:tint val="80000"/>
+                <a:satMod val="300000"/>
+              </a:schemeClr>
+            </a:gs>
+            <a:gs pos="100000">
+              <a:schemeClr val="phClr">
+                <a:shade val="30000"/>
+                <a:satMod val="200000"/>
+              </a:schemeClr>
+            </a:gs>
+          </a:gsLst>
+          <a:path path="circle">
+            <a:fillToRect l="50000" t="50000" r="50000" b="50000"/>
+          </a:path>
+        </a:gradFill>
+      </a:bgFillStyleLst>
+    </a:fmtScheme>
+  </a:themeElements>
+</a:theme>
 </file>